--- a/pre/ViewPager优化.pptx
+++ b/pre/ViewPager优化.pptx
@@ -11641,7 +11641,7 @@
         <p:spPr>
           <a:xfrm>
             <a:off x="3185623" y="4047356"/>
-            <a:ext cx="2063032" cy="2049792"/>
+            <a:ext cx="2063032" cy="1626235"/>
           </a:xfrm>
           <a:prstGeom prst="rect">
             <a:avLst/>
@@ -11660,15 +11660,16 @@
               </a:lnSpc>
             </a:pPr>
             <a:r>
-              <a:rPr lang="en-US" altLang="zh-CN" sz="1200" b="1" dirty="0" err="1">
+              <a:rPr lang="en-US" altLang="zh-CN" sz="1200" b="1" dirty="0" smtClean="0">
                 <a:latin typeface="微软雅黑" panose="020B0503020204020204" pitchFamily="34" charset="-122"/>
                 <a:ea typeface="微软雅黑" panose="020B0503020204020204" pitchFamily="34" charset="-122"/>
                 <a:cs typeface="微软雅黑" panose="020B0503020204020204" pitchFamily="34" charset="-122"/>
+                <a:sym typeface="+mn-ea"/>
               </a:rPr>
-              <a:t>Lison</a:t>
+              <a:t>Lance</a:t>
             </a:r>
             <a:r>
-              <a:rPr lang="zh-CN" altLang="en-US" sz="1200" b="1" dirty="0">
+              <a:rPr lang="en-US" altLang="zh-CN" sz="1200" b="1" dirty="0" smtClean="0">
                 <a:latin typeface="微软雅黑" panose="020B0503020204020204" pitchFamily="34" charset="-122"/>
                 <a:ea typeface="微软雅黑" panose="020B0503020204020204" pitchFamily="34" charset="-122"/>
                 <a:cs typeface="微软雅黑" panose="020B0503020204020204" pitchFamily="34" charset="-122"/>
@@ -11695,18 +11696,9 @@
                 <a:cs typeface="微软雅黑" panose="020B0503020204020204" pitchFamily="34" charset="-122"/>
                 <a:sym typeface="+mn-ea"/>
               </a:rPr>
-              <a:t>复旦大学</a:t>
+              <a:t>某游戏公司主程，前爱奇艺高级工程师。多年移动平台开发经验，涉猎广泛，热爱技术与研究。主要对NDK、架构与性能优化拥有深入的理解及开发经验。授课严谨负责</a:t>
             </a:r>
-            <a:r>
-              <a:rPr lang="zh-CN" altLang="en-US" sz="1050" dirty="0">
-                <a:latin typeface="微软雅黑" panose="020B0503020204020204" pitchFamily="34" charset="-122"/>
-                <a:ea typeface="微软雅黑" panose="020B0503020204020204" pitchFamily="34" charset="-122"/>
-                <a:cs typeface="微软雅黑" panose="020B0503020204020204" pitchFamily="34" charset="-122"/>
-                <a:sym typeface="+mn-ea"/>
-              </a:rPr>
-              <a:t>工程硕士，专注技术十年，产品控、代码控，拥有丰富的项目经验，主持研发了多个成功上线的大型互联网项目。热爱互联网，热衷于各种Web技术，精通JAVA、J2EE和前端开发，擅长互联网高并发、高可靠架构设计，有丰富的实战经验。</a:t>
-            </a:r>
-            <a:endParaRPr lang="zh-CN" altLang="en-US" sz="1050" dirty="0">
+            <a:endParaRPr lang="zh-CN" altLang="en-US" sz="1050" dirty="0" smtClean="0">
               <a:latin typeface="微软雅黑" panose="020B0503020204020204" pitchFamily="34" charset="-122"/>
               <a:ea typeface="微软雅黑" panose="020B0503020204020204" pitchFamily="34" charset="-122"/>
               <a:cs typeface="微软雅黑" panose="020B0503020204020204" pitchFamily="34" charset="-122"/>
@@ -11908,47 +11900,6 @@
       </p:sp>
       <p:pic>
         <p:nvPicPr>
-          <p:cNvPr id="30" name="Picture 2" descr="C:\Users\dev\Desktop\微信图片_20180723142642.jpg"/>
-          <p:cNvPicPr>
-            <a:picLocks noChangeAspect="1" noChangeArrowheads="1"/>
-          </p:cNvPicPr>
-          <p:nvPr/>
-        </p:nvPicPr>
-        <p:blipFill>
-          <a:blip r:embed="rId3" cstate="print">
-            <a:extLst>
-              <a:ext uri="{28A0092B-C50C-407E-A947-70E740481C1C}">
-                <a14:useLocalDpi xmlns:a14="http://schemas.microsoft.com/office/drawing/2010/main" val="0"/>
-              </a:ext>
-            </a:extLst>
-          </a:blip>
-          <a:srcRect/>
-          <a:stretch>
-            <a:fillRect/>
-          </a:stretch>
-        </p:blipFill>
-        <p:spPr bwMode="auto">
-          <a:xfrm>
-            <a:off x="3162102" y="1053600"/>
-            <a:ext cx="2203511" cy="2784805"/>
-          </a:xfrm>
-          <a:prstGeom prst="rect">
-            <a:avLst/>
-          </a:prstGeom>
-          <a:noFill/>
-          <a:extLst>
-            <a:ext uri="{909E8E84-426E-40DD-AFC4-6F175D3DCCD1}">
-              <a14:hiddenFill xmlns:a14="http://schemas.microsoft.com/office/drawing/2010/main">
-                <a:solidFill>
-                  <a:srgbClr val="FFFFFF"/>
-                </a:solidFill>
-              </a14:hiddenFill>
-            </a:ext>
-          </a:extLst>
-        </p:spPr>
-      </p:pic>
-      <p:pic>
-        <p:nvPicPr>
           <p:cNvPr id="36" name="图片 35" descr="上半身_修改"/>
           <p:cNvPicPr>
             <a:picLocks noChangeAspect="1"/>
@@ -11956,7 +11907,7 @@
           <p:nvPr/>
         </p:nvPicPr>
         <p:blipFill>
-          <a:blip r:embed="rId4" cstate="print"/>
+          <a:blip r:embed="rId3" cstate="print"/>
           <a:stretch>
             <a:fillRect/>
           </a:stretch>
@@ -11980,7 +11931,7 @@
           <p:nvPr/>
         </p:nvPicPr>
         <p:blipFill>
-          <a:blip r:embed="rId5" cstate="print">
+          <a:blip r:embed="rId4" cstate="print">
             <a:extLst>
               <a:ext uri="{28A0092B-C50C-407E-A947-70E740481C1C}">
                 <a14:useLocalDpi xmlns:a14="http://schemas.microsoft.com/office/drawing/2010/main" val="0"/>
@@ -12010,7 +11961,7 @@
           <p:nvPr/>
         </p:nvPicPr>
         <p:blipFill>
-          <a:blip r:embed="rId6"/>
+          <a:blip r:embed="rId5"/>
           <a:stretch>
             <a:fillRect/>
           </a:stretch>
@@ -12019,6 +11970,30 @@
           <a:xfrm>
             <a:off x="8815823" y="1006647"/>
             <a:ext cx="2327099" cy="2879013"/>
+          </a:xfrm>
+          <a:prstGeom prst="rect">
+            <a:avLst/>
+          </a:prstGeom>
+        </p:spPr>
+      </p:pic>
+      <p:pic>
+        <p:nvPicPr>
+          <p:cNvPr id="4" name="图片 3"/>
+          <p:cNvPicPr>
+            <a:picLocks noChangeAspect="1"/>
+          </p:cNvPicPr>
+          <p:nvPr/>
+        </p:nvPicPr>
+        <p:blipFill>
+          <a:blip r:embed="rId6"/>
+          <a:stretch>
+            <a:fillRect/>
+          </a:stretch>
+        </p:blipFill>
+        <p:spPr>
+          <a:xfrm>
+            <a:off x="3159125" y="1016635"/>
+            <a:ext cx="2244090" cy="2886075"/>
           </a:xfrm>
           <a:prstGeom prst="rect">
             <a:avLst/>
@@ -15797,8 +15772,8 @@
         </p:nvGrpSpPr>
         <p:grpSpPr>
           <a:xfrm>
-            <a:off x="5253895" y="3504565"/>
-            <a:ext cx="2016723" cy="2527653"/>
+            <a:off x="5140960" y="3504565"/>
+            <a:ext cx="2129790" cy="2527935"/>
             <a:chOff x="522514" y="3027330"/>
             <a:chExt cx="1512542" cy="1440160"/>
           </a:xfrm>

--- a/pre/ViewPager优化.pptx
+++ b/pre/ViewPager优化.pptx
@@ -3,23 +3,23 @@
 <p:presentation xmlns:a="http://schemas.openxmlformats.org/drawingml/2006/main" xmlns:r="http://schemas.openxmlformats.org/officeDocument/2006/relationships" xmlns:p="http://schemas.openxmlformats.org/presentationml/2006/main">
   <p:sldMasterIdLst>
     <p:sldMasterId id="2147483648" r:id="rId1"/>
-    <p:sldMasterId id="2147483660" r:id="rId3"/>
+    <p:sldMasterId id="2147483660" r:id="rId2"/>
   </p:sldMasterIdLst>
   <p:notesMasterIdLst>
-    <p:notesMasterId r:id="rId7"/>
+    <p:notesMasterId r:id="rId14"/>
   </p:notesMasterIdLst>
   <p:sldIdLst>
-    <p:sldId id="381" r:id="rId4"/>
-    <p:sldId id="561" r:id="rId5"/>
-    <p:sldId id="562" r:id="rId6"/>
-    <p:sldId id="563" r:id="rId8"/>
-    <p:sldId id="729" r:id="rId9"/>
-    <p:sldId id="730" r:id="rId10"/>
-    <p:sldId id="731" r:id="rId11"/>
-    <p:sldId id="732" r:id="rId12"/>
-    <p:sldId id="733" r:id="rId13"/>
-    <p:sldId id="734" r:id="rId14"/>
-    <p:sldId id="350" r:id="rId15"/>
+    <p:sldId id="381" r:id="rId3"/>
+    <p:sldId id="561" r:id="rId4"/>
+    <p:sldId id="562" r:id="rId5"/>
+    <p:sldId id="563" r:id="rId6"/>
+    <p:sldId id="729" r:id="rId7"/>
+    <p:sldId id="730" r:id="rId8"/>
+    <p:sldId id="731" r:id="rId9"/>
+    <p:sldId id="732" r:id="rId10"/>
+    <p:sldId id="733" r:id="rId11"/>
+    <p:sldId id="734" r:id="rId12"/>
+    <p:sldId id="350" r:id="rId13"/>
   </p:sldIdLst>
   <p:sldSz cx="12192000" cy="6858000"/>
   <p:notesSz cx="6858000" cy="9144000"/>
@@ -118,6 +118,22 @@
       </a:defRPr>
     </a:lvl9pPr>
   </p:defaultTextStyle>
+  <p:extLst>
+    <p:ext uri="{EFAFB233-063F-42B5-8137-9DF3F51BA10A}">
+      <p15:sldGuideLst xmlns:p15="http://schemas.microsoft.com/office/powerpoint/2012/main">
+        <p15:guide id="1" orient="horz" pos="2084">
+          <p15:clr>
+            <a:srgbClr val="A4A3A4"/>
+          </p15:clr>
+        </p15:guide>
+        <p15:guide id="2" pos="3810">
+          <p15:clr>
+            <a:srgbClr val="A4A3A4"/>
+          </p15:clr>
+        </p15:guide>
+      </p15:sldGuideLst>
+    </p:ext>
+  </p:extLst>
 </p:presentation>
 </file>
 
@@ -203,6 +219,7 @@
           <a:p>
             <a:fld id="{5CE42986-7278-4353-98A2-826C12DEB039}" type="datetimeFigureOut">
               <a:rPr lang="zh-CN" altLang="en-US" smtClean="0"/>
+              <a:t>2019/1/25</a:t>
             </a:fld>
             <a:endParaRPr lang="zh-CN" altLang="en-US"/>
           </a:p>
@@ -269,7 +286,6 @@
               <a:rPr lang="zh-CN" altLang="en-US"/>
               <a:t>编辑母版文本样式</a:t>
             </a:r>
-            <a:endParaRPr lang="zh-CN" altLang="en-US"/>
           </a:p>
           <a:p>
             <a:pPr lvl="1"/>
@@ -277,7 +293,6 @@
               <a:rPr lang="zh-CN" altLang="en-US"/>
               <a:t>第二级</a:t>
             </a:r>
-            <a:endParaRPr lang="zh-CN" altLang="en-US"/>
           </a:p>
           <a:p>
             <a:pPr lvl="2"/>
@@ -285,7 +300,6 @@
               <a:rPr lang="zh-CN" altLang="en-US"/>
               <a:t>第三级</a:t>
             </a:r>
-            <a:endParaRPr lang="zh-CN" altLang="en-US"/>
           </a:p>
           <a:p>
             <a:pPr lvl="3"/>
@@ -293,7 +307,6 @@
               <a:rPr lang="zh-CN" altLang="en-US"/>
               <a:t>第四级</a:t>
             </a:r>
-            <a:endParaRPr lang="zh-CN" altLang="en-US"/>
           </a:p>
           <a:p>
             <a:pPr lvl="4"/>
@@ -301,7 +314,6 @@
               <a:rPr lang="zh-CN" altLang="en-US"/>
               <a:t>第五级</a:t>
             </a:r>
-            <a:endParaRPr lang="zh-CN" altLang="en-US"/>
           </a:p>
         </p:txBody>
       </p:sp>
@@ -365,6 +377,7 @@
           <a:p>
             <a:fld id="{50286AFD-4707-4CD9-9835-ABA1131554EB}" type="slidenum">
               <a:rPr lang="zh-CN" altLang="en-US" smtClean="0"/>
+              <a:t>‹#›</a:t>
             </a:fld>
             <a:endParaRPr lang="zh-CN" altLang="en-US"/>
           </a:p>
@@ -533,6 +546,7 @@
           <a:p>
             <a:fld id="{50286AFD-4707-4CD9-9835-ABA1131554EB}" type="slidenum">
               <a:rPr lang="zh-CN" altLang="en-US" smtClean="0"/>
+              <a:t>3</a:t>
             </a:fld>
             <a:endParaRPr lang="zh-CN" altLang="en-US"/>
           </a:p>
@@ -611,6 +625,7 @@
           <a:p>
             <a:fld id="{50286AFD-4707-4CD9-9835-ABA1131554EB}" type="slidenum">
               <a:rPr lang="zh-CN" altLang="en-US" smtClean="0"/>
+              <a:t>7</a:t>
             </a:fld>
             <a:endParaRPr lang="zh-CN" altLang="en-US"/>
           </a:p>
@@ -689,6 +704,7 @@
           <a:p>
             <a:fld id="{50286AFD-4707-4CD9-9835-ABA1131554EB}" type="slidenum">
               <a:rPr lang="zh-CN" altLang="en-US" smtClean="0"/>
+              <a:t>8</a:t>
             </a:fld>
             <a:endParaRPr lang="zh-CN" altLang="en-US"/>
           </a:p>
@@ -750,7 +766,6 @@
               <a:rPr lang="en-US" altLang="zh-CN" sz="1200" dirty="0"/>
               <a:t>https://ke.qq.com/comment/index.html?cid=341933</a:t>
             </a:r>
-            <a:endParaRPr lang="en-US" altLang="zh-CN" sz="1200" dirty="0"/>
           </a:p>
         </p:txBody>
       </p:sp>
@@ -771,6 +786,7 @@
           <a:p>
             <a:fld id="{50286AFD-4707-4CD9-9835-ABA1131554EB}" type="slidenum">
               <a:rPr lang="zh-CN" altLang="en-US" smtClean="0"/>
+              <a:t>9</a:t>
             </a:fld>
             <a:endParaRPr lang="zh-CN" altLang="en-US"/>
           </a:p>
@@ -899,7 +915,6 @@
               <a:rPr lang="zh-CN" altLang="en-US"/>
               <a:t>单击此处编辑母版标题样式</a:t>
             </a:r>
-            <a:endParaRPr lang="zh-CN" altLang="en-US"/>
           </a:p>
         </p:txBody>
       </p:sp>
@@ -923,7 +938,6 @@
               <a:rPr lang="zh-CN" altLang="en-US"/>
               <a:t>编辑母版文本样式</a:t>
             </a:r>
-            <a:endParaRPr lang="zh-CN" altLang="en-US"/>
           </a:p>
           <a:p>
             <a:pPr lvl="1"/>
@@ -931,7 +945,6 @@
               <a:rPr lang="zh-CN" altLang="en-US"/>
               <a:t>第二级</a:t>
             </a:r>
-            <a:endParaRPr lang="zh-CN" altLang="en-US"/>
           </a:p>
           <a:p>
             <a:pPr lvl="2"/>
@@ -939,7 +952,6 @@
               <a:rPr lang="zh-CN" altLang="en-US"/>
               <a:t>第三级</a:t>
             </a:r>
-            <a:endParaRPr lang="zh-CN" altLang="en-US"/>
           </a:p>
           <a:p>
             <a:pPr lvl="3"/>
@@ -947,7 +959,6 @@
               <a:rPr lang="zh-CN" altLang="en-US"/>
               <a:t>第四级</a:t>
             </a:r>
-            <a:endParaRPr lang="zh-CN" altLang="en-US"/>
           </a:p>
           <a:p>
             <a:pPr lvl="4"/>
@@ -955,7 +966,6 @@
               <a:rPr lang="zh-CN" altLang="en-US"/>
               <a:t>第五级</a:t>
             </a:r>
-            <a:endParaRPr lang="zh-CN" altLang="en-US"/>
           </a:p>
         </p:txBody>
       </p:sp>
@@ -976,6 +986,7 @@
           <a:p>
             <a:fld id="{5D001350-E321-44A0-9483-363D51B41BA5}" type="datetimeFigureOut">
               <a:rPr lang="zh-CN" altLang="en-US" smtClean="0"/>
+              <a:t>2019/1/25</a:t>
             </a:fld>
             <a:endParaRPr lang="zh-CN" altLang="en-US"/>
           </a:p>
@@ -1017,6 +1028,7 @@
           <a:p>
             <a:fld id="{27B1E7C8-A036-435A-8DC2-86FBA5107147}" type="slidenum">
               <a:rPr lang="zh-CN" altLang="en-US" smtClean="0"/>
+              <a:t>‹#›</a:t>
             </a:fld>
             <a:endParaRPr lang="zh-CN" altLang="en-US"/>
           </a:p>
@@ -1071,7 +1083,6 @@
               <a:rPr lang="zh-CN" altLang="en-US"/>
               <a:t>单击此处编辑母版标题样式</a:t>
             </a:r>
-            <a:endParaRPr lang="zh-CN" altLang="en-US"/>
           </a:p>
         </p:txBody>
       </p:sp>
@@ -1100,7 +1111,6 @@
               <a:rPr lang="zh-CN" altLang="en-US"/>
               <a:t>编辑母版文本样式</a:t>
             </a:r>
-            <a:endParaRPr lang="zh-CN" altLang="en-US"/>
           </a:p>
           <a:p>
             <a:pPr lvl="1"/>
@@ -1108,7 +1118,6 @@
               <a:rPr lang="zh-CN" altLang="en-US"/>
               <a:t>第二级</a:t>
             </a:r>
-            <a:endParaRPr lang="zh-CN" altLang="en-US"/>
           </a:p>
           <a:p>
             <a:pPr lvl="2"/>
@@ -1116,7 +1125,6 @@
               <a:rPr lang="zh-CN" altLang="en-US"/>
               <a:t>第三级</a:t>
             </a:r>
-            <a:endParaRPr lang="zh-CN" altLang="en-US"/>
           </a:p>
           <a:p>
             <a:pPr lvl="3"/>
@@ -1124,7 +1132,6 @@
               <a:rPr lang="zh-CN" altLang="en-US"/>
               <a:t>第四级</a:t>
             </a:r>
-            <a:endParaRPr lang="zh-CN" altLang="en-US"/>
           </a:p>
           <a:p>
             <a:pPr lvl="4"/>
@@ -1132,7 +1139,6 @@
               <a:rPr lang="zh-CN" altLang="en-US"/>
               <a:t>第五级</a:t>
             </a:r>
-            <a:endParaRPr lang="zh-CN" altLang="en-US"/>
           </a:p>
         </p:txBody>
       </p:sp>
@@ -1153,6 +1159,7 @@
           <a:p>
             <a:fld id="{5D001350-E321-44A0-9483-363D51B41BA5}" type="datetimeFigureOut">
               <a:rPr lang="zh-CN" altLang="en-US" smtClean="0"/>
+              <a:t>2019/1/25</a:t>
             </a:fld>
             <a:endParaRPr lang="zh-CN" altLang="en-US"/>
           </a:p>
@@ -1194,6 +1201,7 @@
           <a:p>
             <a:fld id="{27B1E7C8-A036-435A-8DC2-86FBA5107147}" type="slidenum">
               <a:rPr lang="zh-CN" altLang="en-US" smtClean="0"/>
+              <a:t>‹#›</a:t>
             </a:fld>
             <a:endParaRPr lang="zh-CN" altLang="en-US"/>
           </a:p>
@@ -1251,6 +1259,7 @@
           <a:p>
             <a:fld id="{8035C5D1-AD16-4B01-871F-DE047A6CFB67}" type="datetimeFigureOut">
               <a:rPr lang="zh-CN" altLang="en-US" smtClean="0"/>
+              <a:t>2019/1/25</a:t>
             </a:fld>
             <a:endParaRPr lang="zh-CN" altLang="en-US"/>
           </a:p>
@@ -1292,6 +1301,7 @@
           <a:p>
             <a:fld id="{8BCDE635-3FC4-4B83-A3D1-632FFA341E9A}" type="slidenum">
               <a:rPr lang="zh-CN" altLang="en-US" smtClean="0"/>
+              <a:t>‹#›</a:t>
             </a:fld>
             <a:endParaRPr lang="zh-CN" altLang="en-US"/>
           </a:p>
@@ -1339,6 +1349,7 @@
           <a:p>
             <a:fld id="{5D001350-E321-44A0-9483-363D51B41BA5}" type="datetimeFigureOut">
               <a:rPr lang="zh-CN" altLang="en-US" smtClean="0"/>
+              <a:t>2019/1/25</a:t>
             </a:fld>
             <a:endParaRPr lang="zh-CN" altLang="en-US"/>
           </a:p>
@@ -1380,6 +1391,7 @@
           <a:p>
             <a:fld id="{27B1E7C8-A036-435A-8DC2-86FBA5107147}" type="slidenum">
               <a:rPr lang="zh-CN" altLang="en-US" smtClean="0"/>
+              <a:t>‹#›</a:t>
             </a:fld>
             <a:endParaRPr lang="zh-CN" altLang="en-US"/>
           </a:p>
@@ -1643,7 +1655,7 @@
               <a:defRPr/>
             </a:pPr>
             <a:r>
-              <a:rPr lang="zh-CN" altLang="en-US" b="1" smtClean="0">
+              <a:rPr lang="zh-CN" altLang="en-US" b="1">
                 <a:solidFill>
                   <a:srgbClr val="7030A0"/>
                 </a:solidFill>
@@ -1653,12 +1665,12 @@
               <a:t>享 学 课 堂：</a:t>
             </a:r>
             <a:r>
-              <a:rPr lang="en-US" altLang="zh-CN" smtClean="0">
+              <a:rPr lang="en-US" altLang="zh-CN">
                 <a:hlinkClick r:id="rId3"/>
               </a:rPr>
               <a:t>http://enjoy.ke.qq.com/</a:t>
             </a:r>
-            <a:endParaRPr lang="zh-CN" altLang="en-US" smtClean="0"/>
+            <a:endParaRPr lang="zh-CN" altLang="en-US"/>
           </a:p>
         </p:txBody>
       </p:sp>
@@ -1818,7 +1830,7 @@
               <a:defRPr/>
             </a:pPr>
             <a:r>
-              <a:rPr lang="zh-CN" altLang="en-US" b="1" smtClean="0">
+              <a:rPr lang="zh-CN" altLang="en-US" b="1">
                 <a:solidFill>
                   <a:srgbClr val="7030A0"/>
                 </a:solidFill>
@@ -1828,10 +1840,9 @@
               <a:t>享 学 官 方 群：</a:t>
             </a:r>
             <a:r>
-              <a:rPr lang="en-US" altLang="zh-CN" smtClean="0"/>
+              <a:rPr lang="en-US" altLang="zh-CN"/>
               <a:t>921908169</a:t>
             </a:r>
-            <a:endParaRPr lang="en-US" altLang="zh-CN" smtClean="0"/>
           </a:p>
         </p:txBody>
       </p:sp>
@@ -1888,7 +1899,6 @@
               <a:rPr lang="zh-CN" altLang="en-US"/>
               <a:t>单击此处编辑母版标题样式</a:t>
             </a:r>
-            <a:endParaRPr lang="zh-CN" altLang="en-US"/>
           </a:p>
         </p:txBody>
       </p:sp>
@@ -2008,7 +2018,6 @@
               <a:rPr lang="zh-CN" altLang="en-US"/>
               <a:t>编辑母版文本样式</a:t>
             </a:r>
-            <a:endParaRPr lang="zh-CN" altLang="en-US"/>
           </a:p>
         </p:txBody>
       </p:sp>
@@ -2029,6 +2038,7 @@
           <a:p>
             <a:fld id="{5D001350-E321-44A0-9483-363D51B41BA5}" type="datetimeFigureOut">
               <a:rPr lang="zh-CN" altLang="en-US" smtClean="0"/>
+              <a:t>2019/1/25</a:t>
             </a:fld>
             <a:endParaRPr lang="zh-CN" altLang="en-US"/>
           </a:p>
@@ -2070,6 +2080,7 @@
           <a:p>
             <a:fld id="{27B1E7C8-A036-435A-8DC2-86FBA5107147}" type="slidenum">
               <a:rPr lang="zh-CN" altLang="en-US" smtClean="0"/>
+              <a:t>‹#›</a:t>
             </a:fld>
             <a:endParaRPr lang="zh-CN" altLang="en-US"/>
           </a:p>
@@ -2119,7 +2130,6 @@
               <a:rPr lang="zh-CN" altLang="en-US"/>
               <a:t>单击此处编辑母版标题样式</a:t>
             </a:r>
-            <a:endParaRPr lang="zh-CN" altLang="en-US"/>
           </a:p>
         </p:txBody>
       </p:sp>
@@ -2148,7 +2158,6 @@
               <a:rPr lang="zh-CN" altLang="en-US"/>
               <a:t>编辑母版文本样式</a:t>
             </a:r>
-            <a:endParaRPr lang="zh-CN" altLang="en-US"/>
           </a:p>
           <a:p>
             <a:pPr lvl="1"/>
@@ -2156,7 +2165,6 @@
               <a:rPr lang="zh-CN" altLang="en-US"/>
               <a:t>第二级</a:t>
             </a:r>
-            <a:endParaRPr lang="zh-CN" altLang="en-US"/>
           </a:p>
           <a:p>
             <a:pPr lvl="2"/>
@@ -2164,7 +2172,6 @@
               <a:rPr lang="zh-CN" altLang="en-US"/>
               <a:t>第三级</a:t>
             </a:r>
-            <a:endParaRPr lang="zh-CN" altLang="en-US"/>
           </a:p>
           <a:p>
             <a:pPr lvl="3"/>
@@ -2172,7 +2179,6 @@
               <a:rPr lang="zh-CN" altLang="en-US"/>
               <a:t>第四级</a:t>
             </a:r>
-            <a:endParaRPr lang="zh-CN" altLang="en-US"/>
           </a:p>
           <a:p>
             <a:pPr lvl="4"/>
@@ -2180,7 +2186,6 @@
               <a:rPr lang="zh-CN" altLang="en-US"/>
               <a:t>第五级</a:t>
             </a:r>
-            <a:endParaRPr lang="zh-CN" altLang="en-US"/>
           </a:p>
         </p:txBody>
       </p:sp>
@@ -2209,7 +2214,6 @@
               <a:rPr lang="zh-CN" altLang="en-US"/>
               <a:t>编辑母版文本样式</a:t>
             </a:r>
-            <a:endParaRPr lang="zh-CN" altLang="en-US"/>
           </a:p>
           <a:p>
             <a:pPr lvl="1"/>
@@ -2217,7 +2221,6 @@
               <a:rPr lang="zh-CN" altLang="en-US"/>
               <a:t>第二级</a:t>
             </a:r>
-            <a:endParaRPr lang="zh-CN" altLang="en-US"/>
           </a:p>
           <a:p>
             <a:pPr lvl="2"/>
@@ -2225,7 +2228,6 @@
               <a:rPr lang="zh-CN" altLang="en-US"/>
               <a:t>第三级</a:t>
             </a:r>
-            <a:endParaRPr lang="zh-CN" altLang="en-US"/>
           </a:p>
           <a:p>
             <a:pPr lvl="3"/>
@@ -2233,7 +2235,6 @@
               <a:rPr lang="zh-CN" altLang="en-US"/>
               <a:t>第四级</a:t>
             </a:r>
-            <a:endParaRPr lang="zh-CN" altLang="en-US"/>
           </a:p>
           <a:p>
             <a:pPr lvl="4"/>
@@ -2241,7 +2242,6 @@
               <a:rPr lang="zh-CN" altLang="en-US"/>
               <a:t>第五级</a:t>
             </a:r>
-            <a:endParaRPr lang="zh-CN" altLang="en-US"/>
           </a:p>
         </p:txBody>
       </p:sp>
@@ -2262,6 +2262,7 @@
           <a:p>
             <a:fld id="{5D001350-E321-44A0-9483-363D51B41BA5}" type="datetimeFigureOut">
               <a:rPr lang="zh-CN" altLang="en-US" smtClean="0"/>
+              <a:t>2019/1/25</a:t>
             </a:fld>
             <a:endParaRPr lang="zh-CN" altLang="en-US"/>
           </a:p>
@@ -2303,6 +2304,7 @@
           <a:p>
             <a:fld id="{27B1E7C8-A036-435A-8DC2-86FBA5107147}" type="slidenum">
               <a:rPr lang="zh-CN" altLang="en-US" smtClean="0"/>
+              <a:t>‹#›</a:t>
             </a:fld>
             <a:endParaRPr lang="zh-CN" altLang="en-US"/>
           </a:p>
@@ -2357,7 +2359,6 @@
               <a:rPr lang="zh-CN" altLang="en-US"/>
               <a:t>单击此处编辑母版标题样式</a:t>
             </a:r>
-            <a:endParaRPr lang="zh-CN" altLang="en-US"/>
           </a:p>
         </p:txBody>
       </p:sp>
@@ -2423,7 +2424,6 @@
               <a:rPr lang="zh-CN" altLang="en-US"/>
               <a:t>编辑母版文本样式</a:t>
             </a:r>
-            <a:endParaRPr lang="zh-CN" altLang="en-US"/>
           </a:p>
         </p:txBody>
       </p:sp>
@@ -2452,7 +2452,6 @@
               <a:rPr lang="zh-CN" altLang="en-US"/>
               <a:t>编辑母版文本样式</a:t>
             </a:r>
-            <a:endParaRPr lang="zh-CN" altLang="en-US"/>
           </a:p>
           <a:p>
             <a:pPr lvl="1"/>
@@ -2460,7 +2459,6 @@
               <a:rPr lang="zh-CN" altLang="en-US"/>
               <a:t>第二级</a:t>
             </a:r>
-            <a:endParaRPr lang="zh-CN" altLang="en-US"/>
           </a:p>
           <a:p>
             <a:pPr lvl="2"/>
@@ -2468,7 +2466,6 @@
               <a:rPr lang="zh-CN" altLang="en-US"/>
               <a:t>第三级</a:t>
             </a:r>
-            <a:endParaRPr lang="zh-CN" altLang="en-US"/>
           </a:p>
           <a:p>
             <a:pPr lvl="3"/>
@@ -2476,7 +2473,6 @@
               <a:rPr lang="zh-CN" altLang="en-US"/>
               <a:t>第四级</a:t>
             </a:r>
-            <a:endParaRPr lang="zh-CN" altLang="en-US"/>
           </a:p>
           <a:p>
             <a:pPr lvl="4"/>
@@ -2484,7 +2480,6 @@
               <a:rPr lang="zh-CN" altLang="en-US"/>
               <a:t>第五级</a:t>
             </a:r>
-            <a:endParaRPr lang="zh-CN" altLang="en-US"/>
           </a:p>
         </p:txBody>
       </p:sp>
@@ -2550,7 +2545,6 @@
               <a:rPr lang="zh-CN" altLang="en-US"/>
               <a:t>编辑母版文本样式</a:t>
             </a:r>
-            <a:endParaRPr lang="zh-CN" altLang="en-US"/>
           </a:p>
         </p:txBody>
       </p:sp>
@@ -2579,7 +2573,6 @@
               <a:rPr lang="zh-CN" altLang="en-US"/>
               <a:t>编辑母版文本样式</a:t>
             </a:r>
-            <a:endParaRPr lang="zh-CN" altLang="en-US"/>
           </a:p>
           <a:p>
             <a:pPr lvl="1"/>
@@ -2587,7 +2580,6 @@
               <a:rPr lang="zh-CN" altLang="en-US"/>
               <a:t>第二级</a:t>
             </a:r>
-            <a:endParaRPr lang="zh-CN" altLang="en-US"/>
           </a:p>
           <a:p>
             <a:pPr lvl="2"/>
@@ -2595,7 +2587,6 @@
               <a:rPr lang="zh-CN" altLang="en-US"/>
               <a:t>第三级</a:t>
             </a:r>
-            <a:endParaRPr lang="zh-CN" altLang="en-US"/>
           </a:p>
           <a:p>
             <a:pPr lvl="3"/>
@@ -2603,7 +2594,6 @@
               <a:rPr lang="zh-CN" altLang="en-US"/>
               <a:t>第四级</a:t>
             </a:r>
-            <a:endParaRPr lang="zh-CN" altLang="en-US"/>
           </a:p>
           <a:p>
             <a:pPr lvl="4"/>
@@ -2611,7 +2601,6 @@
               <a:rPr lang="zh-CN" altLang="en-US"/>
               <a:t>第五级</a:t>
             </a:r>
-            <a:endParaRPr lang="zh-CN" altLang="en-US"/>
           </a:p>
         </p:txBody>
       </p:sp>
@@ -2632,6 +2621,7 @@
           <a:p>
             <a:fld id="{5D001350-E321-44A0-9483-363D51B41BA5}" type="datetimeFigureOut">
               <a:rPr lang="zh-CN" altLang="en-US" smtClean="0"/>
+              <a:t>2019/1/25</a:t>
             </a:fld>
             <a:endParaRPr lang="zh-CN" altLang="en-US"/>
           </a:p>
@@ -2673,6 +2663,7 @@
           <a:p>
             <a:fld id="{27B1E7C8-A036-435A-8DC2-86FBA5107147}" type="slidenum">
               <a:rPr lang="zh-CN" altLang="en-US" smtClean="0"/>
+              <a:t>‹#›</a:t>
             </a:fld>
             <a:endParaRPr lang="zh-CN" altLang="en-US"/>
           </a:p>
@@ -2722,7 +2713,6 @@
               <a:rPr lang="zh-CN" altLang="en-US"/>
               <a:t>单击此处编辑母版标题样式</a:t>
             </a:r>
-            <a:endParaRPr lang="zh-CN" altLang="en-US"/>
           </a:p>
         </p:txBody>
       </p:sp>
@@ -2743,6 +2733,7 @@
           <a:p>
             <a:fld id="{5D001350-E321-44A0-9483-363D51B41BA5}" type="datetimeFigureOut">
               <a:rPr lang="zh-CN" altLang="en-US" smtClean="0"/>
+              <a:t>2019/1/25</a:t>
             </a:fld>
             <a:endParaRPr lang="zh-CN" altLang="en-US"/>
           </a:p>
@@ -2784,6 +2775,7 @@
           <a:p>
             <a:fld id="{27B1E7C8-A036-435A-8DC2-86FBA5107147}" type="slidenum">
               <a:rPr lang="zh-CN" altLang="en-US" smtClean="0"/>
+              <a:t>‹#›</a:t>
             </a:fld>
             <a:endParaRPr lang="zh-CN" altLang="en-US"/>
           </a:p>
@@ -2831,6 +2823,7 @@
           <a:p>
             <a:fld id="{5D001350-E321-44A0-9483-363D51B41BA5}" type="datetimeFigureOut">
               <a:rPr lang="zh-CN" altLang="en-US" smtClean="0"/>
+              <a:t>2019/1/25</a:t>
             </a:fld>
             <a:endParaRPr lang="zh-CN" altLang="en-US"/>
           </a:p>
@@ -2872,6 +2865,7 @@
           <a:p>
             <a:fld id="{27B1E7C8-A036-435A-8DC2-86FBA5107147}" type="slidenum">
               <a:rPr lang="zh-CN" altLang="en-US" smtClean="0"/>
+              <a:t>‹#›</a:t>
             </a:fld>
             <a:endParaRPr lang="zh-CN" altLang="en-US"/>
           </a:p>
@@ -2930,7 +2924,6 @@
               <a:rPr lang="zh-CN" altLang="en-US"/>
               <a:t>单击此处编辑母版标题样式</a:t>
             </a:r>
-            <a:endParaRPr lang="zh-CN" altLang="en-US"/>
           </a:p>
         </p:txBody>
       </p:sp>
@@ -2987,7 +2980,6 @@
               <a:rPr lang="zh-CN" altLang="en-US"/>
               <a:t>编辑母版文本样式</a:t>
             </a:r>
-            <a:endParaRPr lang="zh-CN" altLang="en-US"/>
           </a:p>
           <a:p>
             <a:pPr lvl="1"/>
@@ -2995,7 +2987,6 @@
               <a:rPr lang="zh-CN" altLang="en-US"/>
               <a:t>第二级</a:t>
             </a:r>
-            <a:endParaRPr lang="zh-CN" altLang="en-US"/>
           </a:p>
           <a:p>
             <a:pPr lvl="2"/>
@@ -3003,7 +2994,6 @@
               <a:rPr lang="zh-CN" altLang="en-US"/>
               <a:t>第三级</a:t>
             </a:r>
-            <a:endParaRPr lang="zh-CN" altLang="en-US"/>
           </a:p>
           <a:p>
             <a:pPr lvl="3"/>
@@ -3011,7 +3001,6 @@
               <a:rPr lang="zh-CN" altLang="en-US"/>
               <a:t>第四级</a:t>
             </a:r>
-            <a:endParaRPr lang="zh-CN" altLang="en-US"/>
           </a:p>
           <a:p>
             <a:pPr lvl="4"/>
@@ -3019,7 +3008,6 @@
               <a:rPr lang="zh-CN" altLang="en-US"/>
               <a:t>第五级</a:t>
             </a:r>
-            <a:endParaRPr lang="zh-CN" altLang="en-US"/>
           </a:p>
         </p:txBody>
       </p:sp>
@@ -3085,7 +3073,6 @@
               <a:rPr lang="zh-CN" altLang="en-US"/>
               <a:t>编辑母版文本样式</a:t>
             </a:r>
-            <a:endParaRPr lang="zh-CN" altLang="en-US"/>
           </a:p>
         </p:txBody>
       </p:sp>
@@ -3106,6 +3093,7 @@
           <a:p>
             <a:fld id="{5D001350-E321-44A0-9483-363D51B41BA5}" type="datetimeFigureOut">
               <a:rPr lang="zh-CN" altLang="en-US" smtClean="0"/>
+              <a:t>2019/1/25</a:t>
             </a:fld>
             <a:endParaRPr lang="zh-CN" altLang="en-US"/>
           </a:p>
@@ -3147,6 +3135,7 @@
           <a:p>
             <a:fld id="{27B1E7C8-A036-435A-8DC2-86FBA5107147}" type="slidenum">
               <a:rPr lang="zh-CN" altLang="en-US" smtClean="0"/>
+              <a:t>‹#›</a:t>
             </a:fld>
             <a:endParaRPr lang="zh-CN" altLang="en-US"/>
           </a:p>
@@ -3205,7 +3194,6 @@
               <a:rPr lang="zh-CN" altLang="en-US"/>
               <a:t>单击此处编辑母版标题样式</a:t>
             </a:r>
-            <a:endParaRPr lang="zh-CN" altLang="en-US"/>
           </a:p>
         </p:txBody>
       </p:sp>
@@ -3332,7 +3320,6 @@
               <a:rPr lang="zh-CN" altLang="en-US"/>
               <a:t>编辑母版文本样式</a:t>
             </a:r>
-            <a:endParaRPr lang="zh-CN" altLang="en-US"/>
           </a:p>
         </p:txBody>
       </p:sp>
@@ -3353,6 +3340,7 @@
           <a:p>
             <a:fld id="{5D001350-E321-44A0-9483-363D51B41BA5}" type="datetimeFigureOut">
               <a:rPr lang="zh-CN" altLang="en-US" smtClean="0"/>
+              <a:t>2019/1/25</a:t>
             </a:fld>
             <a:endParaRPr lang="zh-CN" altLang="en-US"/>
           </a:p>
@@ -3394,6 +3382,7 @@
           <a:p>
             <a:fld id="{27B1E7C8-A036-435A-8DC2-86FBA5107147}" type="slidenum">
               <a:rPr lang="zh-CN" altLang="en-US" smtClean="0"/>
+              <a:t>‹#›</a:t>
             </a:fld>
             <a:endParaRPr lang="zh-CN" altLang="en-US"/>
           </a:p>
@@ -3458,7 +3447,6 @@
               <a:rPr lang="zh-CN" altLang="en-US"/>
               <a:t>单击此处编辑母版标题样式</a:t>
             </a:r>
-            <a:endParaRPr lang="zh-CN" altLang="en-US"/>
           </a:p>
         </p:txBody>
       </p:sp>
@@ -3492,7 +3480,6 @@
               <a:rPr lang="zh-CN" altLang="en-US"/>
               <a:t>编辑母版文本样式</a:t>
             </a:r>
-            <a:endParaRPr lang="zh-CN" altLang="en-US"/>
           </a:p>
           <a:p>
             <a:pPr lvl="1"/>
@@ -3500,7 +3487,6 @@
               <a:rPr lang="zh-CN" altLang="en-US"/>
               <a:t>第二级</a:t>
             </a:r>
-            <a:endParaRPr lang="zh-CN" altLang="en-US"/>
           </a:p>
           <a:p>
             <a:pPr lvl="2"/>
@@ -3508,7 +3494,6 @@
               <a:rPr lang="zh-CN" altLang="en-US"/>
               <a:t>第三级</a:t>
             </a:r>
-            <a:endParaRPr lang="zh-CN" altLang="en-US"/>
           </a:p>
           <a:p>
             <a:pPr lvl="3"/>
@@ -3516,7 +3501,6 @@
               <a:rPr lang="zh-CN" altLang="en-US"/>
               <a:t>第四级</a:t>
             </a:r>
-            <a:endParaRPr lang="zh-CN" altLang="en-US"/>
           </a:p>
           <a:p>
             <a:pPr lvl="4"/>
@@ -3524,7 +3508,6 @@
               <a:rPr lang="zh-CN" altLang="en-US"/>
               <a:t>第五级</a:t>
             </a:r>
-            <a:endParaRPr lang="zh-CN" altLang="en-US"/>
           </a:p>
         </p:txBody>
       </p:sp>
@@ -3563,6 +3546,7 @@
           <a:p>
             <a:fld id="{5D001350-E321-44A0-9483-363D51B41BA5}" type="datetimeFigureOut">
               <a:rPr lang="zh-CN" altLang="en-US" smtClean="0"/>
+              <a:t>2019/1/25</a:t>
             </a:fld>
             <a:endParaRPr lang="zh-CN" altLang="en-US"/>
           </a:p>
@@ -3640,6 +3624,7 @@
           <a:p>
             <a:fld id="{27B1E7C8-A036-435A-8DC2-86FBA5107147}" type="slidenum">
               <a:rPr lang="zh-CN" altLang="en-US" smtClean="0"/>
+              <a:t>‹#›</a:t>
             </a:fld>
             <a:endParaRPr lang="zh-CN" altLang="en-US"/>
           </a:p>
@@ -3995,7 +3980,6 @@
               <a:rPr lang="zh-CN" altLang="en-US"/>
               <a:t>单击此处编辑母版标题样式</a:t>
             </a:r>
-            <a:endParaRPr lang="zh-CN" altLang="en-US"/>
           </a:p>
         </p:txBody>
       </p:sp>
@@ -4029,7 +4013,6 @@
               <a:rPr lang="zh-CN" altLang="en-US"/>
               <a:t>单击此处编辑母版文本样式</a:t>
             </a:r>
-            <a:endParaRPr lang="zh-CN" altLang="en-US"/>
           </a:p>
           <a:p>
             <a:pPr lvl="1"/>
@@ -4037,7 +4020,6 @@
               <a:rPr lang="zh-CN" altLang="en-US"/>
               <a:t>第二级</a:t>
             </a:r>
-            <a:endParaRPr lang="zh-CN" altLang="en-US"/>
           </a:p>
           <a:p>
             <a:pPr lvl="2"/>
@@ -4045,7 +4027,6 @@
               <a:rPr lang="zh-CN" altLang="en-US"/>
               <a:t>第三级</a:t>
             </a:r>
-            <a:endParaRPr lang="zh-CN" altLang="en-US"/>
           </a:p>
           <a:p>
             <a:pPr lvl="3"/>
@@ -4053,7 +4034,6 @@
               <a:rPr lang="zh-CN" altLang="en-US"/>
               <a:t>第四级</a:t>
             </a:r>
-            <a:endParaRPr lang="zh-CN" altLang="en-US"/>
           </a:p>
           <a:p>
             <a:pPr lvl="4"/>
@@ -4061,7 +4041,6 @@
               <a:rPr lang="zh-CN" altLang="en-US"/>
               <a:t>第五级</a:t>
             </a:r>
-            <a:endParaRPr lang="zh-CN" altLang="en-US"/>
           </a:p>
         </p:txBody>
       </p:sp>
@@ -4100,6 +4079,7 @@
           <a:p>
             <a:fld id="{8035C5D1-AD16-4B01-871F-DE047A6CFB67}" type="datetimeFigureOut">
               <a:rPr lang="zh-CN" altLang="en-US" smtClean="0"/>
+              <a:t>2019/1/25</a:t>
             </a:fld>
             <a:endParaRPr lang="zh-CN" altLang="en-US"/>
           </a:p>
@@ -4177,6 +4157,7 @@
           <a:p>
             <a:fld id="{8BCDE635-3FC4-4B83-A3D1-632FFA341E9A}" type="slidenum">
               <a:rPr lang="zh-CN" altLang="en-US" smtClean="0"/>
+              <a:t>‹#›</a:t>
             </a:fld>
             <a:endParaRPr lang="zh-CN" altLang="en-US"/>
           </a:p>
@@ -4520,19 +4501,6 @@
           <a:p>
             <a:pPr algn="dist" defTabSz="1218565" fontAlgn="auto"/>
             <a:r>
-              <a:rPr lang="en-US" altLang="zh-CN" sz="1335" strike="noStrike" noProof="1" smtClean="0">
-                <a:solidFill>
-                  <a:srgbClr val="FFFFFF">
-                    <a:lumMod val="50000"/>
-                  </a:srgbClr>
-                </a:solidFill>
-                <a:latin typeface="Calibri" panose="020F0502020204030204"/>
-                <a:ea typeface="宋体" panose="02010600030101010101" pitchFamily="2" charset="-122"/>
-                <a:cs typeface="+mn-cs"/>
-              </a:rPr>
-              <a:t>THANK </a:t>
-            </a:r>
-            <a:r>
               <a:rPr lang="en-US" altLang="zh-CN" sz="1335" strike="noStrike" noProof="1">
                 <a:solidFill>
                   <a:srgbClr val="FFFFFF">
@@ -4543,7 +4511,7 @@
                 <a:ea typeface="宋体" panose="02010600030101010101" pitchFamily="2" charset="-122"/>
                 <a:cs typeface="+mn-cs"/>
               </a:rPr>
-              <a:t>YOU FOR WATCHING</a:t>
+              <a:t>THANK YOU FOR WATCHING</a:t>
             </a:r>
             <a:endParaRPr lang="zh-CN" altLang="en-US" sz="1335" strike="noStrike" noProof="1">
               <a:solidFill>
@@ -4893,7 +4861,7 @@
           <p:nvPr/>
         </p:nvPicPr>
         <p:blipFill>
-          <a:blip r:embed="rId2"/>
+          <a:blip r:embed="rId5"/>
           <a:stretch>
             <a:fillRect/>
           </a:stretch>
@@ -4943,7 +4911,7 @@
               </a:lnSpc>
             </a:pPr>
             <a:r>
-              <a:rPr lang="en-US" altLang="zh-CN" sz="3200" dirty="0" smtClean="0">
+              <a:rPr lang="en-US" altLang="zh-CN" sz="3200" dirty="0">
                 <a:solidFill>
                   <a:srgbClr val="FF0000"/>
                 </a:solidFill>
@@ -4953,7 +4921,7 @@
               <a:t>ViewPager</a:t>
             </a:r>
             <a:r>
-              <a:rPr lang="zh-CN" altLang="en-US" sz="3200" dirty="0" smtClean="0">
+              <a:rPr lang="zh-CN" altLang="en-US" sz="3200" dirty="0">
                 <a:solidFill>
                   <a:srgbClr val="FF0000"/>
                 </a:solidFill>
@@ -4962,13 +4930,6 @@
               </a:rPr>
               <a:t>优化</a:t>
             </a:r>
-            <a:endParaRPr lang="zh-CN" altLang="en-US" sz="3200" dirty="0" smtClean="0">
-              <a:solidFill>
-                <a:srgbClr val="FF0000"/>
-              </a:solidFill>
-              <a:latin typeface="等线" panose="02010600030101010101" charset="-122"/>
-              <a:ea typeface="宋体" panose="02010600030101010101" pitchFamily="2" charset="-122"/>
-            </a:endParaRPr>
           </a:p>
         </p:txBody>
       </p:sp>
@@ -5426,24 +5387,17 @@
                   <a:latin typeface="微软雅黑" panose="020B0503020204020204" pitchFamily="34" charset="-122"/>
                   <a:ea typeface="微软雅黑" panose="020B0503020204020204" pitchFamily="34" charset="-122"/>
                 </a:rPr>
-                <a:t>主讲</a:t>
+                <a:t>主讲老师</a:t>
               </a:r>
               <a:r>
-                <a:rPr lang="zh-CN" altLang="en-US" dirty="0" smtClean="0">
-                  <a:latin typeface="微软雅黑" panose="020B0503020204020204" pitchFamily="34" charset="-122"/>
-                  <a:ea typeface="微软雅黑" panose="020B0503020204020204" pitchFamily="34" charset="-122"/>
-                </a:rPr>
-                <a:t>老师</a:t>
-              </a:r>
-              <a:r>
-                <a:rPr lang="en-US" altLang="zh-CN" dirty="0" smtClean="0">
+                <a:rPr lang="en-US" altLang="zh-CN" dirty="0">
                   <a:latin typeface="微软雅黑" panose="020B0503020204020204" pitchFamily="34" charset="-122"/>
                   <a:ea typeface="微软雅黑" panose="020B0503020204020204" pitchFamily="34" charset="-122"/>
                 </a:rPr>
                 <a:t>Zero</a:t>
               </a:r>
               <a:r>
-                <a:rPr lang="zh-CN" altLang="zh-CN" dirty="0" smtClean="0">
+                <a:rPr lang="zh-CN" altLang="zh-CN" dirty="0">
                   <a:latin typeface="微软雅黑" panose="020B0503020204020204" pitchFamily="34" charset="-122"/>
                   <a:ea typeface="微软雅黑" panose="020B0503020204020204" pitchFamily="34" charset="-122"/>
                 </a:rPr>
@@ -5457,16 +5411,12 @@
                 <a:t>：</a:t>
               </a:r>
               <a:r>
-                <a:rPr lang="en-US" altLang="zh-CN" b="1" dirty="0" smtClean="0">
+                <a:rPr lang="en-US" altLang="zh-CN" b="1" dirty="0">
                   <a:latin typeface="微软雅黑" panose="020B0503020204020204" pitchFamily="34" charset="-122"/>
                   <a:ea typeface="微软雅黑" panose="020B0503020204020204" pitchFamily="34" charset="-122"/>
                 </a:rPr>
                 <a:t>2124346685</a:t>
               </a:r>
-              <a:endParaRPr lang="en-US" altLang="zh-CN" b="1" dirty="0">
-                <a:latin typeface="微软雅黑" panose="020B0503020204020204" pitchFamily="34" charset="-122"/>
-                <a:ea typeface="微软雅黑" panose="020B0503020204020204" pitchFamily="34" charset="-122"/>
-              </a:endParaRPr>
             </a:p>
           </p:txBody>
         </p:sp>
@@ -5479,10 +5429,10 @@
         </p:nvGrpSpPr>
         <p:grpSpPr>
           <a:xfrm>
-            <a:off x="4319588" y="5273675"/>
-            <a:ext cx="3796793" cy="368300"/>
+            <a:off x="4319588" y="5273682"/>
+            <a:ext cx="3959328" cy="369332"/>
             <a:chOff x="4060522" y="5638470"/>
-            <a:chExt cx="3797703" cy="367746"/>
+            <a:chExt cx="3960277" cy="368776"/>
           </a:xfrm>
         </p:grpSpPr>
         <p:grpSp>
@@ -6073,14 +6023,14 @@
             <p:cNvSpPr txBox="1"/>
             <p:nvPr>
               <p:custDataLst>
-                <p:tags r:id="rId4"/>
+                <p:tags r:id="rId2"/>
               </p:custDataLst>
             </p:nvPr>
           </p:nvSpPr>
           <p:spPr>
             <a:xfrm>
               <a:off x="4411254" y="5638470"/>
-              <a:ext cx="3446971" cy="367746"/>
+              <a:ext cx="3609545" cy="368776"/>
             </a:xfrm>
             <a:prstGeom prst="rect">
               <a:avLst/>
@@ -6096,9 +6046,9 @@
             </a:bodyPr>
             <a:lstStyle/>
             <a:p>
-              <a:pPr algn="l" defTabSz="1219200"/>
+              <a:pPr defTabSz="1219200"/>
               <a:r>
-                <a:rPr lang="zh-CN" altLang="en-US" dirty="0">
+                <a:rPr lang="zh-CN" altLang="en-US">
                   <a:solidFill>
                     <a:srgbClr val="7A7A7A"/>
                   </a:solidFill>
@@ -6108,17 +6058,18 @@
                 <a:t>课程咨询</a:t>
               </a:r>
               <a:r>
-                <a:rPr dirty="0">
+                <a:rPr lang="zh-CN" altLang="en-US">
                   <a:solidFill>
                     <a:srgbClr val="7A7A7A"/>
                   </a:solidFill>
                   <a:latin typeface="微软雅黑" panose="020B0503020204020204" pitchFamily="34" charset="-122"/>
                   <a:ea typeface="微软雅黑" panose="020B0503020204020204" pitchFamily="34" charset="-122"/>
+                  <a:sym typeface="+mn-ea"/>
                 </a:rPr>
-                <a:t>安生老师</a:t>
+                <a:t>阿媛老师</a:t>
               </a:r>
               <a:r>
-                <a:rPr lang="zh-CN" altLang="en-US" dirty="0">
+                <a:rPr lang="zh-CN" altLang="en-US">
                   <a:latin typeface="微软雅黑" panose="020B0503020204020204" pitchFamily="34" charset="-122"/>
                   <a:ea typeface="微软雅黑" panose="020B0503020204020204" pitchFamily="34" charset="-122"/>
                   <a:sym typeface="+mn-ea"/>
@@ -6126,14 +6077,15 @@
                 <a:t>：</a:t>
               </a:r>
               <a:r>
-                <a:rPr dirty="0">
+                <a:rPr lang="en-US" altLang="zh-CN">
                   <a:solidFill>
                     <a:srgbClr val="7A7A7A"/>
                   </a:solidFill>
                   <a:latin typeface="微软雅黑" panose="020B0503020204020204" pitchFamily="34" charset="-122"/>
                   <a:ea typeface="微软雅黑" panose="020B0503020204020204" pitchFamily="34" charset="-122"/>
+                  <a:sym typeface="+mn-ea"/>
                 </a:rPr>
-                <a:t>669100976</a:t>
+                <a:t>2807762965</a:t>
               </a:r>
               <a:endParaRPr dirty="0">
                 <a:solidFill>
@@ -6175,6 +6127,7 @@
               <a:bevelT w="25400" h="38100"/>
             </a:sp3d>
           </a:bodyPr>
+          <a:lstStyle/>
           <a:p>
             <a:pPr algn="just"/>
             <a:r>
@@ -6195,12 +6148,6 @@
               </a:rPr>
               <a:t>正式上课</a:t>
             </a:r>
-            <a:endParaRPr lang="zh-CN" altLang="en-US">
-              <a:solidFill>
-                <a:schemeClr val="accent4"/>
-              </a:solidFill>
-              <a:effectLst/>
-            </a:endParaRPr>
           </a:p>
         </p:txBody>
       </p:sp>
@@ -6568,7 +6515,7 @@
           <p:nvPr/>
         </p:nvPicPr>
         <p:blipFill>
-          <a:blip r:embed="rId1"/>
+          <a:blip r:embed="rId2"/>
           <a:stretch>
             <a:fillRect/>
           </a:stretch>
@@ -6669,18 +6616,6 @@
               </a:rPr>
               <a:t>积硅步以致千里</a:t>
             </a:r>
-            <a:endParaRPr lang="zh-CN" altLang="en-US" sz="4000">
-              <a:solidFill>
-                <a:schemeClr val="accent1"/>
-              </a:solidFill>
-              <a:effectLst>
-                <a:outerShdw blurRad="38100" dist="25400" dir="5400000" algn="ctr" rotWithShape="0">
-                  <a:srgbClr val="6E747A">
-                    <a:alpha val="43000"/>
-                  </a:srgbClr>
-                </a:outerShdw>
-              </a:effectLst>
-            </a:endParaRPr>
           </a:p>
           <a:p>
             <a:r>
@@ -6698,18 +6633,6 @@
               </a:rPr>
               <a:t>积怠惰以致深渊</a:t>
             </a:r>
-            <a:endParaRPr lang="zh-CN" altLang="en-US" sz="4000">
-              <a:solidFill>
-                <a:schemeClr val="accent1"/>
-              </a:solidFill>
-              <a:effectLst>
-                <a:outerShdw blurRad="38100" dist="25400" dir="5400000" algn="ctr" rotWithShape="0">
-                  <a:srgbClr val="6E747A">
-                    <a:alpha val="43000"/>
-                  </a:srgbClr>
-                </a:outerShdw>
-              </a:effectLst>
-            </a:endParaRPr>
           </a:p>
         </p:txBody>
       </p:sp>
@@ -6718,13 +6641,13 @@
   <p:clrMapOvr>
     <a:masterClrMapping/>
   </p:clrMapOvr>
-  <mc:AlternateContent xmlns:mc="http://schemas.openxmlformats.org/markup-compatibility/2006">
-    <mc:Choice xmlns:p14="http://schemas.microsoft.com/office/powerpoint/2010/main" Requires="p14">
+  <mc:AlternateContent xmlns:mc="http://schemas.openxmlformats.org/markup-compatibility/2006" xmlns:p14="http://schemas.microsoft.com/office/powerpoint/2010/main">
+    <mc:Choice Requires="p14">
       <p:transition spd="slow" p14:dur="1500">
         <p:random/>
       </p:transition>
     </mc:Choice>
-    <mc:Fallback>
+    <mc:Fallback xmlns="">
       <p:transition spd="slow">
         <p:random/>
       </p:transition>
@@ -6855,7 +6778,7 @@
             <p:cNvGrpSpPr/>
             <p:nvPr>
               <p:custDataLst>
-                <p:tags r:id="rId2"/>
+                <p:tags r:id="rId5"/>
               </p:custDataLst>
             </p:nvPr>
           </p:nvGrpSpPr>
@@ -7266,7 +7189,7 @@
             </p:cNvSpPr>
             <p:nvPr>
               <p:custDataLst>
-                <p:tags r:id="rId3"/>
+                <p:tags r:id="rId6"/>
               </p:custDataLst>
             </p:nvPr>
           </p:nvSpPr>
@@ -7324,21 +7247,21 @@
                 </a:lnSpc>
               </a:pPr>
               <a:r>
-                <a:rPr lang="zh-CN" altLang="en-US" dirty="0" smtClean="0">
+                <a:rPr lang="zh-CN" altLang="en-US" dirty="0">
                   <a:latin typeface="微软雅黑" panose="020B0503020204020204" pitchFamily="34" charset="-122"/>
                   <a:ea typeface="微软雅黑" panose="020B0503020204020204" pitchFamily="34" charset="-122"/>
                 </a:rPr>
                 <a:t>主讲老师</a:t>
               </a:r>
               <a:r>
-                <a:rPr lang="en-US" altLang="zh-CN" dirty="0" smtClean="0">
+                <a:rPr lang="en-US" altLang="zh-CN" dirty="0">
                   <a:latin typeface="微软雅黑" panose="020B0503020204020204" pitchFamily="34" charset="-122"/>
                   <a:ea typeface="微软雅黑" panose="020B0503020204020204" pitchFamily="34" charset="-122"/>
                 </a:rPr>
                 <a:t>Zero</a:t>
               </a:r>
               <a:r>
-                <a:rPr lang="zh-CN" altLang="en-US" dirty="0" smtClean="0">
+                <a:rPr lang="zh-CN" altLang="en-US" dirty="0">
                   <a:latin typeface="微软雅黑" panose="020B0503020204020204" pitchFamily="34" charset="-122"/>
                   <a:ea typeface="微软雅黑" panose="020B0503020204020204" pitchFamily="34" charset="-122"/>
                 </a:rPr>
@@ -7352,11 +7275,6 @@
                 </a:rPr>
                 <a:t>2124346685</a:t>
               </a:r>
-              <a:endParaRPr lang="en-US" altLang="zh-CN" dirty="0">
-                <a:latin typeface="微软雅黑" panose="020B0503020204020204" pitchFamily="34" charset="-122"/>
-                <a:ea typeface="微软雅黑" panose="020B0503020204020204" pitchFamily="34" charset="-122"/>
-                <a:sym typeface="等线" panose="02010600030101010101" charset="-122"/>
-              </a:endParaRPr>
             </a:p>
           </p:txBody>
         </p:sp>
@@ -7381,7 +7299,7 @@
             <p:cNvGrpSpPr/>
             <p:nvPr>
               <p:custDataLst>
-                <p:tags r:id="rId4"/>
+                <p:tags r:id="rId3"/>
               </p:custDataLst>
             </p:nvPr>
           </p:nvGrpSpPr>
@@ -7969,7 +7887,7 @@
             </p:cNvSpPr>
             <p:nvPr>
               <p:custDataLst>
-                <p:tags r:id="rId5"/>
+                <p:tags r:id="rId4"/>
               </p:custDataLst>
             </p:nvPr>
           </p:nvSpPr>
@@ -8023,14 +7941,14 @@
             <a:p>
               <a:pPr algn="l" defTabSz="1218565"/>
               <a:r>
-                <a:rPr lang="zh-CN" altLang="en-US" smtClean="0">
+                <a:rPr lang="zh-CN" altLang="en-US">
                   <a:latin typeface="微软雅黑" panose="020B0503020204020204" pitchFamily="34" charset="-122"/>
                   <a:ea typeface="微软雅黑" panose="020B0503020204020204" pitchFamily="34" charset="-122"/>
                 </a:rPr>
                 <a:t>课程咨询</a:t>
               </a:r>
               <a:r>
-                <a:rPr lang="zh-CN" altLang="en-US" smtClean="0">
+                <a:rPr lang="zh-CN" altLang="en-US">
                   <a:latin typeface="微软雅黑" panose="020B0503020204020204" pitchFamily="34" charset="-122"/>
                   <a:ea typeface="微软雅黑" panose="020B0503020204020204" pitchFamily="34" charset="-122"/>
                   <a:sym typeface="+mn-ea"/>
@@ -8051,7 +7969,7 @@
           <p:cNvGrpSpPr/>
           <p:nvPr>
             <p:custDataLst>
-              <p:tags r:id="rId6"/>
+              <p:tags r:id="rId2"/>
             </p:custDataLst>
           </p:nvPr>
         </p:nvGrpSpPr>
@@ -9586,7 +9504,7 @@
           <a:p>
             <a:pPr algn="ctr"/>
             <a:r>
-              <a:rPr lang="zh-CN" altLang="en-US" sz="5400" smtClean="0">
+              <a:rPr lang="zh-CN" altLang="en-US" sz="5400">
                 <a:solidFill>
                   <a:schemeClr val="bg1"/>
                 </a:solidFill>
@@ -9594,7 +9512,7 @@
               </a:rPr>
               <a:t>享学课堂  </a:t>
             </a:r>
-            <a:endParaRPr lang="en-US" altLang="zh-CN" sz="5400" smtClean="0">
+            <a:endParaRPr lang="en-US" altLang="zh-CN" sz="5400">
               <a:solidFill>
                 <a:schemeClr val="bg1"/>
               </a:solidFill>
@@ -9604,7 +9522,7 @@
           <a:p>
             <a:pPr algn="ctr"/>
             <a:r>
-              <a:rPr lang="zh-CN" altLang="en-US" sz="3600" smtClean="0">
+              <a:rPr lang="zh-CN" altLang="en-US" sz="3600">
                 <a:solidFill>
                   <a:schemeClr val="bg1"/>
                 </a:solidFill>
@@ -9612,12 +9530,6 @@
               </a:rPr>
               <a:t>   谢谢您的参与！</a:t>
             </a:r>
-            <a:endParaRPr lang="zh-CN" altLang="en-US" sz="3600" smtClean="0">
-              <a:solidFill>
-                <a:schemeClr val="bg1"/>
-              </a:solidFill>
-              <a:ea typeface="微软雅黑" panose="020B0503020204020204" pitchFamily="34" charset="-122"/>
-            </a:endParaRPr>
           </a:p>
         </p:txBody>
       </p:sp>
@@ -9626,13 +9538,13 @@
   <p:clrMapOvr>
     <a:masterClrMapping/>
   </p:clrMapOvr>
-  <mc:AlternateContent xmlns:mc="http://schemas.openxmlformats.org/markup-compatibility/2006">
-    <mc:Choice xmlns:p14="http://schemas.microsoft.com/office/powerpoint/2010/main" Requires="p14">
+  <mc:AlternateContent xmlns:mc="http://schemas.openxmlformats.org/markup-compatibility/2006" xmlns:p14="http://schemas.microsoft.com/office/powerpoint/2010/main">
+    <mc:Choice Requires="p14">
       <p:transition spd="slow" p14:dur="1500">
         <p:random/>
       </p:transition>
     </mc:Choice>
-    <mc:Fallback>
+    <mc:Fallback xmlns="">
       <p:transition spd="slow">
         <p:random/>
       </p:transition>
@@ -10200,7 +10112,7 @@
           <a:p>
             <a:pPr defTabSz="1218565"/>
             <a:r>
-              <a:rPr lang="zh-CN" altLang="en-US" sz="2665" smtClean="0">
+              <a:rPr lang="zh-CN" altLang="en-US" sz="2665">
                 <a:solidFill>
                   <a:srgbClr val="1D69A3"/>
                 </a:solidFill>
@@ -10488,7 +10400,7 @@
               <a:t>享学课堂 </a:t>
             </a:r>
             <a:r>
-              <a:rPr lang="en-US" altLang="zh-CN" b="1" dirty="0" smtClean="0">
+              <a:rPr lang="en-US" altLang="zh-CN" b="1" dirty="0">
                 <a:solidFill>
                   <a:schemeClr val="tx1">
                     <a:lumMod val="75000"/>
@@ -10502,7 +10414,7 @@
               <a:t>-Zero</a:t>
             </a:r>
             <a:r>
-              <a:rPr lang="zh-CN" altLang="en-US" b="1" dirty="0" smtClean="0">
+              <a:rPr lang="zh-CN" altLang="en-US" b="1" dirty="0">
                 <a:solidFill>
                   <a:schemeClr val="tx1">
                     <a:lumMod val="75000"/>
@@ -10547,17 +10459,6 @@
               </a:rPr>
               <a:t>系统架构师、项目经理</a:t>
             </a:r>
-            <a:endParaRPr lang="zh-CN" altLang="en-US" b="1" dirty="0">
-              <a:solidFill>
-                <a:schemeClr val="tx1">
-                  <a:lumMod val="75000"/>
-                  <a:lumOff val="25000"/>
-                </a:schemeClr>
-              </a:solidFill>
-              <a:latin typeface="微软雅黑" panose="020B0503020204020204" pitchFamily="34" charset="-122"/>
-              <a:ea typeface="微软雅黑" panose="020B0503020204020204" pitchFamily="34" charset="-122"/>
-              <a:sym typeface="+mn-ea"/>
-            </a:endParaRPr>
           </a:p>
         </p:txBody>
       </p:sp>
@@ -10721,7 +10622,7 @@
           <p:nvPr/>
         </p:nvPicPr>
         <p:blipFill>
-          <a:blip r:embed="rId3"/>
+          <a:blip r:embed="rId4"/>
           <a:stretch>
             <a:fillRect/>
           </a:stretch>
@@ -10741,13 +10642,13 @@
   <p:clrMapOvr>
     <a:masterClrMapping/>
   </p:clrMapOvr>
-  <mc:AlternateContent xmlns:mc="http://schemas.openxmlformats.org/markup-compatibility/2006">
-    <mc:Choice xmlns:p14="http://schemas.microsoft.com/office/powerpoint/2010/main" Requires="p14">
+  <mc:AlternateContent xmlns:mc="http://schemas.openxmlformats.org/markup-compatibility/2006" xmlns:p14="http://schemas.microsoft.com/office/powerpoint/2010/main">
+    <mc:Choice Requires="p14">
       <p:transition spd="slow" p14:dur="1500">
         <p:random/>
       </p:transition>
     </mc:Choice>
-    <mc:Fallback>
+    <mc:Fallback xmlns="">
       <p:transition spd="slow">
         <p:random/>
       </p:transition>
@@ -11155,7 +11056,7 @@
           <a:p>
             <a:pPr defTabSz="1218565"/>
             <a:r>
-              <a:rPr lang="zh-CN" altLang="en-US" sz="2665" smtClean="0">
+              <a:rPr lang="zh-CN" altLang="en-US" sz="2665">
                 <a:solidFill>
                   <a:srgbClr val="1D69A3"/>
                 </a:solidFill>
@@ -11429,7 +11330,7 @@
               </a:lnSpc>
             </a:pPr>
             <a:r>
-              <a:rPr lang="en-US" altLang="zh-CN" sz="1200" b="1" dirty="0" smtClean="0">
+              <a:rPr lang="en-US" altLang="zh-CN" sz="1200" b="1" dirty="0">
                 <a:latin typeface="微软雅黑" panose="020B0503020204020204" pitchFamily="34" charset="-122"/>
                 <a:ea typeface="微软雅黑" panose="020B0503020204020204" pitchFamily="34" charset="-122"/>
                 <a:cs typeface="微软雅黑" panose="020B0503020204020204" pitchFamily="34" charset="-122"/>
@@ -11437,14 +11338,14 @@
               <a:t>Alvin</a:t>
             </a:r>
             <a:r>
-              <a:rPr lang="zh-CN" altLang="en-US" sz="1200" b="1" dirty="0" smtClean="0">
+              <a:rPr lang="zh-CN" altLang="en-US" sz="1200" b="1" dirty="0">
                 <a:latin typeface="微软雅黑" panose="020B0503020204020204" pitchFamily="34" charset="-122"/>
                 <a:ea typeface="微软雅黑" panose="020B0503020204020204" pitchFamily="34" charset="-122"/>
                 <a:cs typeface="微软雅黑" panose="020B0503020204020204" pitchFamily="34" charset="-122"/>
               </a:rPr>
               <a:t>老师</a:t>
             </a:r>
-            <a:endParaRPr lang="en-US" altLang="zh-CN" sz="1200" b="1" dirty="0" smtClean="0">
+            <a:endParaRPr lang="en-US" altLang="zh-CN" sz="1200" b="1" dirty="0">
               <a:latin typeface="微软雅黑" panose="020B0503020204020204" pitchFamily="34" charset="-122"/>
               <a:ea typeface="微软雅黑" panose="020B0503020204020204" pitchFamily="34" charset="-122"/>
               <a:cs typeface="微软雅黑" panose="020B0503020204020204" pitchFamily="34" charset="-122"/>
@@ -11466,22 +11367,10 @@
                 <a:latin typeface="微软雅黑" panose="020B0503020204020204" pitchFamily="34" charset="-122"/>
                 <a:ea typeface="微软雅黑" panose="020B0503020204020204" pitchFamily="34" charset="-122"/>
               </a:rPr>
-              <a:t>曾就业于三星中国研究院及小米旗下互联网公司</a:t>
+              <a:t>曾就业于三星中国研究院及小米旗下互联网公司担任</a:t>
             </a:r>
             <a:r>
-              <a:rPr lang="zh-CN" altLang="en-US" sz="1050" dirty="0" smtClean="0">
-                <a:solidFill>
-                  <a:schemeClr val="tx1">
-                    <a:lumMod val="75000"/>
-                  </a:schemeClr>
-                </a:solidFill>
-                <a:latin typeface="微软雅黑" panose="020B0503020204020204" pitchFamily="34" charset="-122"/>
-                <a:ea typeface="微软雅黑" panose="020B0503020204020204" pitchFamily="34" charset="-122"/>
-              </a:rPr>
-              <a:t>担任</a:t>
-            </a:r>
-            <a:r>
-              <a:rPr lang="en-US" altLang="zh-CN" sz="1050" dirty="0" smtClean="0">
+              <a:rPr lang="en-US" altLang="zh-CN" sz="1050" dirty="0">
                 <a:solidFill>
                   <a:schemeClr val="tx1">
                     <a:lumMod val="75000"/>
@@ -11493,7 +11382,7 @@
               <a:t>an</a:t>
             </a:r>
             <a:r>
-              <a:rPr lang="en-US" altLang="zh-CN" sz="1050" dirty="0" err="1" smtClean="0">
+              <a:rPr lang="en-US" altLang="zh-CN" sz="1050" dirty="0" err="1">
                 <a:solidFill>
                   <a:schemeClr val="tx1">
                     <a:lumMod val="75000"/>
@@ -11516,15 +11405,6 @@
               </a:rPr>
               <a:t>软件工程师及项目经理</a:t>
             </a:r>
-            <a:endParaRPr lang="zh-CN" altLang="en-US" sz="1050" dirty="0">
-              <a:solidFill>
-                <a:schemeClr val="tx1">
-                  <a:lumMod val="75000"/>
-                </a:schemeClr>
-              </a:solidFill>
-              <a:latin typeface="微软雅黑" panose="020B0503020204020204" pitchFamily="34" charset="-122"/>
-              <a:ea typeface="微软雅黑" panose="020B0503020204020204" pitchFamily="34" charset="-122"/>
-            </a:endParaRPr>
           </a:p>
           <a:p>
             <a:pPr>
@@ -11620,15 +11500,6 @@
               </a:rPr>
               <a:t>讲课形象生动，热情洋溢</a:t>
             </a:r>
-            <a:endParaRPr lang="zh-CN" altLang="en-US" sz="1050" dirty="0">
-              <a:solidFill>
-                <a:schemeClr val="tx1">
-                  <a:lumMod val="75000"/>
-                </a:schemeClr>
-              </a:solidFill>
-              <a:latin typeface="微软雅黑" panose="020B0503020204020204" pitchFamily="34" charset="-122"/>
-              <a:ea typeface="微软雅黑" panose="020B0503020204020204" pitchFamily="34" charset="-122"/>
-            </a:endParaRPr>
           </a:p>
         </p:txBody>
       </p:sp>
@@ -11660,7 +11531,7 @@
               </a:lnSpc>
             </a:pPr>
             <a:r>
-              <a:rPr lang="en-US" altLang="zh-CN" sz="1200" b="1" dirty="0" smtClean="0">
+              <a:rPr lang="en-US" altLang="zh-CN" sz="1200" b="1" dirty="0">
                 <a:latin typeface="微软雅黑" panose="020B0503020204020204" pitchFamily="34" charset="-122"/>
                 <a:ea typeface="微软雅黑" panose="020B0503020204020204" pitchFamily="34" charset="-122"/>
                 <a:cs typeface="微软雅黑" panose="020B0503020204020204" pitchFamily="34" charset="-122"/>
@@ -11669,7 +11540,7 @@
               <a:t>Lance</a:t>
             </a:r>
             <a:r>
-              <a:rPr lang="en-US" altLang="zh-CN" sz="1200" b="1" dirty="0" smtClean="0">
+              <a:rPr lang="en-US" altLang="zh-CN" sz="1200" b="1" dirty="0">
                 <a:latin typeface="微软雅黑" panose="020B0503020204020204" pitchFamily="34" charset="-122"/>
                 <a:ea typeface="微软雅黑" panose="020B0503020204020204" pitchFamily="34" charset="-122"/>
                 <a:cs typeface="微软雅黑" panose="020B0503020204020204" pitchFamily="34" charset="-122"/>
@@ -11690,7 +11561,7 @@
               </a:lnSpc>
             </a:pPr>
             <a:r>
-              <a:rPr lang="zh-CN" altLang="en-US" sz="1050" dirty="0" smtClean="0">
+              <a:rPr lang="zh-CN" altLang="en-US" sz="1050" dirty="0">
                 <a:latin typeface="微软雅黑" panose="020B0503020204020204" pitchFamily="34" charset="-122"/>
                 <a:ea typeface="微软雅黑" panose="020B0503020204020204" pitchFamily="34" charset="-122"/>
                 <a:cs typeface="微软雅黑" panose="020B0503020204020204" pitchFamily="34" charset="-122"/>
@@ -11698,7 +11569,7 @@
               </a:rPr>
               <a:t>某游戏公司主程，前爱奇艺高级工程师。多年移动平台开发经验，涉猎广泛，热爱技术与研究。主要对NDK、架构与性能优化拥有深入的理解及开发经验。授课严谨负责</a:t>
             </a:r>
-            <a:endParaRPr lang="zh-CN" altLang="en-US" sz="1050" dirty="0" smtClean="0">
+            <a:endParaRPr lang="zh-CN" altLang="en-US" sz="1050" dirty="0">
               <a:latin typeface="微软雅黑" panose="020B0503020204020204" pitchFamily="34" charset="-122"/>
               <a:ea typeface="微软雅黑" panose="020B0503020204020204" pitchFamily="34" charset="-122"/>
               <a:cs typeface="微软雅黑" panose="020B0503020204020204" pitchFamily="34" charset="-122"/>
@@ -11734,7 +11605,7 @@
               </a:lnSpc>
             </a:pPr>
             <a:r>
-              <a:rPr lang="en-US" altLang="zh-CN" sz="1200" b="1" dirty="0" smtClean="0">
+              <a:rPr lang="en-US" altLang="zh-CN" sz="1200" b="1" dirty="0">
                 <a:latin typeface="微软雅黑" panose="020B0503020204020204" pitchFamily="34" charset="-122"/>
                 <a:ea typeface="微软雅黑" panose="020B0503020204020204" pitchFamily="34" charset="-122"/>
                 <a:cs typeface="微软雅黑" panose="020B0503020204020204" pitchFamily="34" charset="-122"/>
@@ -11743,7 +11614,7 @@
               <a:t>zero</a:t>
             </a:r>
             <a:r>
-              <a:rPr lang="zh-CN" altLang="en-US" sz="1200" b="1" dirty="0" smtClean="0">
+              <a:rPr lang="zh-CN" altLang="en-US" sz="1200" b="1" dirty="0">
                 <a:latin typeface="微软雅黑" panose="020B0503020204020204" pitchFamily="34" charset="-122"/>
                 <a:ea typeface="微软雅黑" panose="020B0503020204020204" pitchFamily="34" charset="-122"/>
                 <a:cs typeface="微软雅黑" panose="020B0503020204020204" pitchFamily="34" charset="-122"/>
@@ -11836,7 +11707,7 @@
               </a:lnSpc>
             </a:pPr>
             <a:r>
-              <a:rPr lang="en-US" altLang="zh-CN" sz="1200" b="1" dirty="0" smtClean="0">
+              <a:rPr lang="en-US" altLang="zh-CN" sz="1200" b="1" dirty="0">
                 <a:latin typeface="微软雅黑" panose="020B0503020204020204" pitchFamily="34" charset="-122"/>
                 <a:ea typeface="微软雅黑" panose="020B0503020204020204" pitchFamily="34" charset="-122"/>
                 <a:cs typeface="微软雅黑" panose="020B0503020204020204" pitchFamily="34" charset="-122"/>
@@ -11845,7 +11716,7 @@
               <a:t>Allen</a:t>
             </a:r>
             <a:r>
-              <a:rPr lang="zh-CN" altLang="en-US" sz="1200" b="1" dirty="0" smtClean="0">
+              <a:rPr lang="zh-CN" altLang="en-US" sz="1200" b="1" dirty="0">
                 <a:latin typeface="微软雅黑" panose="020B0503020204020204" pitchFamily="34" charset="-122"/>
                 <a:ea typeface="微软雅黑" panose="020B0503020204020204" pitchFamily="34" charset="-122"/>
                 <a:cs typeface="微软雅黑" panose="020B0503020204020204" pitchFamily="34" charset="-122"/>
@@ -11867,7 +11738,7 @@
               </a:lnSpc>
             </a:pPr>
             <a:r>
-              <a:rPr lang="zh-CN" altLang="en-US" sz="1050" dirty="0" smtClean="0">
+              <a:rPr lang="zh-CN" altLang="en-US" sz="1050" dirty="0">
                 <a:latin typeface="微软雅黑" panose="020B0503020204020204" pitchFamily="34" charset="-122"/>
                 <a:ea typeface="微软雅黑" panose="020B0503020204020204" pitchFamily="34" charset="-122"/>
                 <a:cs typeface="微软雅黑" panose="020B0503020204020204" pitchFamily="34" charset="-122"/>
@@ -11875,7 +11746,7 @@
               <a:t>国防科技大学计算机系研究生毕业， 十余年</a:t>
             </a:r>
             <a:r>
-              <a:rPr lang="en-US" altLang="zh-CN" sz="1050" dirty="0" smtClean="0">
+              <a:rPr lang="en-US" altLang="zh-CN" sz="1050" dirty="0">
                 <a:latin typeface="微软雅黑" panose="020B0503020204020204" pitchFamily="34" charset="-122"/>
                 <a:ea typeface="微软雅黑" panose="020B0503020204020204" pitchFamily="34" charset="-122"/>
                 <a:cs typeface="微软雅黑" panose="020B0503020204020204" pitchFamily="34" charset="-122"/>
@@ -11883,18 +11754,13 @@
               <a:t>Android </a:t>
             </a:r>
             <a:r>
-              <a:rPr lang="zh-CN" altLang="en-US" sz="1050" dirty="0" smtClean="0">
+              <a:rPr lang="zh-CN" altLang="en-US" sz="1050" dirty="0">
                 <a:latin typeface="微软雅黑" panose="020B0503020204020204" pitchFamily="34" charset="-122"/>
                 <a:ea typeface="微软雅黑" panose="020B0503020204020204" pitchFamily="34" charset="-122"/>
                 <a:cs typeface="微软雅黑" panose="020B0503020204020204" pitchFamily="34" charset="-122"/>
               </a:rPr>
               <a:t>及移动互联网开发经验，曾担任爱立信技术总监，华为技术总监，北电技术总监，对全栈有自己独特的见解，热爱技术，热爱互联网，实战经验非常丰富。</a:t>
             </a:r>
-            <a:endParaRPr lang="zh-CN" altLang="en-US" sz="1050" dirty="0">
-              <a:latin typeface="微软雅黑" panose="020B0503020204020204" pitchFamily="34" charset="-122"/>
-              <a:ea typeface="微软雅黑" panose="020B0503020204020204" pitchFamily="34" charset="-122"/>
-              <a:cs typeface="微软雅黑" panose="020B0503020204020204" pitchFamily="34" charset="-122"/>
-            </a:endParaRPr>
           </a:p>
         </p:txBody>
       </p:sp>
@@ -11907,7 +11773,7 @@
           <p:nvPr/>
         </p:nvPicPr>
         <p:blipFill>
-          <a:blip r:embed="rId3" cstate="print"/>
+          <a:blip r:embed="rId5" cstate="print"/>
           <a:stretch>
             <a:fillRect/>
           </a:stretch>
@@ -11931,7 +11797,7 @@
           <p:nvPr/>
         </p:nvPicPr>
         <p:blipFill>
-          <a:blip r:embed="rId4" cstate="print">
+          <a:blip r:embed="rId6" cstate="print">
             <a:extLst>
               <a:ext uri="{28A0092B-C50C-407E-A947-70E740481C1C}">
                 <a14:useLocalDpi xmlns:a14="http://schemas.microsoft.com/office/drawing/2010/main" val="0"/>
@@ -11961,7 +11827,7 @@
           <p:nvPr/>
         </p:nvPicPr>
         <p:blipFill>
-          <a:blip r:embed="rId5"/>
+          <a:blip r:embed="rId7"/>
           <a:stretch>
             <a:fillRect/>
           </a:stretch>
@@ -11985,7 +11851,7 @@
           <p:nvPr/>
         </p:nvPicPr>
         <p:blipFill>
-          <a:blip r:embed="rId6"/>
+          <a:blip r:embed="rId8"/>
           <a:stretch>
             <a:fillRect/>
           </a:stretch>
@@ -12005,13 +11871,13 @@
   <p:clrMapOvr>
     <a:masterClrMapping/>
   </p:clrMapOvr>
-  <mc:AlternateContent xmlns:mc="http://schemas.openxmlformats.org/markup-compatibility/2006">
-    <mc:Choice xmlns:p14="http://schemas.microsoft.com/office/powerpoint/2010/main" Requires="p14">
+  <mc:AlternateContent xmlns:mc="http://schemas.openxmlformats.org/markup-compatibility/2006" xmlns:p14="http://schemas.microsoft.com/office/powerpoint/2010/main">
+    <mc:Choice Requires="p14">
       <p:transition spd="slow" p14:dur="1500">
         <p:random/>
       </p:transition>
     </mc:Choice>
-    <mc:Fallback>
+    <mc:Fallback xmlns="">
       <p:transition spd="slow">
         <p:random/>
       </p:transition>
@@ -13796,19 +13662,6 @@
               </a:rPr>
               <a:t>基本用法</a:t>
             </a:r>
-            <a:endParaRPr lang="zh-CN" altLang="en-US" sz="1335" dirty="0">
-              <a:ln w="6350">
-                <a:noFill/>
-              </a:ln>
-              <a:solidFill>
-                <a:srgbClr val="FFFFFF">
-                  <a:lumMod val="50000"/>
-                </a:srgbClr>
-              </a:solidFill>
-              <a:latin typeface="Impact" panose="020B0806030902050204" pitchFamily="34" charset="0"/>
-              <a:ea typeface="微软雅黑" panose="020B0503020204020204" pitchFamily="34" charset="-122"/>
-              <a:sym typeface="+mn-ea"/>
-            </a:endParaRPr>
           </a:p>
           <a:p>
             <a:pPr algn="l" defTabSz="1218565">
@@ -13864,19 +13717,6 @@
               </a:rPr>
               <a:t>PagerTabStrip</a:t>
             </a:r>
-            <a:endParaRPr lang="en-US" altLang="zh-CN" sz="1335" dirty="0">
-              <a:ln w="6350">
-                <a:noFill/>
-              </a:ln>
-              <a:solidFill>
-                <a:srgbClr val="FFFFFF">
-                  <a:lumMod val="50000"/>
-                </a:srgbClr>
-              </a:solidFill>
-              <a:latin typeface="Impact" panose="020B0806030902050204" pitchFamily="34" charset="0"/>
-              <a:ea typeface="微软雅黑" panose="020B0503020204020204" pitchFamily="34" charset="-122"/>
-              <a:sym typeface="+mn-ea"/>
-            </a:endParaRPr>
           </a:p>
           <a:p>
             <a:pPr algn="l" defTabSz="1218565">
@@ -13900,19 +13740,6 @@
               </a:rPr>
               <a:t>3.PagerAdapter</a:t>
             </a:r>
-            <a:endParaRPr lang="en-US" altLang="zh-CN" sz="1335" dirty="0">
-              <a:ln w="6350">
-                <a:noFill/>
-              </a:ln>
-              <a:solidFill>
-                <a:srgbClr val="FFFFFF">
-                  <a:lumMod val="50000"/>
-                </a:srgbClr>
-              </a:solidFill>
-              <a:latin typeface="Impact" panose="020B0806030902050204" pitchFamily="34" charset="0"/>
-              <a:ea typeface="微软雅黑" panose="020B0503020204020204" pitchFamily="34" charset="-122"/>
-              <a:sym typeface="+mn-ea"/>
-            </a:endParaRPr>
           </a:p>
           <a:p>
             <a:pPr algn="l" defTabSz="1218565">
@@ -13936,7 +13763,14 @@
               </a:rPr>
               <a:t>4.FragmentPagerAdapter FragmentStatePagerAdapter</a:t>
             </a:r>
-            <a:endParaRPr lang="en-US" altLang="zh-CN" sz="1335" dirty="0">
+          </a:p>
+          <a:p>
+            <a:pPr algn="l" defTabSz="1218565">
+              <a:lnSpc>
+                <a:spcPct val="150000"/>
+              </a:lnSpc>
+            </a:pPr>
+            <a:endParaRPr lang="zh-CN" altLang="en-US" sz="1335" dirty="0">
               <a:ln w="6350">
                 <a:noFill/>
               </a:ln>
@@ -13976,27 +13810,7 @@
                 <a:spcPct val="150000"/>
               </a:lnSpc>
             </a:pPr>
-            <a:endParaRPr lang="zh-CN" altLang="en-US" sz="1335" dirty="0" smtClean="0">
-              <a:ln w="6350">
-                <a:noFill/>
-              </a:ln>
-              <a:solidFill>
-                <a:srgbClr val="FFFFFF">
-                  <a:lumMod val="50000"/>
-                </a:srgbClr>
-              </a:solidFill>
-              <a:latin typeface="Impact" panose="020B0806030902050204" pitchFamily="34" charset="0"/>
-              <a:ea typeface="微软雅黑" panose="020B0503020204020204" pitchFamily="34" charset="-122"/>
-              <a:sym typeface="+mn-ea"/>
-            </a:endParaRPr>
-          </a:p>
-          <a:p>
-            <a:pPr algn="l" defTabSz="1218565">
-              <a:lnSpc>
-                <a:spcPct val="150000"/>
-              </a:lnSpc>
-            </a:pPr>
-            <a:endParaRPr lang="en-US" altLang="zh-CN" sz="1335" dirty="0" smtClean="0">
+            <a:endParaRPr lang="en-US" altLang="zh-CN" sz="1335" dirty="0">
               <a:ln w="6350">
                 <a:noFill/>
               </a:ln>
@@ -14057,7 +13871,7 @@
           <a:p>
             <a:pPr algn="l" defTabSz="1218565"/>
             <a:r>
-              <a:rPr lang="en-US" sz="1600" b="1" smtClean="0">
+              <a:rPr lang="en-US" sz="1600" b="1">
                 <a:ln w="6350">
                   <a:noFill/>
                 </a:ln>
@@ -14073,7 +13887,7 @@
               <a:t>ViewPager</a:t>
             </a:r>
             <a:r>
-              <a:rPr lang="zh-CN" altLang="en-US" sz="1600" b="1" smtClean="0">
+              <a:rPr lang="zh-CN" altLang="en-US" sz="1600" b="1">
                 <a:ln w="6350">
                   <a:noFill/>
                 </a:ln>
@@ -14088,19 +13902,6 @@
               </a:rPr>
               <a:t>基础</a:t>
             </a:r>
-            <a:endParaRPr lang="zh-CN" altLang="en-US" sz="1600" b="1" smtClean="0">
-              <a:ln w="6350">
-                <a:noFill/>
-              </a:ln>
-              <a:solidFill>
-                <a:srgbClr val="FFFFFF">
-                  <a:lumMod val="50000"/>
-                </a:srgbClr>
-              </a:solidFill>
-              <a:latin typeface="Impact" panose="020B0806030902050204" pitchFamily="34" charset="0"/>
-              <a:ea typeface="微软雅黑" panose="020B0503020204020204" pitchFamily="34" charset="-122"/>
-              <a:sym typeface="+mn-ea"/>
-            </a:endParaRPr>
           </a:p>
         </p:txBody>
       </p:sp>
@@ -14992,7 +14793,7 @@
               </a:lnSpc>
             </a:pPr>
             <a:r>
-              <a:rPr lang="zh-CN" altLang="en-US" sz="1335" dirty="0" smtClean="0">
+              <a:rPr lang="zh-CN" altLang="en-US" sz="1335" dirty="0">
                 <a:ln w="6350">
                   <a:noFill/>
                 </a:ln>
@@ -15006,7 +14807,7 @@
               </a:rPr>
               <a:t>架构师之路</a:t>
             </a:r>
-            <a:endParaRPr lang="en-US" altLang="zh-CN" sz="1335" dirty="0" smtClean="0">
+            <a:endParaRPr lang="en-US" altLang="zh-CN" sz="1335" dirty="0">
               <a:ln w="6350">
                 <a:noFill/>
               </a:ln>
@@ -15026,7 +14827,7 @@
               </a:lnSpc>
             </a:pPr>
             <a:r>
-              <a:rPr lang="zh-CN" altLang="en-US" sz="1335" dirty="0" smtClean="0">
+              <a:rPr lang="zh-CN" altLang="en-US" sz="1335" dirty="0">
                 <a:ln w="6350">
                   <a:noFill/>
                 </a:ln>
@@ -15082,7 +14883,7 @@
           <a:p>
             <a:pPr algn="ctr" defTabSz="1218565"/>
             <a:r>
-              <a:rPr lang="zh-CN" altLang="en-US" sz="1600" b="1" smtClean="0">
+              <a:rPr lang="zh-CN" altLang="en-US" sz="1600" b="1">
                 <a:ln w="6350">
                   <a:noFill/>
                 </a:ln>
@@ -15096,18 +14897,6 @@
               </a:rPr>
               <a:t>课程复盘</a:t>
             </a:r>
-            <a:endParaRPr lang="zh-CN" altLang="en-US" sz="1600" b="1" smtClean="0">
-              <a:ln w="6350">
-                <a:noFill/>
-              </a:ln>
-              <a:solidFill>
-                <a:srgbClr val="FFFFFF">
-                  <a:lumMod val="50000"/>
-                </a:srgbClr>
-              </a:solidFill>
-              <a:latin typeface="Impact" panose="020B0806030902050204" pitchFamily="34" charset="0"/>
-              <a:ea typeface="微软雅黑" panose="020B0503020204020204" pitchFamily="34" charset="-122"/>
-            </a:endParaRPr>
           </a:p>
         </p:txBody>
       </p:sp>
@@ -15748,6 +15537,7 @@
         </p:spPr>
         <p:txBody>
           <a:bodyPr vert="horz" wrap="square" lIns="121920" tIns="60960" rIns="121920" bIns="60960" numCol="1" anchor="t" anchorCtr="0" compatLnSpc="1"/>
+          <a:lstStyle/>
           <a:p>
             <a:pPr defTabSz="1218565"/>
             <a:endParaRPr lang="zh-CN" altLang="en-US" sz="2400">
@@ -15820,6 +15610,7 @@
           </p:style>
           <p:txBody>
             <a:bodyPr rtlCol="0" anchor="ctr"/>
+            <a:lstStyle/>
             <a:p>
               <a:pPr algn="ctr" defTabSz="1218565"/>
               <a:endParaRPr lang="zh-CN" altLang="en-US" sz="2400">
@@ -15894,6 +15685,7 @@
           <a:bodyPr wrap="square">
             <a:spAutoFit/>
           </a:bodyPr>
+          <a:lstStyle/>
           <a:p>
             <a:pPr algn="l" defTabSz="1218565">
               <a:lnSpc>
@@ -15932,19 +15724,6 @@
               </a:rPr>
               <a:t>禁止预加载</a:t>
             </a:r>
-            <a:endParaRPr lang="zh-CN" altLang="en-US" sz="1335" dirty="0">
-              <a:ln w="6350">
-                <a:noFill/>
-              </a:ln>
-              <a:solidFill>
-                <a:srgbClr val="FFFFFF">
-                  <a:lumMod val="50000"/>
-                </a:srgbClr>
-              </a:solidFill>
-              <a:latin typeface="Impact" panose="020B0806030902050204" pitchFamily="34" charset="0"/>
-              <a:ea typeface="微软雅黑" panose="020B0503020204020204" pitchFamily="34" charset="-122"/>
-              <a:sym typeface="+mn-ea"/>
-            </a:endParaRPr>
           </a:p>
           <a:p>
             <a:pPr algn="l" defTabSz="1218565">
@@ -15953,7 +15732,7 @@
               </a:lnSpc>
             </a:pPr>
             <a:r>
-              <a:rPr lang="en-US" altLang="zh-CN" sz="1335" dirty="0" smtClean="0">
+              <a:rPr lang="en-US" altLang="zh-CN" sz="1335" dirty="0">
                 <a:ln w="6350">
                   <a:noFill/>
                 </a:ln>
@@ -15969,7 +15748,7 @@
               <a:t>2.ViewPager</a:t>
             </a:r>
             <a:r>
-              <a:rPr lang="zh-CN" altLang="en-US" sz="1335" dirty="0" smtClean="0">
+              <a:rPr lang="zh-CN" altLang="en-US" sz="1335" dirty="0">
                 <a:ln w="6350">
                   <a:noFill/>
                 </a:ln>
@@ -15984,19 +15763,6 @@
               </a:rPr>
               <a:t>内存优化</a:t>
             </a:r>
-            <a:endParaRPr lang="zh-CN" altLang="en-US" sz="1335" dirty="0" smtClean="0">
-              <a:ln w="6350">
-                <a:noFill/>
-              </a:ln>
-              <a:solidFill>
-                <a:srgbClr val="FFFFFF">
-                  <a:lumMod val="50000"/>
-                </a:srgbClr>
-              </a:solidFill>
-              <a:latin typeface="Impact" panose="020B0806030902050204" pitchFamily="34" charset="0"/>
-              <a:ea typeface="微软雅黑" panose="020B0503020204020204" pitchFamily="34" charset="-122"/>
-              <a:sym typeface="+mn-ea"/>
-            </a:endParaRPr>
           </a:p>
           <a:p>
             <a:pPr algn="l" defTabSz="1218565">
@@ -16005,7 +15771,7 @@
               </a:lnSpc>
             </a:pPr>
             <a:r>
-              <a:rPr lang="en-US" altLang="zh-CN" sz="1335" dirty="0" smtClean="0">
+              <a:rPr lang="en-US" altLang="zh-CN" sz="1335" dirty="0">
                 <a:ln w="6350">
                   <a:noFill/>
                 </a:ln>
@@ -16021,7 +15787,7 @@
               <a:t>3.ViewPager+Fragment</a:t>
             </a:r>
             <a:r>
-              <a:rPr lang="zh-CN" altLang="en-US" sz="1335" dirty="0" smtClean="0">
+              <a:rPr lang="zh-CN" altLang="en-US" sz="1335" dirty="0">
                 <a:ln w="6350">
                   <a:noFill/>
                 </a:ln>
@@ -16036,7 +15802,7 @@
               </a:rPr>
               <a:t>懒加载</a:t>
             </a:r>
-            <a:endParaRPr lang="zh-CN" altLang="en-US" sz="1335" dirty="0" smtClean="0">
+            <a:endParaRPr lang="zh-CN" altLang="en-US" sz="1335" dirty="0">
               <a:ln w="6350">
                 <a:noFill/>
               </a:ln>
@@ -16094,6 +15860,7 @@
           <a:bodyPr wrap="none">
             <a:spAutoFit/>
           </a:bodyPr>
+          <a:lstStyle/>
           <a:p>
             <a:pPr algn="ctr" defTabSz="1218565"/>
             <a:r>
@@ -16126,18 +15893,6 @@
               </a:rPr>
               <a:t>优化</a:t>
             </a:r>
-            <a:endParaRPr lang="zh-CN" altLang="en-US" sz="1600" b="1" dirty="0">
-              <a:ln w="6350">
-                <a:noFill/>
-              </a:ln>
-              <a:solidFill>
-                <a:srgbClr val="FFFFFF">
-                  <a:lumMod val="50000"/>
-                </a:srgbClr>
-              </a:solidFill>
-              <a:latin typeface="Impact" panose="020B0806030902050204" pitchFamily="34" charset="0"/>
-              <a:ea typeface="微软雅黑" panose="020B0503020204020204" pitchFamily="34" charset="-122"/>
-            </a:endParaRPr>
           </a:p>
         </p:txBody>
       </p:sp>
@@ -16146,13 +15901,13 @@
   <p:clrMapOvr>
     <a:masterClrMapping/>
   </p:clrMapOvr>
-  <mc:AlternateContent xmlns:mc="http://schemas.openxmlformats.org/markup-compatibility/2006">
-    <mc:Choice xmlns:p14="http://schemas.microsoft.com/office/powerpoint/2010/main" Requires="p14">
+  <mc:AlternateContent xmlns:mc="http://schemas.openxmlformats.org/markup-compatibility/2006" xmlns:p14="http://schemas.microsoft.com/office/powerpoint/2010/main">
+    <mc:Choice Requires="p14">
       <p:transition spd="slow" p14:dur="1500">
         <p:random/>
       </p:transition>
     </mc:Choice>
-    <mc:Fallback>
+    <mc:Fallback xmlns="">
       <p:transition spd="slow">
         <p:random/>
       </p:transition>
@@ -22745,16 +22500,6 @@
                 </a:rPr>
                 <a:t> 2133576719</a:t>
               </a:r>
-              <a:endParaRPr lang="en-US" altLang="zh-CN">
-                <a:solidFill>
-                  <a:srgbClr val="333333">
-                    <a:lumMod val="65000"/>
-                    <a:lumOff val="35000"/>
-                  </a:srgbClr>
-                </a:solidFill>
-                <a:latin typeface="微软雅黑" panose="020B0503020204020204" pitchFamily="34" charset="-122"/>
-                <a:ea typeface="微软雅黑" panose="020B0503020204020204" pitchFamily="34" charset="-122"/>
-              </a:endParaRPr>
             </a:p>
           </p:txBody>
         </p:sp>
@@ -22764,13 +22509,13 @@
   <p:clrMapOvr>
     <a:masterClrMapping/>
   </p:clrMapOvr>
-  <mc:AlternateContent xmlns:mc="http://schemas.openxmlformats.org/markup-compatibility/2006">
-    <mc:Choice xmlns:p14="http://schemas.microsoft.com/office/powerpoint/2010/main" Requires="p14">
+  <mc:AlternateContent xmlns:mc="http://schemas.openxmlformats.org/markup-compatibility/2006" xmlns:p14="http://schemas.microsoft.com/office/powerpoint/2010/main">
+    <mc:Choice Requires="p14">
       <p:transition spd="slow" p14:dur="1500">
         <p:random/>
       </p:transition>
     </mc:Choice>
-    <mc:Fallback>
+    <mc:Fallback xmlns="">
       <p:transition spd="slow">
         <p:random/>
       </p:transition>
@@ -23751,7 +23496,7 @@
           <p:nvPr/>
         </p:nvPicPr>
         <p:blipFill>
-          <a:blip r:embed="rId1">
+          <a:blip r:embed="rId2">
             <a:extLst>
               <a:ext uri="{28A0092B-C50C-407E-A947-70E740481C1C}">
                 <a14:useLocalDpi xmlns:a14="http://schemas.microsoft.com/office/drawing/2010/main" val="0"/>
@@ -23801,13 +23546,13 @@
   <p:clrMapOvr>
     <a:masterClrMapping/>
   </p:clrMapOvr>
-  <mc:AlternateContent xmlns:mc="http://schemas.openxmlformats.org/markup-compatibility/2006">
-    <mc:Choice xmlns:p14="http://schemas.microsoft.com/office/powerpoint/2010/main" Requires="p14">
+  <mc:AlternateContent xmlns:mc="http://schemas.openxmlformats.org/markup-compatibility/2006" xmlns:p14="http://schemas.microsoft.com/office/powerpoint/2010/main">
+    <mc:Choice Requires="p14">
       <p:transition spd="slow" p14:dur="1500">
         <p:random/>
       </p:transition>
     </mc:Choice>
-    <mc:Fallback>
+    <mc:Fallback xmlns="">
       <p:transition spd="slow">
         <p:random/>
       </p:transition>
@@ -24222,15 +23967,6 @@
               </a:rPr>
               <a:t>任软件工程师及项目经理</a:t>
             </a:r>
-            <a:endParaRPr lang="zh-CN" altLang="en-US" sz="1050" dirty="0">
-              <a:solidFill>
-                <a:schemeClr val="tx1">
-                  <a:lumMod val="75000"/>
-                </a:schemeClr>
-              </a:solidFill>
-              <a:latin typeface="微软雅黑" panose="020B0503020204020204" pitchFamily="34" charset="-122"/>
-              <a:ea typeface="微软雅黑" panose="020B0503020204020204" pitchFamily="34" charset="-122"/>
-            </a:endParaRPr>
           </a:p>
           <a:p>
             <a:pPr>
@@ -24326,15 +24062,6 @@
               </a:rPr>
               <a:t>讲课形象生动，热情洋溢</a:t>
             </a:r>
-            <a:endParaRPr lang="zh-CN" altLang="en-US" sz="1050" dirty="0">
-              <a:solidFill>
-                <a:schemeClr val="tx1">
-                  <a:lumMod val="75000"/>
-                </a:schemeClr>
-              </a:solidFill>
-              <a:latin typeface="微软雅黑" panose="020B0503020204020204" pitchFamily="34" charset="-122"/>
-              <a:ea typeface="微软雅黑" panose="020B0503020204020204" pitchFamily="34" charset="-122"/>
-            </a:endParaRPr>
           </a:p>
         </p:txBody>
       </p:sp>
@@ -24595,11 +24322,6 @@
               </a:rPr>
               <a:t>及移动互联网开发经验，曾担任爱立信技术总监，华为技术总监，北电技术总监，对全栈有自己独特的见解，热爱技术，热爱互联网，实战经验非常丰富。</a:t>
             </a:r>
-            <a:endParaRPr lang="zh-CN" altLang="en-US" sz="1050" dirty="0">
-              <a:latin typeface="微软雅黑" panose="020B0503020204020204" pitchFamily="34" charset="-122"/>
-              <a:ea typeface="微软雅黑" panose="020B0503020204020204" pitchFamily="34" charset="-122"/>
-              <a:cs typeface="微软雅黑" panose="020B0503020204020204" pitchFamily="34" charset="-122"/>
-            </a:endParaRPr>
           </a:p>
         </p:txBody>
       </p:sp>
@@ -24612,7 +24334,7 @@
           <p:nvPr/>
         </p:nvPicPr>
         <p:blipFill>
-          <a:blip r:embed="rId3" cstate="print">
+          <a:blip r:embed="rId5" cstate="print">
             <a:extLst>
               <a:ext uri="{28A0092B-C50C-407E-A947-70E740481C1C}">
                 <a14:useLocalDpi xmlns:a14="http://schemas.microsoft.com/office/drawing/2010/main" val="0"/>
@@ -24653,7 +24375,7 @@
           <p:nvPr/>
         </p:nvPicPr>
         <p:blipFill>
-          <a:blip r:embed="rId4" cstate="print"/>
+          <a:blip r:embed="rId6" cstate="print"/>
           <a:stretch>
             <a:fillRect/>
           </a:stretch>
@@ -24677,7 +24399,7 @@
           <p:nvPr/>
         </p:nvPicPr>
         <p:blipFill>
-          <a:blip r:embed="rId5" cstate="print">
+          <a:blip r:embed="rId7" cstate="print">
             <a:extLst>
               <a:ext uri="{28A0092B-C50C-407E-A947-70E740481C1C}">
                 <a14:useLocalDpi xmlns:a14="http://schemas.microsoft.com/office/drawing/2010/main" val="0"/>
@@ -24707,7 +24429,7 @@
           <p:nvPr/>
         </p:nvPicPr>
         <p:blipFill>
-          <a:blip r:embed="rId6"/>
+          <a:blip r:embed="rId8"/>
           <a:stretch>
             <a:fillRect/>
           </a:stretch>
@@ -24727,13 +24449,13 @@
   <p:clrMapOvr>
     <a:masterClrMapping/>
   </p:clrMapOvr>
-  <mc:AlternateContent xmlns:mc="http://schemas.openxmlformats.org/markup-compatibility/2006">
-    <mc:Choice xmlns:p14="http://schemas.microsoft.com/office/powerpoint/2010/main" Requires="p14">
+  <mc:AlternateContent xmlns:mc="http://schemas.openxmlformats.org/markup-compatibility/2006" xmlns:p14="http://schemas.microsoft.com/office/powerpoint/2010/main">
+    <mc:Choice Requires="p14">
       <p:transition spd="slow" p14:dur="1500">
         <p:random/>
       </p:transition>
     </mc:Choice>
-    <mc:Fallback>
+    <mc:Fallback xmlns="">
       <p:transition spd="slow">
         <p:random/>
       </p:transition>
@@ -26243,10 +25965,6 @@
               </a:rPr>
               <a:t>班主任督学</a:t>
             </a:r>
-            <a:endParaRPr lang="zh-CN" altLang="en-US" sz="2400" b="1" dirty="0">
-              <a:latin typeface="微软雅黑" panose="020B0503020204020204" pitchFamily="34" charset="-122"/>
-              <a:ea typeface="微软雅黑" panose="020B0503020204020204" pitchFamily="34" charset="-122"/>
-            </a:endParaRPr>
           </a:p>
         </p:txBody>
       </p:sp>
@@ -30463,20 +30181,37 @@
                   <a:latin typeface="微软雅黑" panose="020B0503020204020204" pitchFamily="34" charset="-122"/>
                   <a:ea typeface="微软雅黑" panose="020B0503020204020204" pitchFamily="34" charset="-122"/>
                 </a:rPr>
-                <a:t>课程咨询依娜老师：</a:t>
+                <a:t>课程咨询</a:t>
+              </a:r>
+              <a:r>
+                <a:rPr lang="zh-CN" altLang="en-US">
+                  <a:solidFill>
+                    <a:srgbClr val="7A7A7A"/>
+                  </a:solidFill>
+                  <a:latin typeface="微软雅黑" panose="020B0503020204020204" pitchFamily="34" charset="-122"/>
+                  <a:ea typeface="微软雅黑" panose="020B0503020204020204" pitchFamily="34" charset="-122"/>
+                  <a:sym typeface="+mn-ea"/>
+                </a:rPr>
+                <a:t>阿媛老师</a:t>
+              </a:r>
+              <a:r>
+                <a:rPr lang="zh-CN" altLang="en-US">
+                  <a:latin typeface="微软雅黑" panose="020B0503020204020204" pitchFamily="34" charset="-122"/>
+                  <a:ea typeface="微软雅黑" panose="020B0503020204020204" pitchFamily="34" charset="-122"/>
+                  <a:sym typeface="+mn-ea"/>
+                </a:rPr>
+                <a:t>：</a:t>
               </a:r>
               <a:r>
                 <a:rPr lang="en-US" altLang="zh-CN">
                   <a:solidFill>
-                    <a:srgbClr val="333333">
-                      <a:lumMod val="65000"/>
-                      <a:lumOff val="35000"/>
-                    </a:srgbClr>
+                    <a:srgbClr val="7A7A7A"/>
                   </a:solidFill>
                   <a:latin typeface="微软雅黑" panose="020B0503020204020204" pitchFamily="34" charset="-122"/>
                   <a:ea typeface="微软雅黑" panose="020B0503020204020204" pitchFamily="34" charset="-122"/>
+                  <a:sym typeface="+mn-ea"/>
                 </a:rPr>
-                <a:t> 2133576719</a:t>
+                <a:t>2807762965</a:t>
               </a:r>
               <a:endParaRPr lang="en-US" altLang="zh-CN">
                 <a:solidFill>
@@ -30497,13 +30232,13 @@
   <p:clrMapOvr>
     <a:masterClrMapping/>
   </p:clrMapOvr>
-  <mc:AlternateContent xmlns:mc="http://schemas.openxmlformats.org/markup-compatibility/2006">
-    <mc:Choice xmlns:p14="http://schemas.microsoft.com/office/powerpoint/2010/main" Requires="p14">
+  <mc:AlternateContent xmlns:mc="http://schemas.openxmlformats.org/markup-compatibility/2006" xmlns:p14="http://schemas.microsoft.com/office/powerpoint/2010/main">
+    <mc:Choice Requires="p14">
       <p:transition spd="slow" p14:dur="1500">
         <p:random/>
       </p:transition>
     </mc:Choice>
-    <mc:Fallback>
+    <mc:Fallback xmlns="">
       <p:transition spd="slow">
         <p:random/>
       </p:transition>
@@ -31966,7 +31701,7 @@
                   </a:solidFill>
                   <a:latin typeface="微软雅黑" panose="020B0503020204020204" pitchFamily="34" charset="-122"/>
                   <a:ea typeface="微软雅黑" panose="020B0503020204020204" pitchFamily="34" charset="-122"/>
-                  <a:hlinkClick r:id="rId5"/>
+                  <a:hlinkClick r:id="rId7"/>
                 </a:rPr>
                 <a:t>课程</a:t>
               </a:r>
@@ -31993,7 +31728,7 @@
                   </a:solidFill>
                   <a:latin typeface="微软雅黑" panose="020B0503020204020204" pitchFamily="34" charset="-122"/>
                   <a:ea typeface="微软雅黑" panose="020B0503020204020204" pitchFamily="34" charset="-122"/>
-                  <a:hlinkClick r:id="rId6"/>
+                  <a:hlinkClick r:id="rId8"/>
                 </a:rPr>
                 <a:t>依娜老师</a:t>
               </a:r>
@@ -32069,13 +31804,6 @@
               </a:rPr>
               <a:t>你的好评是享学前行最大的动力，谢谢！</a:t>
             </a:r>
-            <a:endParaRPr lang="zh-CN" altLang="en-US" sz="4000" b="1">
-              <a:solidFill>
-                <a:srgbClr val="7030A0"/>
-              </a:solidFill>
-              <a:latin typeface="微软雅黑" panose="020B0503020204020204" pitchFamily="34" charset="-122"/>
-              <a:ea typeface="微软雅黑" panose="020B0503020204020204" pitchFamily="34" charset="-122"/>
-            </a:endParaRPr>
           </a:p>
         </p:txBody>
       </p:sp>
@@ -32116,7 +31844,7 @@
               <p:nvPr/>
             </p:nvPicPr>
             <p:blipFill>
-              <a:blip r:embed="rId7">
+              <a:blip r:embed="rId9">
                 <a:extLst>
                   <a:ext uri="{28A0092B-C50C-407E-A947-70E740481C1C}">
                     <a14:useLocalDpi xmlns:a14="http://schemas.microsoft.com/office/drawing/2010/main" val="0"/>
@@ -32184,7 +31912,7 @@
                 <p:nvPr/>
               </p:nvPicPr>
               <p:blipFill>
-                <a:blip r:embed="rId8">
+                <a:blip r:embed="rId10">
                   <a:extLst>
                     <a:ext uri="{28A0092B-C50C-407E-A947-70E740481C1C}">
                       <a14:useLocalDpi xmlns:a14="http://schemas.microsoft.com/office/drawing/2010/main" val="0"/>
@@ -32238,7 +31966,7 @@
                 <p:nvPr/>
               </p:nvPicPr>
               <p:blipFill>
-                <a:blip r:embed="rId8">
+                <a:blip r:embed="rId10">
                   <a:extLst>
                     <a:ext uri="{28A0092B-C50C-407E-A947-70E740481C1C}">
                       <a14:useLocalDpi xmlns:a14="http://schemas.microsoft.com/office/drawing/2010/main" val="0"/>
@@ -32292,7 +32020,7 @@
                 <p:nvPr/>
               </p:nvPicPr>
               <p:blipFill>
-                <a:blip r:embed="rId8">
+                <a:blip r:embed="rId10">
                   <a:extLst>
                     <a:ext uri="{28A0092B-C50C-407E-A947-70E740481C1C}">
                       <a14:useLocalDpi xmlns:a14="http://schemas.microsoft.com/office/drawing/2010/main" val="0"/>
@@ -32348,7 +32076,7 @@
             <p:nvPr/>
           </p:nvPicPr>
           <p:blipFill>
-            <a:blip r:embed="rId9">
+            <a:blip r:embed="rId11">
               <a:extLst>
                 <a:ext uri="{28A0092B-C50C-407E-A947-70E740481C1C}">
                   <a14:useLocalDpi xmlns:a14="http://schemas.microsoft.com/office/drawing/2010/main" val="0"/>
@@ -32399,13 +32127,13 @@
   <p:clrMapOvr>
     <a:masterClrMapping/>
   </p:clrMapOvr>
-  <mc:AlternateContent xmlns:mc="http://schemas.openxmlformats.org/markup-compatibility/2006">
-    <mc:Choice xmlns:p14="http://schemas.microsoft.com/office/powerpoint/2010/main" Requires="p14">
+  <mc:AlternateContent xmlns:mc="http://schemas.openxmlformats.org/markup-compatibility/2006" xmlns:p14="http://schemas.microsoft.com/office/powerpoint/2010/main">
+    <mc:Choice Requires="p14">
       <p:transition spd="slow" p14:dur="1500">
         <p:random/>
       </p:transition>
     </mc:Choice>
-    <mc:Fallback>
+    <mc:Fallback xmlns="">
       <p:transition spd="slow">
         <p:random/>
       </p:transition>
@@ -32745,259 +32473,259 @@
 </file>
 
 <file path=ppt/tags/tag1.xml><?xml version="1.0" encoding="utf-8"?>
-<p:tagLst xmlns:p="http://schemas.openxmlformats.org/presentationml/2006/main">
+<p:tagLst xmlns:a="http://schemas.openxmlformats.org/drawingml/2006/main" xmlns:r="http://schemas.openxmlformats.org/officeDocument/2006/relationships" xmlns:p="http://schemas.openxmlformats.org/presentationml/2006/main">
   <p:tag name="PA" val="v4.1.3"/>
 </p:tagLst>
 </file>
 
 <file path=ppt/tags/tag10.xml><?xml version="1.0" encoding="utf-8"?>
-<p:tagLst xmlns:p="http://schemas.openxmlformats.org/presentationml/2006/main">
+<p:tagLst xmlns:a="http://schemas.openxmlformats.org/drawingml/2006/main" xmlns:r="http://schemas.openxmlformats.org/officeDocument/2006/relationships" xmlns:p="http://schemas.openxmlformats.org/presentationml/2006/main">
   <p:tag name="PA" val="v4.1.3"/>
 </p:tagLst>
 </file>
 
 <file path=ppt/tags/tag11.xml><?xml version="1.0" encoding="utf-8"?>
-<p:tagLst xmlns:p="http://schemas.openxmlformats.org/presentationml/2006/main">
+<p:tagLst xmlns:a="http://schemas.openxmlformats.org/drawingml/2006/main" xmlns:r="http://schemas.openxmlformats.org/officeDocument/2006/relationships" xmlns:p="http://schemas.openxmlformats.org/presentationml/2006/main">
   <p:tag name="PA" val="v4.1.3"/>
 </p:tagLst>
 </file>
 
 <file path=ppt/tags/tag12.xml><?xml version="1.0" encoding="utf-8"?>
-<p:tagLst xmlns:p="http://schemas.openxmlformats.org/presentationml/2006/main">
+<p:tagLst xmlns:a="http://schemas.openxmlformats.org/drawingml/2006/main" xmlns:r="http://schemas.openxmlformats.org/officeDocument/2006/relationships" xmlns:p="http://schemas.openxmlformats.org/presentationml/2006/main">
   <p:tag name="PA" val="v4.1.3"/>
 </p:tagLst>
 </file>
 
 <file path=ppt/tags/tag13.xml><?xml version="1.0" encoding="utf-8"?>
-<p:tagLst xmlns:p="http://schemas.openxmlformats.org/presentationml/2006/main">
+<p:tagLst xmlns:a="http://schemas.openxmlformats.org/drawingml/2006/main" xmlns:r="http://schemas.openxmlformats.org/officeDocument/2006/relationships" xmlns:p="http://schemas.openxmlformats.org/presentationml/2006/main">
   <p:tag name="PA" val="v4.1.3"/>
 </p:tagLst>
 </file>
 
 <file path=ppt/tags/tag14.xml><?xml version="1.0" encoding="utf-8"?>
-<p:tagLst xmlns:p="http://schemas.openxmlformats.org/presentationml/2006/main">
+<p:tagLst xmlns:a="http://schemas.openxmlformats.org/drawingml/2006/main" xmlns:r="http://schemas.openxmlformats.org/officeDocument/2006/relationships" xmlns:p="http://schemas.openxmlformats.org/presentationml/2006/main">
   <p:tag name="PA" val="v4.1.3"/>
 </p:tagLst>
 </file>
 
 <file path=ppt/tags/tag15.xml><?xml version="1.0" encoding="utf-8"?>
-<p:tagLst xmlns:p="http://schemas.openxmlformats.org/presentationml/2006/main">
+<p:tagLst xmlns:a="http://schemas.openxmlformats.org/drawingml/2006/main" xmlns:r="http://schemas.openxmlformats.org/officeDocument/2006/relationships" xmlns:p="http://schemas.openxmlformats.org/presentationml/2006/main">
   <p:tag name="PA" val="v4.1.3"/>
 </p:tagLst>
 </file>
 
 <file path=ppt/tags/tag16.xml><?xml version="1.0" encoding="utf-8"?>
-<p:tagLst xmlns:p="http://schemas.openxmlformats.org/presentationml/2006/main">
+<p:tagLst xmlns:a="http://schemas.openxmlformats.org/drawingml/2006/main" xmlns:r="http://schemas.openxmlformats.org/officeDocument/2006/relationships" xmlns:p="http://schemas.openxmlformats.org/presentationml/2006/main">
   <p:tag name="PA" val="v4.1.3"/>
 </p:tagLst>
 </file>
 
 <file path=ppt/tags/tag17.xml><?xml version="1.0" encoding="utf-8"?>
-<p:tagLst xmlns:p="http://schemas.openxmlformats.org/presentationml/2006/main">
+<p:tagLst xmlns:a="http://schemas.openxmlformats.org/drawingml/2006/main" xmlns:r="http://schemas.openxmlformats.org/officeDocument/2006/relationships" xmlns:p="http://schemas.openxmlformats.org/presentationml/2006/main">
   <p:tag name="PA" val="v4.1.3"/>
 </p:tagLst>
 </file>
 
 <file path=ppt/tags/tag18.xml><?xml version="1.0" encoding="utf-8"?>
-<p:tagLst xmlns:p="http://schemas.openxmlformats.org/presentationml/2006/main">
+<p:tagLst xmlns:a="http://schemas.openxmlformats.org/drawingml/2006/main" xmlns:r="http://schemas.openxmlformats.org/officeDocument/2006/relationships" xmlns:p="http://schemas.openxmlformats.org/presentationml/2006/main">
   <p:tag name="PA" val="v4.1.3"/>
 </p:tagLst>
 </file>
 
 <file path=ppt/tags/tag19.xml><?xml version="1.0" encoding="utf-8"?>
-<p:tagLst xmlns:p="http://schemas.openxmlformats.org/presentationml/2006/main">
+<p:tagLst xmlns:a="http://schemas.openxmlformats.org/drawingml/2006/main" xmlns:r="http://schemas.openxmlformats.org/officeDocument/2006/relationships" xmlns:p="http://schemas.openxmlformats.org/presentationml/2006/main">
   <p:tag name="PA" val="v4.1.3"/>
 </p:tagLst>
 </file>
 
 <file path=ppt/tags/tag2.xml><?xml version="1.0" encoding="utf-8"?>
-<p:tagLst xmlns:p="http://schemas.openxmlformats.org/presentationml/2006/main">
+<p:tagLst xmlns:a="http://schemas.openxmlformats.org/drawingml/2006/main" xmlns:r="http://schemas.openxmlformats.org/officeDocument/2006/relationships" xmlns:p="http://schemas.openxmlformats.org/presentationml/2006/main">
   <p:tag name="PA" val="v4.1.3"/>
 </p:tagLst>
 </file>
 
 <file path=ppt/tags/tag20.xml><?xml version="1.0" encoding="utf-8"?>
-<p:tagLst xmlns:p="http://schemas.openxmlformats.org/presentationml/2006/main">
+<p:tagLst xmlns:a="http://schemas.openxmlformats.org/drawingml/2006/main" xmlns:r="http://schemas.openxmlformats.org/officeDocument/2006/relationships" xmlns:p="http://schemas.openxmlformats.org/presentationml/2006/main">
   <p:tag name="PA" val="v4.1.3"/>
 </p:tagLst>
 </file>
 
 <file path=ppt/tags/tag21.xml><?xml version="1.0" encoding="utf-8"?>
-<p:tagLst xmlns:p="http://schemas.openxmlformats.org/presentationml/2006/main">
+<p:tagLst xmlns:a="http://schemas.openxmlformats.org/drawingml/2006/main" xmlns:r="http://schemas.openxmlformats.org/officeDocument/2006/relationships" xmlns:p="http://schemas.openxmlformats.org/presentationml/2006/main">
   <p:tag name="PA" val="v4.1.3"/>
 </p:tagLst>
 </file>
 
 <file path=ppt/tags/tag22.xml><?xml version="1.0" encoding="utf-8"?>
-<p:tagLst xmlns:p="http://schemas.openxmlformats.org/presentationml/2006/main">
+<p:tagLst xmlns:a="http://schemas.openxmlformats.org/drawingml/2006/main" xmlns:r="http://schemas.openxmlformats.org/officeDocument/2006/relationships" xmlns:p="http://schemas.openxmlformats.org/presentationml/2006/main">
   <p:tag name="PA" val="v4.1.3"/>
 </p:tagLst>
 </file>
 
 <file path=ppt/tags/tag23.xml><?xml version="1.0" encoding="utf-8"?>
-<p:tagLst xmlns:p="http://schemas.openxmlformats.org/presentationml/2006/main">
+<p:tagLst xmlns:a="http://schemas.openxmlformats.org/drawingml/2006/main" xmlns:r="http://schemas.openxmlformats.org/officeDocument/2006/relationships" xmlns:p="http://schemas.openxmlformats.org/presentationml/2006/main">
   <p:tag name="PA" val="v4.1.3"/>
 </p:tagLst>
 </file>
 
 <file path=ppt/tags/tag24.xml><?xml version="1.0" encoding="utf-8"?>
-<p:tagLst xmlns:p="http://schemas.openxmlformats.org/presentationml/2006/main">
+<p:tagLst xmlns:a="http://schemas.openxmlformats.org/drawingml/2006/main" xmlns:r="http://schemas.openxmlformats.org/officeDocument/2006/relationships" xmlns:p="http://schemas.openxmlformats.org/presentationml/2006/main">
   <p:tag name="PA" val="v4.1.3"/>
 </p:tagLst>
 </file>
 
 <file path=ppt/tags/tag25.xml><?xml version="1.0" encoding="utf-8"?>
-<p:tagLst xmlns:p="http://schemas.openxmlformats.org/presentationml/2006/main">
+<p:tagLst xmlns:a="http://schemas.openxmlformats.org/drawingml/2006/main" xmlns:r="http://schemas.openxmlformats.org/officeDocument/2006/relationships" xmlns:p="http://schemas.openxmlformats.org/presentationml/2006/main">
   <p:tag name="PA" val="v4.1.3"/>
 </p:tagLst>
 </file>
 
 <file path=ppt/tags/tag26.xml><?xml version="1.0" encoding="utf-8"?>
-<p:tagLst xmlns:p="http://schemas.openxmlformats.org/presentationml/2006/main">
+<p:tagLst xmlns:a="http://schemas.openxmlformats.org/drawingml/2006/main" xmlns:r="http://schemas.openxmlformats.org/officeDocument/2006/relationships" xmlns:p="http://schemas.openxmlformats.org/presentationml/2006/main">
   <p:tag name="PA" val="v4.1.3"/>
 </p:tagLst>
 </file>
 
 <file path=ppt/tags/tag27.xml><?xml version="1.0" encoding="utf-8"?>
-<p:tagLst xmlns:p="http://schemas.openxmlformats.org/presentationml/2006/main">
+<p:tagLst xmlns:a="http://schemas.openxmlformats.org/drawingml/2006/main" xmlns:r="http://schemas.openxmlformats.org/officeDocument/2006/relationships" xmlns:p="http://schemas.openxmlformats.org/presentationml/2006/main">
   <p:tag name="PA" val="v4.1.3"/>
 </p:tagLst>
 </file>
 
 <file path=ppt/tags/tag28.xml><?xml version="1.0" encoding="utf-8"?>
-<p:tagLst xmlns:p="http://schemas.openxmlformats.org/presentationml/2006/main">
+<p:tagLst xmlns:a="http://schemas.openxmlformats.org/drawingml/2006/main" xmlns:r="http://schemas.openxmlformats.org/officeDocument/2006/relationships" xmlns:p="http://schemas.openxmlformats.org/presentationml/2006/main">
   <p:tag name="PA" val="v4.1.3"/>
 </p:tagLst>
 </file>
 
 <file path=ppt/tags/tag29.xml><?xml version="1.0" encoding="utf-8"?>
-<p:tagLst xmlns:p="http://schemas.openxmlformats.org/presentationml/2006/main">
+<p:tagLst xmlns:a="http://schemas.openxmlformats.org/drawingml/2006/main" xmlns:r="http://schemas.openxmlformats.org/officeDocument/2006/relationships" xmlns:p="http://schemas.openxmlformats.org/presentationml/2006/main">
   <p:tag name="PA" val="v4.1.3"/>
 </p:tagLst>
 </file>
 
 <file path=ppt/tags/tag3.xml><?xml version="1.0" encoding="utf-8"?>
-<p:tagLst xmlns:p="http://schemas.openxmlformats.org/presentationml/2006/main">
+<p:tagLst xmlns:a="http://schemas.openxmlformats.org/drawingml/2006/main" xmlns:r="http://schemas.openxmlformats.org/officeDocument/2006/relationships" xmlns:p="http://schemas.openxmlformats.org/presentationml/2006/main">
   <p:tag name="PA" val="v4.1.3"/>
 </p:tagLst>
 </file>
 
 <file path=ppt/tags/tag30.xml><?xml version="1.0" encoding="utf-8"?>
-<p:tagLst xmlns:p="http://schemas.openxmlformats.org/presentationml/2006/main">
+<p:tagLst xmlns:a="http://schemas.openxmlformats.org/drawingml/2006/main" xmlns:r="http://schemas.openxmlformats.org/officeDocument/2006/relationships" xmlns:p="http://schemas.openxmlformats.org/presentationml/2006/main">
   <p:tag name="PA" val="v4.1.3"/>
 </p:tagLst>
 </file>
 
 <file path=ppt/tags/tag31.xml><?xml version="1.0" encoding="utf-8"?>
-<p:tagLst xmlns:p="http://schemas.openxmlformats.org/presentationml/2006/main">
+<p:tagLst xmlns:a="http://schemas.openxmlformats.org/drawingml/2006/main" xmlns:r="http://schemas.openxmlformats.org/officeDocument/2006/relationships" xmlns:p="http://schemas.openxmlformats.org/presentationml/2006/main">
   <p:tag name="PA" val="v4.1.3"/>
 </p:tagLst>
 </file>
 
 <file path=ppt/tags/tag32.xml><?xml version="1.0" encoding="utf-8"?>
-<p:tagLst xmlns:p="http://schemas.openxmlformats.org/presentationml/2006/main">
+<p:tagLst xmlns:a="http://schemas.openxmlformats.org/drawingml/2006/main" xmlns:r="http://schemas.openxmlformats.org/officeDocument/2006/relationships" xmlns:p="http://schemas.openxmlformats.org/presentationml/2006/main">
   <p:tag name="PA" val="v4.1.3"/>
 </p:tagLst>
 </file>
 
 <file path=ppt/tags/tag33.xml><?xml version="1.0" encoding="utf-8"?>
-<p:tagLst xmlns:p="http://schemas.openxmlformats.org/presentationml/2006/main">
+<p:tagLst xmlns:a="http://schemas.openxmlformats.org/drawingml/2006/main" xmlns:r="http://schemas.openxmlformats.org/officeDocument/2006/relationships" xmlns:p="http://schemas.openxmlformats.org/presentationml/2006/main">
   <p:tag name="PA" val="v4.1.3"/>
 </p:tagLst>
 </file>
 
 <file path=ppt/tags/tag34.xml><?xml version="1.0" encoding="utf-8"?>
-<p:tagLst xmlns:p="http://schemas.openxmlformats.org/presentationml/2006/main">
+<p:tagLst xmlns:a="http://schemas.openxmlformats.org/drawingml/2006/main" xmlns:r="http://schemas.openxmlformats.org/officeDocument/2006/relationships" xmlns:p="http://schemas.openxmlformats.org/presentationml/2006/main">
   <p:tag name="PA" val="v4.1.3"/>
 </p:tagLst>
 </file>
 
 <file path=ppt/tags/tag35.xml><?xml version="1.0" encoding="utf-8"?>
-<p:tagLst xmlns:p="http://schemas.openxmlformats.org/presentationml/2006/main">
+<p:tagLst xmlns:a="http://schemas.openxmlformats.org/drawingml/2006/main" xmlns:r="http://schemas.openxmlformats.org/officeDocument/2006/relationships" xmlns:p="http://schemas.openxmlformats.org/presentationml/2006/main">
   <p:tag name="PA" val="v4.1.3"/>
 </p:tagLst>
 </file>
 
 <file path=ppt/tags/tag36.xml><?xml version="1.0" encoding="utf-8"?>
-<p:tagLst xmlns:p="http://schemas.openxmlformats.org/presentationml/2006/main">
+<p:tagLst xmlns:a="http://schemas.openxmlformats.org/drawingml/2006/main" xmlns:r="http://schemas.openxmlformats.org/officeDocument/2006/relationships" xmlns:p="http://schemas.openxmlformats.org/presentationml/2006/main">
   <p:tag name="PA" val="v4.1.3"/>
 </p:tagLst>
 </file>
 
 <file path=ppt/tags/tag37.xml><?xml version="1.0" encoding="utf-8"?>
-<p:tagLst xmlns:p="http://schemas.openxmlformats.org/presentationml/2006/main">
+<p:tagLst xmlns:a="http://schemas.openxmlformats.org/drawingml/2006/main" xmlns:r="http://schemas.openxmlformats.org/officeDocument/2006/relationships" xmlns:p="http://schemas.openxmlformats.org/presentationml/2006/main">
   <p:tag name="PA" val="v4.1.3"/>
 </p:tagLst>
 </file>
 
 <file path=ppt/tags/tag38.xml><?xml version="1.0" encoding="utf-8"?>
-<p:tagLst xmlns:p="http://schemas.openxmlformats.org/presentationml/2006/main">
+<p:tagLst xmlns:a="http://schemas.openxmlformats.org/drawingml/2006/main" xmlns:r="http://schemas.openxmlformats.org/officeDocument/2006/relationships" xmlns:p="http://schemas.openxmlformats.org/presentationml/2006/main">
   <p:tag name="PA" val="v4.1.3"/>
 </p:tagLst>
 </file>
 
 <file path=ppt/tags/tag39.xml><?xml version="1.0" encoding="utf-8"?>
-<p:tagLst xmlns:p="http://schemas.openxmlformats.org/presentationml/2006/main">
+<p:tagLst xmlns:a="http://schemas.openxmlformats.org/drawingml/2006/main" xmlns:r="http://schemas.openxmlformats.org/officeDocument/2006/relationships" xmlns:p="http://schemas.openxmlformats.org/presentationml/2006/main">
   <p:tag name="PA" val="v4.1.3"/>
 </p:tagLst>
 </file>
 
 <file path=ppt/tags/tag4.xml><?xml version="1.0" encoding="utf-8"?>
-<p:tagLst xmlns:p="http://schemas.openxmlformats.org/presentationml/2006/main">
+<p:tagLst xmlns:a="http://schemas.openxmlformats.org/drawingml/2006/main" xmlns:r="http://schemas.openxmlformats.org/officeDocument/2006/relationships" xmlns:p="http://schemas.openxmlformats.org/presentationml/2006/main">
   <p:tag name="PA" val="v4.1.3"/>
 </p:tagLst>
 </file>
 
 <file path=ppt/tags/tag40.xml><?xml version="1.0" encoding="utf-8"?>
-<p:tagLst xmlns:p="http://schemas.openxmlformats.org/presentationml/2006/main">
+<p:tagLst xmlns:a="http://schemas.openxmlformats.org/drawingml/2006/main" xmlns:r="http://schemas.openxmlformats.org/officeDocument/2006/relationships" xmlns:p="http://schemas.openxmlformats.org/presentationml/2006/main">
   <p:tag name="PA" val="v4.1.3"/>
 </p:tagLst>
 </file>
 
 <file path=ppt/tags/tag41.xml><?xml version="1.0" encoding="utf-8"?>
-<p:tagLst xmlns:p="http://schemas.openxmlformats.org/presentationml/2006/main">
+<p:tagLst xmlns:a="http://schemas.openxmlformats.org/drawingml/2006/main" xmlns:r="http://schemas.openxmlformats.org/officeDocument/2006/relationships" xmlns:p="http://schemas.openxmlformats.org/presentationml/2006/main">
   <p:tag name="PA" val="v4.1.3"/>
 </p:tagLst>
 </file>
 
 <file path=ppt/tags/tag42.xml><?xml version="1.0" encoding="utf-8"?>
-<p:tagLst xmlns:p="http://schemas.openxmlformats.org/presentationml/2006/main">
+<p:tagLst xmlns:a="http://schemas.openxmlformats.org/drawingml/2006/main" xmlns:r="http://schemas.openxmlformats.org/officeDocument/2006/relationships" xmlns:p="http://schemas.openxmlformats.org/presentationml/2006/main">
   <p:tag name="PA" val="v4.1.3"/>
 </p:tagLst>
 </file>
 
 <file path=ppt/tags/tag43.xml><?xml version="1.0" encoding="utf-8"?>
-<p:tagLst xmlns:p="http://schemas.openxmlformats.org/presentationml/2006/main">
+<p:tagLst xmlns:a="http://schemas.openxmlformats.org/drawingml/2006/main" xmlns:r="http://schemas.openxmlformats.org/officeDocument/2006/relationships" xmlns:p="http://schemas.openxmlformats.org/presentationml/2006/main">
   <p:tag name="PA" val="v4.1.3"/>
 </p:tagLst>
 </file>
 
 <file path=ppt/tags/tag5.xml><?xml version="1.0" encoding="utf-8"?>
-<p:tagLst xmlns:p="http://schemas.openxmlformats.org/presentationml/2006/main">
+<p:tagLst xmlns:a="http://schemas.openxmlformats.org/drawingml/2006/main" xmlns:r="http://schemas.openxmlformats.org/officeDocument/2006/relationships" xmlns:p="http://schemas.openxmlformats.org/presentationml/2006/main">
   <p:tag name="PA" val="v4.1.3"/>
 </p:tagLst>
 </file>
 
 <file path=ppt/tags/tag6.xml><?xml version="1.0" encoding="utf-8"?>
-<p:tagLst xmlns:p="http://schemas.openxmlformats.org/presentationml/2006/main">
+<p:tagLst xmlns:a="http://schemas.openxmlformats.org/drawingml/2006/main" xmlns:r="http://schemas.openxmlformats.org/officeDocument/2006/relationships" xmlns:p="http://schemas.openxmlformats.org/presentationml/2006/main">
   <p:tag name="PA" val="v4.1.3"/>
 </p:tagLst>
 </file>
 
 <file path=ppt/tags/tag7.xml><?xml version="1.0" encoding="utf-8"?>
-<p:tagLst xmlns:p="http://schemas.openxmlformats.org/presentationml/2006/main">
+<p:tagLst xmlns:a="http://schemas.openxmlformats.org/drawingml/2006/main" xmlns:r="http://schemas.openxmlformats.org/officeDocument/2006/relationships" xmlns:p="http://schemas.openxmlformats.org/presentationml/2006/main">
   <p:tag name="PA" val="v4.1.3"/>
 </p:tagLst>
 </file>
 
 <file path=ppt/tags/tag8.xml><?xml version="1.0" encoding="utf-8"?>
-<p:tagLst xmlns:p="http://schemas.openxmlformats.org/presentationml/2006/main">
+<p:tagLst xmlns:a="http://schemas.openxmlformats.org/drawingml/2006/main" xmlns:r="http://schemas.openxmlformats.org/officeDocument/2006/relationships" xmlns:p="http://schemas.openxmlformats.org/presentationml/2006/main">
   <p:tag name="PA" val="v4.1.3"/>
 </p:tagLst>
 </file>
 
 <file path=ppt/tags/tag9.xml><?xml version="1.0" encoding="utf-8"?>
-<p:tagLst xmlns:p="http://schemas.openxmlformats.org/presentationml/2006/main">
+<p:tagLst xmlns:a="http://schemas.openxmlformats.org/drawingml/2006/main" xmlns:r="http://schemas.openxmlformats.org/officeDocument/2006/relationships" xmlns:p="http://schemas.openxmlformats.org/presentationml/2006/main">
   <p:tag name="PA" val="v4.1.3"/>
 </p:tagLst>
 </file>
@@ -33253,6 +32981,8 @@
       </a:bgFillStyleLst>
     </a:fmtScheme>
   </a:themeElements>
+  <a:objectDefaults/>
+  <a:extraClrSchemeLst/>
   <a:extLst>
     <a:ext uri="{05A4C25C-085E-4340-85A3-A5531E510DB2}">
       <thm15:themeFamily xmlns:thm15="http://schemas.microsoft.com/office/thememl/2012/main" name="Office Theme" id="{62F939B6-93AF-4DB8-9C6B-D6C7DFDC589F}" vid="{4A3C46E8-61CC-4603-A589-7422A47A8E4A}"/>
@@ -33541,6 +33271,8 @@
       </a:bgFillStyleLst>
     </a:fmtScheme>
   </a:themeElements>
+  <a:objectDefaults/>
+  <a:extraClrSchemeLst/>
   <a:extLst>
     <a:ext uri="{05A4C25C-085E-4340-85A3-A5531E510DB2}">
       <thm15:themeFamily xmlns:thm15="http://schemas.microsoft.com/office/thememl/2012/main" name="Office Theme" id="{62F939B6-93AF-4DB8-9C6B-D6C7DFDC589F}" vid="{4A3C46E8-61CC-4603-A589-7422A47A8E4A}"/>
@@ -33800,6 +33532,8 @@
       </a:bgFillStyleLst>
     </a:fmtScheme>
   </a:themeElements>
+  <a:objectDefaults/>
+  <a:extraClrSchemeLst/>
   <a:extLst>
     <a:ext uri="{05A4C25C-085E-4340-85A3-A5531E510DB2}">
       <thm15:themeFamily xmlns:thm15="http://schemas.microsoft.com/office/thememl/2012/main" name="Office Theme" id="{62F939B6-93AF-4DB8-9C6B-D6C7DFDC589F}" vid="{4A3C46E8-61CC-4603-A589-7422A47A8E4A}"/>

--- a/pre/ViewPager优化.pptx
+++ b/pre/ViewPager优化.pptx
@@ -3,26 +3,29 @@
 <p:presentation xmlns:a="http://schemas.openxmlformats.org/drawingml/2006/main" xmlns:r="http://schemas.openxmlformats.org/officeDocument/2006/relationships" xmlns:p="http://schemas.openxmlformats.org/presentationml/2006/main">
   <p:sldMasterIdLst>
     <p:sldMasterId id="2147483648" r:id="rId1"/>
-    <p:sldMasterId id="2147483660" r:id="rId2"/>
+    <p:sldMasterId id="2147483660" r:id="rId3"/>
   </p:sldMasterIdLst>
   <p:notesMasterIdLst>
-    <p:notesMasterId r:id="rId14"/>
+    <p:notesMasterId r:id="rId7"/>
   </p:notesMasterIdLst>
   <p:sldIdLst>
-    <p:sldId id="381" r:id="rId3"/>
-    <p:sldId id="561" r:id="rId4"/>
-    <p:sldId id="562" r:id="rId5"/>
-    <p:sldId id="563" r:id="rId6"/>
-    <p:sldId id="729" r:id="rId7"/>
-    <p:sldId id="730" r:id="rId8"/>
-    <p:sldId id="731" r:id="rId9"/>
-    <p:sldId id="732" r:id="rId10"/>
-    <p:sldId id="733" r:id="rId11"/>
-    <p:sldId id="734" r:id="rId12"/>
-    <p:sldId id="350" r:id="rId13"/>
+    <p:sldId id="381" r:id="rId4"/>
+    <p:sldId id="561" r:id="rId5"/>
+    <p:sldId id="562" r:id="rId6"/>
+    <p:sldId id="563" r:id="rId8"/>
+    <p:sldId id="729" r:id="rId9"/>
+    <p:sldId id="730" r:id="rId10"/>
+    <p:sldId id="731" r:id="rId11"/>
+    <p:sldId id="732" r:id="rId12"/>
+    <p:sldId id="733" r:id="rId13"/>
+    <p:sldId id="734" r:id="rId14"/>
+    <p:sldId id="350" r:id="rId15"/>
   </p:sldIdLst>
   <p:sldSz cx="12192000" cy="6858000"/>
   <p:notesSz cx="6858000" cy="9144000"/>
+  <p:custDataLst>
+    <p:tags r:id="rId19"/>
+  </p:custDataLst>
   <p:defaultTextStyle>
     <a:defPPr>
       <a:defRPr lang="zh-CN"/>
@@ -118,22 +121,6 @@
       </a:defRPr>
     </a:lvl9pPr>
   </p:defaultTextStyle>
-  <p:extLst>
-    <p:ext uri="{EFAFB233-063F-42B5-8137-9DF3F51BA10A}">
-      <p15:sldGuideLst xmlns:p15="http://schemas.microsoft.com/office/powerpoint/2012/main">
-        <p15:guide id="1" orient="horz" pos="2084">
-          <p15:clr>
-            <a:srgbClr val="A4A3A4"/>
-          </p15:clr>
-        </p15:guide>
-        <p15:guide id="2" pos="3810">
-          <p15:clr>
-            <a:srgbClr val="A4A3A4"/>
-          </p15:clr>
-        </p15:guide>
-      </p15:sldGuideLst>
-    </p:ext>
-  </p:extLst>
 </p:presentation>
 </file>
 
@@ -219,7 +206,6 @@
           <a:p>
             <a:fld id="{5CE42986-7278-4353-98A2-826C12DEB039}" type="datetimeFigureOut">
               <a:rPr lang="zh-CN" altLang="en-US" smtClean="0"/>
-              <a:t>2019/1/25</a:t>
             </a:fld>
             <a:endParaRPr lang="zh-CN" altLang="en-US"/>
           </a:p>
@@ -286,6 +272,7 @@
               <a:rPr lang="zh-CN" altLang="en-US"/>
               <a:t>编辑母版文本样式</a:t>
             </a:r>
+            <a:endParaRPr lang="zh-CN" altLang="en-US"/>
           </a:p>
           <a:p>
             <a:pPr lvl="1"/>
@@ -293,6 +280,7 @@
               <a:rPr lang="zh-CN" altLang="en-US"/>
               <a:t>第二级</a:t>
             </a:r>
+            <a:endParaRPr lang="zh-CN" altLang="en-US"/>
           </a:p>
           <a:p>
             <a:pPr lvl="2"/>
@@ -300,6 +288,7 @@
               <a:rPr lang="zh-CN" altLang="en-US"/>
               <a:t>第三级</a:t>
             </a:r>
+            <a:endParaRPr lang="zh-CN" altLang="en-US"/>
           </a:p>
           <a:p>
             <a:pPr lvl="3"/>
@@ -307,6 +296,7 @@
               <a:rPr lang="zh-CN" altLang="en-US"/>
               <a:t>第四级</a:t>
             </a:r>
+            <a:endParaRPr lang="zh-CN" altLang="en-US"/>
           </a:p>
           <a:p>
             <a:pPr lvl="4"/>
@@ -314,6 +304,7 @@
               <a:rPr lang="zh-CN" altLang="en-US"/>
               <a:t>第五级</a:t>
             </a:r>
+            <a:endParaRPr lang="zh-CN" altLang="en-US"/>
           </a:p>
         </p:txBody>
       </p:sp>
@@ -377,7 +368,6 @@
           <a:p>
             <a:fld id="{50286AFD-4707-4CD9-9835-ABA1131554EB}" type="slidenum">
               <a:rPr lang="zh-CN" altLang="en-US" smtClean="0"/>
-              <a:t>‹#›</a:t>
             </a:fld>
             <a:endParaRPr lang="zh-CN" altLang="en-US"/>
           </a:p>
@@ -546,7 +536,6 @@
           <a:p>
             <a:fld id="{50286AFD-4707-4CD9-9835-ABA1131554EB}" type="slidenum">
               <a:rPr lang="zh-CN" altLang="en-US" smtClean="0"/>
-              <a:t>3</a:t>
             </a:fld>
             <a:endParaRPr lang="zh-CN" altLang="en-US"/>
           </a:p>
@@ -625,7 +614,6 @@
           <a:p>
             <a:fld id="{50286AFD-4707-4CD9-9835-ABA1131554EB}" type="slidenum">
               <a:rPr lang="zh-CN" altLang="en-US" smtClean="0"/>
-              <a:t>7</a:t>
             </a:fld>
             <a:endParaRPr lang="zh-CN" altLang="en-US"/>
           </a:p>
@@ -704,7 +692,6 @@
           <a:p>
             <a:fld id="{50286AFD-4707-4CD9-9835-ABA1131554EB}" type="slidenum">
               <a:rPr lang="zh-CN" altLang="en-US" smtClean="0"/>
-              <a:t>8</a:t>
             </a:fld>
             <a:endParaRPr lang="zh-CN" altLang="en-US"/>
           </a:p>
@@ -766,6 +753,7 @@
               <a:rPr lang="en-US" altLang="zh-CN" sz="1200" dirty="0"/>
               <a:t>https://ke.qq.com/comment/index.html?cid=341933</a:t>
             </a:r>
+            <a:endParaRPr lang="en-US" altLang="zh-CN" sz="1200" dirty="0"/>
           </a:p>
         </p:txBody>
       </p:sp>
@@ -786,7 +774,6 @@
           <a:p>
             <a:fld id="{50286AFD-4707-4CD9-9835-ABA1131554EB}" type="slidenum">
               <a:rPr lang="zh-CN" altLang="en-US" smtClean="0"/>
-              <a:t>9</a:t>
             </a:fld>
             <a:endParaRPr lang="zh-CN" altLang="en-US"/>
           </a:p>
@@ -915,6 +902,7 @@
               <a:rPr lang="zh-CN" altLang="en-US"/>
               <a:t>单击此处编辑母版标题样式</a:t>
             </a:r>
+            <a:endParaRPr lang="zh-CN" altLang="en-US"/>
           </a:p>
         </p:txBody>
       </p:sp>
@@ -938,6 +926,7 @@
               <a:rPr lang="zh-CN" altLang="en-US"/>
               <a:t>编辑母版文本样式</a:t>
             </a:r>
+            <a:endParaRPr lang="zh-CN" altLang="en-US"/>
           </a:p>
           <a:p>
             <a:pPr lvl="1"/>
@@ -945,6 +934,7 @@
               <a:rPr lang="zh-CN" altLang="en-US"/>
               <a:t>第二级</a:t>
             </a:r>
+            <a:endParaRPr lang="zh-CN" altLang="en-US"/>
           </a:p>
           <a:p>
             <a:pPr lvl="2"/>
@@ -952,6 +942,7 @@
               <a:rPr lang="zh-CN" altLang="en-US"/>
               <a:t>第三级</a:t>
             </a:r>
+            <a:endParaRPr lang="zh-CN" altLang="en-US"/>
           </a:p>
           <a:p>
             <a:pPr lvl="3"/>
@@ -959,6 +950,7 @@
               <a:rPr lang="zh-CN" altLang="en-US"/>
               <a:t>第四级</a:t>
             </a:r>
+            <a:endParaRPr lang="zh-CN" altLang="en-US"/>
           </a:p>
           <a:p>
             <a:pPr lvl="4"/>
@@ -966,6 +958,7 @@
               <a:rPr lang="zh-CN" altLang="en-US"/>
               <a:t>第五级</a:t>
             </a:r>
+            <a:endParaRPr lang="zh-CN" altLang="en-US"/>
           </a:p>
         </p:txBody>
       </p:sp>
@@ -986,7 +979,6 @@
           <a:p>
             <a:fld id="{5D001350-E321-44A0-9483-363D51B41BA5}" type="datetimeFigureOut">
               <a:rPr lang="zh-CN" altLang="en-US" smtClean="0"/>
-              <a:t>2019/1/25</a:t>
             </a:fld>
             <a:endParaRPr lang="zh-CN" altLang="en-US"/>
           </a:p>
@@ -1028,7 +1020,6 @@
           <a:p>
             <a:fld id="{27B1E7C8-A036-435A-8DC2-86FBA5107147}" type="slidenum">
               <a:rPr lang="zh-CN" altLang="en-US" smtClean="0"/>
-              <a:t>‹#›</a:t>
             </a:fld>
             <a:endParaRPr lang="zh-CN" altLang="en-US"/>
           </a:p>
@@ -1083,6 +1074,7 @@
               <a:rPr lang="zh-CN" altLang="en-US"/>
               <a:t>单击此处编辑母版标题样式</a:t>
             </a:r>
+            <a:endParaRPr lang="zh-CN" altLang="en-US"/>
           </a:p>
         </p:txBody>
       </p:sp>
@@ -1111,6 +1103,7 @@
               <a:rPr lang="zh-CN" altLang="en-US"/>
               <a:t>编辑母版文本样式</a:t>
             </a:r>
+            <a:endParaRPr lang="zh-CN" altLang="en-US"/>
           </a:p>
           <a:p>
             <a:pPr lvl="1"/>
@@ -1118,6 +1111,7 @@
               <a:rPr lang="zh-CN" altLang="en-US"/>
               <a:t>第二级</a:t>
             </a:r>
+            <a:endParaRPr lang="zh-CN" altLang="en-US"/>
           </a:p>
           <a:p>
             <a:pPr lvl="2"/>
@@ -1125,6 +1119,7 @@
               <a:rPr lang="zh-CN" altLang="en-US"/>
               <a:t>第三级</a:t>
             </a:r>
+            <a:endParaRPr lang="zh-CN" altLang="en-US"/>
           </a:p>
           <a:p>
             <a:pPr lvl="3"/>
@@ -1132,6 +1127,7 @@
               <a:rPr lang="zh-CN" altLang="en-US"/>
               <a:t>第四级</a:t>
             </a:r>
+            <a:endParaRPr lang="zh-CN" altLang="en-US"/>
           </a:p>
           <a:p>
             <a:pPr lvl="4"/>
@@ -1139,6 +1135,7 @@
               <a:rPr lang="zh-CN" altLang="en-US"/>
               <a:t>第五级</a:t>
             </a:r>
+            <a:endParaRPr lang="zh-CN" altLang="en-US"/>
           </a:p>
         </p:txBody>
       </p:sp>
@@ -1159,7 +1156,6 @@
           <a:p>
             <a:fld id="{5D001350-E321-44A0-9483-363D51B41BA5}" type="datetimeFigureOut">
               <a:rPr lang="zh-CN" altLang="en-US" smtClean="0"/>
-              <a:t>2019/1/25</a:t>
             </a:fld>
             <a:endParaRPr lang="zh-CN" altLang="en-US"/>
           </a:p>
@@ -1201,7 +1197,6 @@
           <a:p>
             <a:fld id="{27B1E7C8-A036-435A-8DC2-86FBA5107147}" type="slidenum">
               <a:rPr lang="zh-CN" altLang="en-US" smtClean="0"/>
-              <a:t>‹#›</a:t>
             </a:fld>
             <a:endParaRPr lang="zh-CN" altLang="en-US"/>
           </a:p>
@@ -1259,7 +1254,6 @@
           <a:p>
             <a:fld id="{8035C5D1-AD16-4B01-871F-DE047A6CFB67}" type="datetimeFigureOut">
               <a:rPr lang="zh-CN" altLang="en-US" smtClean="0"/>
-              <a:t>2019/1/25</a:t>
             </a:fld>
             <a:endParaRPr lang="zh-CN" altLang="en-US"/>
           </a:p>
@@ -1301,7 +1295,6 @@
           <a:p>
             <a:fld id="{8BCDE635-3FC4-4B83-A3D1-632FFA341E9A}" type="slidenum">
               <a:rPr lang="zh-CN" altLang="en-US" smtClean="0"/>
-              <a:t>‹#›</a:t>
             </a:fld>
             <a:endParaRPr lang="zh-CN" altLang="en-US"/>
           </a:p>
@@ -1349,7 +1342,6 @@
           <a:p>
             <a:fld id="{5D001350-E321-44A0-9483-363D51B41BA5}" type="datetimeFigureOut">
               <a:rPr lang="zh-CN" altLang="en-US" smtClean="0"/>
-              <a:t>2019/1/25</a:t>
             </a:fld>
             <a:endParaRPr lang="zh-CN" altLang="en-US"/>
           </a:p>
@@ -1391,7 +1383,6 @@
           <a:p>
             <a:fld id="{27B1E7C8-A036-435A-8DC2-86FBA5107147}" type="slidenum">
               <a:rPr lang="zh-CN" altLang="en-US" smtClean="0"/>
-              <a:t>‹#›</a:t>
             </a:fld>
             <a:endParaRPr lang="zh-CN" altLang="en-US"/>
           </a:p>
@@ -1499,353 +1490,6 @@
           </a:p>
         </p:txBody>
       </p:sp>
-      <p:sp>
-        <p:nvSpPr>
-          <p:cNvPr id="10" name="TextBox 9"/>
-          <p:cNvSpPr txBox="1">
-            <a:spLocks noChangeArrowheads="1"/>
-          </p:cNvSpPr>
-          <p:nvPr userDrawn="1"/>
-        </p:nvSpPr>
-        <p:spPr bwMode="auto">
-          <a:xfrm>
-            <a:off x="8313" y="6395244"/>
-            <a:ext cx="3832225" cy="369332"/>
-          </a:xfrm>
-          <a:prstGeom prst="rect">
-            <a:avLst/>
-          </a:prstGeom>
-          <a:noFill/>
-          <a:ln>
-            <a:noFill/>
-          </a:ln>
-          <a:extLst>
-            <a:ext uri="{909E8E84-426E-40DD-AFC4-6F175D3DCCD1}">
-              <a14:hiddenFill xmlns:a14="http://schemas.microsoft.com/office/drawing/2010/main">
-                <a:solidFill>
-                  <a:srgbClr val="FFFFFF"/>
-                </a:solidFill>
-              </a14:hiddenFill>
-            </a:ext>
-            <a:ext uri="{91240B29-F687-4F45-9708-019B960494DF}">
-              <a14:hiddenLine xmlns:a14="http://schemas.microsoft.com/office/drawing/2010/main" w="9525">
-                <a:solidFill>
-                  <a:srgbClr val="000000"/>
-                </a:solidFill>
-                <a:miter lim="800000"/>
-                <a:headEnd/>
-                <a:tailEnd/>
-              </a14:hiddenLine>
-            </a:ext>
-          </a:extLst>
-        </p:spPr>
-        <p:txBody>
-          <a:bodyPr>
-            <a:spAutoFit/>
-          </a:bodyPr>
-          <a:lstStyle>
-            <a:lvl1pPr>
-              <a:defRPr>
-                <a:solidFill>
-                  <a:schemeClr val="tx1"/>
-                </a:solidFill>
-                <a:latin typeface="Arial" panose="020B0604020202020204" pitchFamily="34" charset="0"/>
-                <a:ea typeface="宋体" panose="02010600030101010101" pitchFamily="2" charset="-122"/>
-              </a:defRPr>
-            </a:lvl1pPr>
-            <a:lvl2pPr marL="742950" indent="-285750">
-              <a:defRPr>
-                <a:solidFill>
-                  <a:schemeClr val="tx1"/>
-                </a:solidFill>
-                <a:latin typeface="Arial" panose="020B0604020202020204" pitchFamily="34" charset="0"/>
-                <a:ea typeface="宋体" panose="02010600030101010101" pitchFamily="2" charset="-122"/>
-              </a:defRPr>
-            </a:lvl2pPr>
-            <a:lvl3pPr marL="1143000" indent="-228600">
-              <a:defRPr>
-                <a:solidFill>
-                  <a:schemeClr val="tx1"/>
-                </a:solidFill>
-                <a:latin typeface="Arial" panose="020B0604020202020204" pitchFamily="34" charset="0"/>
-                <a:ea typeface="宋体" panose="02010600030101010101" pitchFamily="2" charset="-122"/>
-              </a:defRPr>
-            </a:lvl3pPr>
-            <a:lvl4pPr marL="1600200" indent="-228600">
-              <a:defRPr>
-                <a:solidFill>
-                  <a:schemeClr val="tx1"/>
-                </a:solidFill>
-                <a:latin typeface="Arial" panose="020B0604020202020204" pitchFamily="34" charset="0"/>
-                <a:ea typeface="宋体" panose="02010600030101010101" pitchFamily="2" charset="-122"/>
-              </a:defRPr>
-            </a:lvl4pPr>
-            <a:lvl5pPr marL="2057400" indent="-228600">
-              <a:defRPr>
-                <a:solidFill>
-                  <a:schemeClr val="tx1"/>
-                </a:solidFill>
-                <a:latin typeface="Arial" panose="020B0604020202020204" pitchFamily="34" charset="0"/>
-                <a:ea typeface="宋体" panose="02010600030101010101" pitchFamily="2" charset="-122"/>
-              </a:defRPr>
-            </a:lvl5pPr>
-            <a:lvl6pPr marL="2514600" indent="-228600" eaLnBrk="0" fontAlgn="base" hangingPunct="0">
-              <a:spcBef>
-                <a:spcPct val="0"/>
-              </a:spcBef>
-              <a:spcAft>
-                <a:spcPct val="0"/>
-              </a:spcAft>
-              <a:defRPr>
-                <a:solidFill>
-                  <a:schemeClr val="tx1"/>
-                </a:solidFill>
-                <a:latin typeface="Arial" panose="020B0604020202020204" pitchFamily="34" charset="0"/>
-                <a:ea typeface="宋体" panose="02010600030101010101" pitchFamily="2" charset="-122"/>
-              </a:defRPr>
-            </a:lvl6pPr>
-            <a:lvl7pPr marL="2971800" indent="-228600" eaLnBrk="0" fontAlgn="base" hangingPunct="0">
-              <a:spcBef>
-                <a:spcPct val="0"/>
-              </a:spcBef>
-              <a:spcAft>
-                <a:spcPct val="0"/>
-              </a:spcAft>
-              <a:defRPr>
-                <a:solidFill>
-                  <a:schemeClr val="tx1"/>
-                </a:solidFill>
-                <a:latin typeface="Arial" panose="020B0604020202020204" pitchFamily="34" charset="0"/>
-                <a:ea typeface="宋体" panose="02010600030101010101" pitchFamily="2" charset="-122"/>
-              </a:defRPr>
-            </a:lvl7pPr>
-            <a:lvl8pPr marL="3429000" indent="-228600" eaLnBrk="0" fontAlgn="base" hangingPunct="0">
-              <a:spcBef>
-                <a:spcPct val="0"/>
-              </a:spcBef>
-              <a:spcAft>
-                <a:spcPct val="0"/>
-              </a:spcAft>
-              <a:defRPr>
-                <a:solidFill>
-                  <a:schemeClr val="tx1"/>
-                </a:solidFill>
-                <a:latin typeface="Arial" panose="020B0604020202020204" pitchFamily="34" charset="0"/>
-                <a:ea typeface="宋体" panose="02010600030101010101" pitchFamily="2" charset="-122"/>
-              </a:defRPr>
-            </a:lvl8pPr>
-            <a:lvl9pPr marL="3886200" indent="-228600" eaLnBrk="0" fontAlgn="base" hangingPunct="0">
-              <a:spcBef>
-                <a:spcPct val="0"/>
-              </a:spcBef>
-              <a:spcAft>
-                <a:spcPct val="0"/>
-              </a:spcAft>
-              <a:defRPr>
-                <a:solidFill>
-                  <a:schemeClr val="tx1"/>
-                </a:solidFill>
-                <a:latin typeface="Arial" panose="020B0604020202020204" pitchFamily="34" charset="0"/>
-                <a:ea typeface="宋体" panose="02010600030101010101" pitchFamily="2" charset="-122"/>
-              </a:defRPr>
-            </a:lvl9pPr>
-          </a:lstStyle>
-          <a:p>
-            <a:pPr>
-              <a:defRPr/>
-            </a:pPr>
-            <a:r>
-              <a:rPr lang="zh-CN" altLang="en-US" b="1">
-                <a:solidFill>
-                  <a:srgbClr val="7030A0"/>
-                </a:solidFill>
-                <a:latin typeface="微软雅黑" panose="020B0503020204020204" pitchFamily="34" charset="-122"/>
-                <a:ea typeface="微软雅黑" panose="020B0503020204020204" pitchFamily="34" charset="-122"/>
-              </a:rPr>
-              <a:t>享 学 课 堂：</a:t>
-            </a:r>
-            <a:r>
-              <a:rPr lang="en-US" altLang="zh-CN">
-                <a:hlinkClick r:id="rId3"/>
-              </a:rPr>
-              <a:t>http://enjoy.ke.qq.com/</a:t>
-            </a:r>
-            <a:endParaRPr lang="zh-CN" altLang="en-US"/>
-          </a:p>
-        </p:txBody>
-      </p:sp>
-      <p:sp>
-        <p:nvSpPr>
-          <p:cNvPr id="11" name="TextBox 10"/>
-          <p:cNvSpPr txBox="1">
-            <a:spLocks noChangeArrowheads="1"/>
-          </p:cNvSpPr>
-          <p:nvPr userDrawn="1"/>
-        </p:nvSpPr>
-        <p:spPr bwMode="auto">
-          <a:xfrm>
-            <a:off x="8286750" y="6411205"/>
-            <a:ext cx="3832225" cy="368300"/>
-          </a:xfrm>
-          <a:prstGeom prst="rect">
-            <a:avLst/>
-          </a:prstGeom>
-          <a:noFill/>
-          <a:ln>
-            <a:noFill/>
-          </a:ln>
-          <a:extLst>
-            <a:ext uri="{909E8E84-426E-40DD-AFC4-6F175D3DCCD1}">
-              <a14:hiddenFill xmlns:a14="http://schemas.microsoft.com/office/drawing/2010/main">
-                <a:solidFill>
-                  <a:srgbClr val="FFFFFF"/>
-                </a:solidFill>
-              </a14:hiddenFill>
-            </a:ext>
-            <a:ext uri="{91240B29-F687-4F45-9708-019B960494DF}">
-              <a14:hiddenLine xmlns:a14="http://schemas.microsoft.com/office/drawing/2010/main" w="9525">
-                <a:solidFill>
-                  <a:srgbClr val="000000"/>
-                </a:solidFill>
-                <a:miter lim="800000"/>
-                <a:headEnd/>
-                <a:tailEnd/>
-              </a14:hiddenLine>
-            </a:ext>
-          </a:extLst>
-        </p:spPr>
-        <p:txBody>
-          <a:bodyPr>
-            <a:spAutoFit/>
-          </a:bodyPr>
-          <a:lstStyle>
-            <a:lvl1pPr>
-              <a:defRPr>
-                <a:solidFill>
-                  <a:schemeClr val="tx1"/>
-                </a:solidFill>
-                <a:latin typeface="Arial" panose="020B0604020202020204" pitchFamily="34" charset="0"/>
-                <a:ea typeface="宋体" panose="02010600030101010101" pitchFamily="2" charset="-122"/>
-              </a:defRPr>
-            </a:lvl1pPr>
-            <a:lvl2pPr marL="742950" indent="-285750">
-              <a:defRPr>
-                <a:solidFill>
-                  <a:schemeClr val="tx1"/>
-                </a:solidFill>
-                <a:latin typeface="Arial" panose="020B0604020202020204" pitchFamily="34" charset="0"/>
-                <a:ea typeface="宋体" panose="02010600030101010101" pitchFamily="2" charset="-122"/>
-              </a:defRPr>
-            </a:lvl2pPr>
-            <a:lvl3pPr marL="1143000" indent="-228600">
-              <a:defRPr>
-                <a:solidFill>
-                  <a:schemeClr val="tx1"/>
-                </a:solidFill>
-                <a:latin typeface="Arial" panose="020B0604020202020204" pitchFamily="34" charset="0"/>
-                <a:ea typeface="宋体" panose="02010600030101010101" pitchFamily="2" charset="-122"/>
-              </a:defRPr>
-            </a:lvl3pPr>
-            <a:lvl4pPr marL="1600200" indent="-228600">
-              <a:defRPr>
-                <a:solidFill>
-                  <a:schemeClr val="tx1"/>
-                </a:solidFill>
-                <a:latin typeface="Arial" panose="020B0604020202020204" pitchFamily="34" charset="0"/>
-                <a:ea typeface="宋体" panose="02010600030101010101" pitchFamily="2" charset="-122"/>
-              </a:defRPr>
-            </a:lvl4pPr>
-            <a:lvl5pPr marL="2057400" indent="-228600">
-              <a:defRPr>
-                <a:solidFill>
-                  <a:schemeClr val="tx1"/>
-                </a:solidFill>
-                <a:latin typeface="Arial" panose="020B0604020202020204" pitchFamily="34" charset="0"/>
-                <a:ea typeface="宋体" panose="02010600030101010101" pitchFamily="2" charset="-122"/>
-              </a:defRPr>
-            </a:lvl5pPr>
-            <a:lvl6pPr marL="2514600" indent="-228600" eaLnBrk="0" fontAlgn="base" hangingPunct="0">
-              <a:spcBef>
-                <a:spcPct val="0"/>
-              </a:spcBef>
-              <a:spcAft>
-                <a:spcPct val="0"/>
-              </a:spcAft>
-              <a:defRPr>
-                <a:solidFill>
-                  <a:schemeClr val="tx1"/>
-                </a:solidFill>
-                <a:latin typeface="Arial" panose="020B0604020202020204" pitchFamily="34" charset="0"/>
-                <a:ea typeface="宋体" panose="02010600030101010101" pitchFamily="2" charset="-122"/>
-              </a:defRPr>
-            </a:lvl6pPr>
-            <a:lvl7pPr marL="2971800" indent="-228600" eaLnBrk="0" fontAlgn="base" hangingPunct="0">
-              <a:spcBef>
-                <a:spcPct val="0"/>
-              </a:spcBef>
-              <a:spcAft>
-                <a:spcPct val="0"/>
-              </a:spcAft>
-              <a:defRPr>
-                <a:solidFill>
-                  <a:schemeClr val="tx1"/>
-                </a:solidFill>
-                <a:latin typeface="Arial" panose="020B0604020202020204" pitchFamily="34" charset="0"/>
-                <a:ea typeface="宋体" panose="02010600030101010101" pitchFamily="2" charset="-122"/>
-              </a:defRPr>
-            </a:lvl7pPr>
-            <a:lvl8pPr marL="3429000" indent="-228600" eaLnBrk="0" fontAlgn="base" hangingPunct="0">
-              <a:spcBef>
-                <a:spcPct val="0"/>
-              </a:spcBef>
-              <a:spcAft>
-                <a:spcPct val="0"/>
-              </a:spcAft>
-              <a:defRPr>
-                <a:solidFill>
-                  <a:schemeClr val="tx1"/>
-                </a:solidFill>
-                <a:latin typeface="Arial" panose="020B0604020202020204" pitchFamily="34" charset="0"/>
-                <a:ea typeface="宋体" panose="02010600030101010101" pitchFamily="2" charset="-122"/>
-              </a:defRPr>
-            </a:lvl8pPr>
-            <a:lvl9pPr marL="3886200" indent="-228600" eaLnBrk="0" fontAlgn="base" hangingPunct="0">
-              <a:spcBef>
-                <a:spcPct val="0"/>
-              </a:spcBef>
-              <a:spcAft>
-                <a:spcPct val="0"/>
-              </a:spcAft>
-              <a:defRPr>
-                <a:solidFill>
-                  <a:schemeClr val="tx1"/>
-                </a:solidFill>
-                <a:latin typeface="Arial" panose="020B0604020202020204" pitchFamily="34" charset="0"/>
-                <a:ea typeface="宋体" panose="02010600030101010101" pitchFamily="2" charset="-122"/>
-              </a:defRPr>
-            </a:lvl9pPr>
-          </a:lstStyle>
-          <a:p>
-            <a:pPr>
-              <a:defRPr/>
-            </a:pPr>
-            <a:r>
-              <a:rPr lang="zh-CN" altLang="en-US" b="1">
-                <a:solidFill>
-                  <a:srgbClr val="7030A0"/>
-                </a:solidFill>
-                <a:latin typeface="微软雅黑" panose="020B0503020204020204" pitchFamily="34" charset="-122"/>
-                <a:ea typeface="微软雅黑" panose="020B0503020204020204" pitchFamily="34" charset="-122"/>
-              </a:rPr>
-              <a:t>享 学 官 方 群：</a:t>
-            </a:r>
-            <a:r>
-              <a:rPr lang="en-US" altLang="zh-CN"/>
-              <a:t>921908169</a:t>
-            </a:r>
-          </a:p>
-        </p:txBody>
-      </p:sp>
     </p:spTree>
   </p:cSld>
   <p:clrMapOvr>
@@ -1899,6 +1543,7 @@
               <a:rPr lang="zh-CN" altLang="en-US"/>
               <a:t>单击此处编辑母版标题样式</a:t>
             </a:r>
+            <a:endParaRPr lang="zh-CN" altLang="en-US"/>
           </a:p>
         </p:txBody>
       </p:sp>
@@ -2018,6 +1663,7 @@
               <a:rPr lang="zh-CN" altLang="en-US"/>
               <a:t>编辑母版文本样式</a:t>
             </a:r>
+            <a:endParaRPr lang="zh-CN" altLang="en-US"/>
           </a:p>
         </p:txBody>
       </p:sp>
@@ -2038,7 +1684,6 @@
           <a:p>
             <a:fld id="{5D001350-E321-44A0-9483-363D51B41BA5}" type="datetimeFigureOut">
               <a:rPr lang="zh-CN" altLang="en-US" smtClean="0"/>
-              <a:t>2019/1/25</a:t>
             </a:fld>
             <a:endParaRPr lang="zh-CN" altLang="en-US"/>
           </a:p>
@@ -2080,7 +1725,6 @@
           <a:p>
             <a:fld id="{27B1E7C8-A036-435A-8DC2-86FBA5107147}" type="slidenum">
               <a:rPr lang="zh-CN" altLang="en-US" smtClean="0"/>
-              <a:t>‹#›</a:t>
             </a:fld>
             <a:endParaRPr lang="zh-CN" altLang="en-US"/>
           </a:p>
@@ -2130,6 +1774,7 @@
               <a:rPr lang="zh-CN" altLang="en-US"/>
               <a:t>单击此处编辑母版标题样式</a:t>
             </a:r>
+            <a:endParaRPr lang="zh-CN" altLang="en-US"/>
           </a:p>
         </p:txBody>
       </p:sp>
@@ -2158,6 +1803,7 @@
               <a:rPr lang="zh-CN" altLang="en-US"/>
               <a:t>编辑母版文本样式</a:t>
             </a:r>
+            <a:endParaRPr lang="zh-CN" altLang="en-US"/>
           </a:p>
           <a:p>
             <a:pPr lvl="1"/>
@@ -2165,6 +1811,7 @@
               <a:rPr lang="zh-CN" altLang="en-US"/>
               <a:t>第二级</a:t>
             </a:r>
+            <a:endParaRPr lang="zh-CN" altLang="en-US"/>
           </a:p>
           <a:p>
             <a:pPr lvl="2"/>
@@ -2172,6 +1819,7 @@
               <a:rPr lang="zh-CN" altLang="en-US"/>
               <a:t>第三级</a:t>
             </a:r>
+            <a:endParaRPr lang="zh-CN" altLang="en-US"/>
           </a:p>
           <a:p>
             <a:pPr lvl="3"/>
@@ -2179,6 +1827,7 @@
               <a:rPr lang="zh-CN" altLang="en-US"/>
               <a:t>第四级</a:t>
             </a:r>
+            <a:endParaRPr lang="zh-CN" altLang="en-US"/>
           </a:p>
           <a:p>
             <a:pPr lvl="4"/>
@@ -2186,6 +1835,7 @@
               <a:rPr lang="zh-CN" altLang="en-US"/>
               <a:t>第五级</a:t>
             </a:r>
+            <a:endParaRPr lang="zh-CN" altLang="en-US"/>
           </a:p>
         </p:txBody>
       </p:sp>
@@ -2214,6 +1864,7 @@
               <a:rPr lang="zh-CN" altLang="en-US"/>
               <a:t>编辑母版文本样式</a:t>
             </a:r>
+            <a:endParaRPr lang="zh-CN" altLang="en-US"/>
           </a:p>
           <a:p>
             <a:pPr lvl="1"/>
@@ -2221,6 +1872,7 @@
               <a:rPr lang="zh-CN" altLang="en-US"/>
               <a:t>第二级</a:t>
             </a:r>
+            <a:endParaRPr lang="zh-CN" altLang="en-US"/>
           </a:p>
           <a:p>
             <a:pPr lvl="2"/>
@@ -2228,6 +1880,7 @@
               <a:rPr lang="zh-CN" altLang="en-US"/>
               <a:t>第三级</a:t>
             </a:r>
+            <a:endParaRPr lang="zh-CN" altLang="en-US"/>
           </a:p>
           <a:p>
             <a:pPr lvl="3"/>
@@ -2235,6 +1888,7 @@
               <a:rPr lang="zh-CN" altLang="en-US"/>
               <a:t>第四级</a:t>
             </a:r>
+            <a:endParaRPr lang="zh-CN" altLang="en-US"/>
           </a:p>
           <a:p>
             <a:pPr lvl="4"/>
@@ -2242,6 +1896,7 @@
               <a:rPr lang="zh-CN" altLang="en-US"/>
               <a:t>第五级</a:t>
             </a:r>
+            <a:endParaRPr lang="zh-CN" altLang="en-US"/>
           </a:p>
         </p:txBody>
       </p:sp>
@@ -2262,7 +1917,6 @@
           <a:p>
             <a:fld id="{5D001350-E321-44A0-9483-363D51B41BA5}" type="datetimeFigureOut">
               <a:rPr lang="zh-CN" altLang="en-US" smtClean="0"/>
-              <a:t>2019/1/25</a:t>
             </a:fld>
             <a:endParaRPr lang="zh-CN" altLang="en-US"/>
           </a:p>
@@ -2304,7 +1958,6 @@
           <a:p>
             <a:fld id="{27B1E7C8-A036-435A-8DC2-86FBA5107147}" type="slidenum">
               <a:rPr lang="zh-CN" altLang="en-US" smtClean="0"/>
-              <a:t>‹#›</a:t>
             </a:fld>
             <a:endParaRPr lang="zh-CN" altLang="en-US"/>
           </a:p>
@@ -2359,6 +2012,7 @@
               <a:rPr lang="zh-CN" altLang="en-US"/>
               <a:t>单击此处编辑母版标题样式</a:t>
             </a:r>
+            <a:endParaRPr lang="zh-CN" altLang="en-US"/>
           </a:p>
         </p:txBody>
       </p:sp>
@@ -2424,6 +2078,7 @@
               <a:rPr lang="zh-CN" altLang="en-US"/>
               <a:t>编辑母版文本样式</a:t>
             </a:r>
+            <a:endParaRPr lang="zh-CN" altLang="en-US"/>
           </a:p>
         </p:txBody>
       </p:sp>
@@ -2452,6 +2107,7 @@
               <a:rPr lang="zh-CN" altLang="en-US"/>
               <a:t>编辑母版文本样式</a:t>
             </a:r>
+            <a:endParaRPr lang="zh-CN" altLang="en-US"/>
           </a:p>
           <a:p>
             <a:pPr lvl="1"/>
@@ -2459,6 +2115,7 @@
               <a:rPr lang="zh-CN" altLang="en-US"/>
               <a:t>第二级</a:t>
             </a:r>
+            <a:endParaRPr lang="zh-CN" altLang="en-US"/>
           </a:p>
           <a:p>
             <a:pPr lvl="2"/>
@@ -2466,6 +2123,7 @@
               <a:rPr lang="zh-CN" altLang="en-US"/>
               <a:t>第三级</a:t>
             </a:r>
+            <a:endParaRPr lang="zh-CN" altLang="en-US"/>
           </a:p>
           <a:p>
             <a:pPr lvl="3"/>
@@ -2473,6 +2131,7 @@
               <a:rPr lang="zh-CN" altLang="en-US"/>
               <a:t>第四级</a:t>
             </a:r>
+            <a:endParaRPr lang="zh-CN" altLang="en-US"/>
           </a:p>
           <a:p>
             <a:pPr lvl="4"/>
@@ -2480,6 +2139,7 @@
               <a:rPr lang="zh-CN" altLang="en-US"/>
               <a:t>第五级</a:t>
             </a:r>
+            <a:endParaRPr lang="zh-CN" altLang="en-US"/>
           </a:p>
         </p:txBody>
       </p:sp>
@@ -2545,6 +2205,7 @@
               <a:rPr lang="zh-CN" altLang="en-US"/>
               <a:t>编辑母版文本样式</a:t>
             </a:r>
+            <a:endParaRPr lang="zh-CN" altLang="en-US"/>
           </a:p>
         </p:txBody>
       </p:sp>
@@ -2573,6 +2234,7 @@
               <a:rPr lang="zh-CN" altLang="en-US"/>
               <a:t>编辑母版文本样式</a:t>
             </a:r>
+            <a:endParaRPr lang="zh-CN" altLang="en-US"/>
           </a:p>
           <a:p>
             <a:pPr lvl="1"/>
@@ -2580,6 +2242,7 @@
               <a:rPr lang="zh-CN" altLang="en-US"/>
               <a:t>第二级</a:t>
             </a:r>
+            <a:endParaRPr lang="zh-CN" altLang="en-US"/>
           </a:p>
           <a:p>
             <a:pPr lvl="2"/>
@@ -2587,6 +2250,7 @@
               <a:rPr lang="zh-CN" altLang="en-US"/>
               <a:t>第三级</a:t>
             </a:r>
+            <a:endParaRPr lang="zh-CN" altLang="en-US"/>
           </a:p>
           <a:p>
             <a:pPr lvl="3"/>
@@ -2594,6 +2258,7 @@
               <a:rPr lang="zh-CN" altLang="en-US"/>
               <a:t>第四级</a:t>
             </a:r>
+            <a:endParaRPr lang="zh-CN" altLang="en-US"/>
           </a:p>
           <a:p>
             <a:pPr lvl="4"/>
@@ -2601,6 +2266,7 @@
               <a:rPr lang="zh-CN" altLang="en-US"/>
               <a:t>第五级</a:t>
             </a:r>
+            <a:endParaRPr lang="zh-CN" altLang="en-US"/>
           </a:p>
         </p:txBody>
       </p:sp>
@@ -2621,7 +2287,6 @@
           <a:p>
             <a:fld id="{5D001350-E321-44A0-9483-363D51B41BA5}" type="datetimeFigureOut">
               <a:rPr lang="zh-CN" altLang="en-US" smtClean="0"/>
-              <a:t>2019/1/25</a:t>
             </a:fld>
             <a:endParaRPr lang="zh-CN" altLang="en-US"/>
           </a:p>
@@ -2663,7 +2328,6 @@
           <a:p>
             <a:fld id="{27B1E7C8-A036-435A-8DC2-86FBA5107147}" type="slidenum">
               <a:rPr lang="zh-CN" altLang="en-US" smtClean="0"/>
-              <a:t>‹#›</a:t>
             </a:fld>
             <a:endParaRPr lang="zh-CN" altLang="en-US"/>
           </a:p>
@@ -2713,6 +2377,7 @@
               <a:rPr lang="zh-CN" altLang="en-US"/>
               <a:t>单击此处编辑母版标题样式</a:t>
             </a:r>
+            <a:endParaRPr lang="zh-CN" altLang="en-US"/>
           </a:p>
         </p:txBody>
       </p:sp>
@@ -2733,7 +2398,6 @@
           <a:p>
             <a:fld id="{5D001350-E321-44A0-9483-363D51B41BA5}" type="datetimeFigureOut">
               <a:rPr lang="zh-CN" altLang="en-US" smtClean="0"/>
-              <a:t>2019/1/25</a:t>
             </a:fld>
             <a:endParaRPr lang="zh-CN" altLang="en-US"/>
           </a:p>
@@ -2775,7 +2439,6 @@
           <a:p>
             <a:fld id="{27B1E7C8-A036-435A-8DC2-86FBA5107147}" type="slidenum">
               <a:rPr lang="zh-CN" altLang="en-US" smtClean="0"/>
-              <a:t>‹#›</a:t>
             </a:fld>
             <a:endParaRPr lang="zh-CN" altLang="en-US"/>
           </a:p>
@@ -2823,7 +2486,6 @@
           <a:p>
             <a:fld id="{5D001350-E321-44A0-9483-363D51B41BA5}" type="datetimeFigureOut">
               <a:rPr lang="zh-CN" altLang="en-US" smtClean="0"/>
-              <a:t>2019/1/25</a:t>
             </a:fld>
             <a:endParaRPr lang="zh-CN" altLang="en-US"/>
           </a:p>
@@ -2865,7 +2527,6 @@
           <a:p>
             <a:fld id="{27B1E7C8-A036-435A-8DC2-86FBA5107147}" type="slidenum">
               <a:rPr lang="zh-CN" altLang="en-US" smtClean="0"/>
-              <a:t>‹#›</a:t>
             </a:fld>
             <a:endParaRPr lang="zh-CN" altLang="en-US"/>
           </a:p>
@@ -2924,6 +2585,7 @@
               <a:rPr lang="zh-CN" altLang="en-US"/>
               <a:t>单击此处编辑母版标题样式</a:t>
             </a:r>
+            <a:endParaRPr lang="zh-CN" altLang="en-US"/>
           </a:p>
         </p:txBody>
       </p:sp>
@@ -2980,6 +2642,7 @@
               <a:rPr lang="zh-CN" altLang="en-US"/>
               <a:t>编辑母版文本样式</a:t>
             </a:r>
+            <a:endParaRPr lang="zh-CN" altLang="en-US"/>
           </a:p>
           <a:p>
             <a:pPr lvl="1"/>
@@ -2987,6 +2650,7 @@
               <a:rPr lang="zh-CN" altLang="en-US"/>
               <a:t>第二级</a:t>
             </a:r>
+            <a:endParaRPr lang="zh-CN" altLang="en-US"/>
           </a:p>
           <a:p>
             <a:pPr lvl="2"/>
@@ -2994,6 +2658,7 @@
               <a:rPr lang="zh-CN" altLang="en-US"/>
               <a:t>第三级</a:t>
             </a:r>
+            <a:endParaRPr lang="zh-CN" altLang="en-US"/>
           </a:p>
           <a:p>
             <a:pPr lvl="3"/>
@@ -3001,6 +2666,7 @@
               <a:rPr lang="zh-CN" altLang="en-US"/>
               <a:t>第四级</a:t>
             </a:r>
+            <a:endParaRPr lang="zh-CN" altLang="en-US"/>
           </a:p>
           <a:p>
             <a:pPr lvl="4"/>
@@ -3008,6 +2674,7 @@
               <a:rPr lang="zh-CN" altLang="en-US"/>
               <a:t>第五级</a:t>
             </a:r>
+            <a:endParaRPr lang="zh-CN" altLang="en-US"/>
           </a:p>
         </p:txBody>
       </p:sp>
@@ -3073,6 +2740,7 @@
               <a:rPr lang="zh-CN" altLang="en-US"/>
               <a:t>编辑母版文本样式</a:t>
             </a:r>
+            <a:endParaRPr lang="zh-CN" altLang="en-US"/>
           </a:p>
         </p:txBody>
       </p:sp>
@@ -3093,7 +2761,6 @@
           <a:p>
             <a:fld id="{5D001350-E321-44A0-9483-363D51B41BA5}" type="datetimeFigureOut">
               <a:rPr lang="zh-CN" altLang="en-US" smtClean="0"/>
-              <a:t>2019/1/25</a:t>
             </a:fld>
             <a:endParaRPr lang="zh-CN" altLang="en-US"/>
           </a:p>
@@ -3135,7 +2802,6 @@
           <a:p>
             <a:fld id="{27B1E7C8-A036-435A-8DC2-86FBA5107147}" type="slidenum">
               <a:rPr lang="zh-CN" altLang="en-US" smtClean="0"/>
-              <a:t>‹#›</a:t>
             </a:fld>
             <a:endParaRPr lang="zh-CN" altLang="en-US"/>
           </a:p>
@@ -3194,6 +2860,7 @@
               <a:rPr lang="zh-CN" altLang="en-US"/>
               <a:t>单击此处编辑母版标题样式</a:t>
             </a:r>
+            <a:endParaRPr lang="zh-CN" altLang="en-US"/>
           </a:p>
         </p:txBody>
       </p:sp>
@@ -3320,6 +2987,7 @@
               <a:rPr lang="zh-CN" altLang="en-US"/>
               <a:t>编辑母版文本样式</a:t>
             </a:r>
+            <a:endParaRPr lang="zh-CN" altLang="en-US"/>
           </a:p>
         </p:txBody>
       </p:sp>
@@ -3340,7 +3008,6 @@
           <a:p>
             <a:fld id="{5D001350-E321-44A0-9483-363D51B41BA5}" type="datetimeFigureOut">
               <a:rPr lang="zh-CN" altLang="en-US" smtClean="0"/>
-              <a:t>2019/1/25</a:t>
             </a:fld>
             <a:endParaRPr lang="zh-CN" altLang="en-US"/>
           </a:p>
@@ -3382,7 +3049,6 @@
           <a:p>
             <a:fld id="{27B1E7C8-A036-435A-8DC2-86FBA5107147}" type="slidenum">
               <a:rPr lang="zh-CN" altLang="en-US" smtClean="0"/>
-              <a:t>‹#›</a:t>
             </a:fld>
             <a:endParaRPr lang="zh-CN" altLang="en-US"/>
           </a:p>
@@ -3447,6 +3113,7 @@
               <a:rPr lang="zh-CN" altLang="en-US"/>
               <a:t>单击此处编辑母版标题样式</a:t>
             </a:r>
+            <a:endParaRPr lang="zh-CN" altLang="en-US"/>
           </a:p>
         </p:txBody>
       </p:sp>
@@ -3480,6 +3147,7 @@
               <a:rPr lang="zh-CN" altLang="en-US"/>
               <a:t>编辑母版文本样式</a:t>
             </a:r>
+            <a:endParaRPr lang="zh-CN" altLang="en-US"/>
           </a:p>
           <a:p>
             <a:pPr lvl="1"/>
@@ -3487,6 +3155,7 @@
               <a:rPr lang="zh-CN" altLang="en-US"/>
               <a:t>第二级</a:t>
             </a:r>
+            <a:endParaRPr lang="zh-CN" altLang="en-US"/>
           </a:p>
           <a:p>
             <a:pPr lvl="2"/>
@@ -3494,6 +3163,7 @@
               <a:rPr lang="zh-CN" altLang="en-US"/>
               <a:t>第三级</a:t>
             </a:r>
+            <a:endParaRPr lang="zh-CN" altLang="en-US"/>
           </a:p>
           <a:p>
             <a:pPr lvl="3"/>
@@ -3501,6 +3171,7 @@
               <a:rPr lang="zh-CN" altLang="en-US"/>
               <a:t>第四级</a:t>
             </a:r>
+            <a:endParaRPr lang="zh-CN" altLang="en-US"/>
           </a:p>
           <a:p>
             <a:pPr lvl="4"/>
@@ -3508,6 +3179,7 @@
               <a:rPr lang="zh-CN" altLang="en-US"/>
               <a:t>第五级</a:t>
             </a:r>
+            <a:endParaRPr lang="zh-CN" altLang="en-US"/>
           </a:p>
         </p:txBody>
       </p:sp>
@@ -3546,7 +3218,6 @@
           <a:p>
             <a:fld id="{5D001350-E321-44A0-9483-363D51B41BA5}" type="datetimeFigureOut">
               <a:rPr lang="zh-CN" altLang="en-US" smtClean="0"/>
-              <a:t>2019/1/25</a:t>
             </a:fld>
             <a:endParaRPr lang="zh-CN" altLang="en-US"/>
           </a:p>
@@ -3624,7 +3295,6 @@
           <a:p>
             <a:fld id="{27B1E7C8-A036-435A-8DC2-86FBA5107147}" type="slidenum">
               <a:rPr lang="zh-CN" altLang="en-US" smtClean="0"/>
-              <a:t>‹#›</a:t>
             </a:fld>
             <a:endParaRPr lang="zh-CN" altLang="en-US"/>
           </a:p>
@@ -3980,6 +3650,7 @@
               <a:rPr lang="zh-CN" altLang="en-US"/>
               <a:t>单击此处编辑母版标题样式</a:t>
             </a:r>
+            <a:endParaRPr lang="zh-CN" altLang="en-US"/>
           </a:p>
         </p:txBody>
       </p:sp>
@@ -4013,6 +3684,7 @@
               <a:rPr lang="zh-CN" altLang="en-US"/>
               <a:t>单击此处编辑母版文本样式</a:t>
             </a:r>
+            <a:endParaRPr lang="zh-CN" altLang="en-US"/>
           </a:p>
           <a:p>
             <a:pPr lvl="1"/>
@@ -4020,6 +3692,7 @@
               <a:rPr lang="zh-CN" altLang="en-US"/>
               <a:t>第二级</a:t>
             </a:r>
+            <a:endParaRPr lang="zh-CN" altLang="en-US"/>
           </a:p>
           <a:p>
             <a:pPr lvl="2"/>
@@ -4027,6 +3700,7 @@
               <a:rPr lang="zh-CN" altLang="en-US"/>
               <a:t>第三级</a:t>
             </a:r>
+            <a:endParaRPr lang="zh-CN" altLang="en-US"/>
           </a:p>
           <a:p>
             <a:pPr lvl="3"/>
@@ -4034,6 +3708,7 @@
               <a:rPr lang="zh-CN" altLang="en-US"/>
               <a:t>第四级</a:t>
             </a:r>
+            <a:endParaRPr lang="zh-CN" altLang="en-US"/>
           </a:p>
           <a:p>
             <a:pPr lvl="4"/>
@@ -4041,6 +3716,7 @@
               <a:rPr lang="zh-CN" altLang="en-US"/>
               <a:t>第五级</a:t>
             </a:r>
+            <a:endParaRPr lang="zh-CN" altLang="en-US"/>
           </a:p>
         </p:txBody>
       </p:sp>
@@ -4079,7 +3755,6 @@
           <a:p>
             <a:fld id="{8035C5D1-AD16-4B01-871F-DE047A6CFB67}" type="datetimeFigureOut">
               <a:rPr lang="zh-CN" altLang="en-US" smtClean="0"/>
-              <a:t>2019/1/25</a:t>
             </a:fld>
             <a:endParaRPr lang="zh-CN" altLang="en-US"/>
           </a:p>
@@ -4157,7 +3832,6 @@
           <a:p>
             <a:fld id="{8BCDE635-3FC4-4B83-A3D1-632FFA341E9A}" type="slidenum">
               <a:rPr lang="zh-CN" altLang="en-US" smtClean="0"/>
-              <a:t>‹#›</a:t>
             </a:fld>
             <a:endParaRPr lang="zh-CN" altLang="en-US"/>
           </a:p>
@@ -4861,7 +4535,7 @@
           <p:nvPr/>
         </p:nvPicPr>
         <p:blipFill>
-          <a:blip r:embed="rId5"/>
+          <a:blip r:embed="rId2"/>
           <a:stretch>
             <a:fillRect/>
           </a:stretch>
@@ -4930,6 +4604,13 @@
               </a:rPr>
               <a:t>优化</a:t>
             </a:r>
+            <a:endParaRPr lang="zh-CN" altLang="en-US" sz="3200" dirty="0">
+              <a:solidFill>
+                <a:srgbClr val="FF0000"/>
+              </a:solidFill>
+              <a:latin typeface="等线" panose="02010600030101010101" charset="-122"/>
+              <a:ea typeface="宋体" panose="02010600030101010101" pitchFamily="2" charset="-122"/>
+            </a:endParaRPr>
           </a:p>
         </p:txBody>
       </p:sp>
@@ -5417,6 +5098,10 @@
                 </a:rPr>
                 <a:t>2124346685</a:t>
               </a:r>
+              <a:endParaRPr lang="en-US" altLang="zh-CN" b="1" dirty="0">
+                <a:latin typeface="微软雅黑" panose="020B0503020204020204" pitchFamily="34" charset="-122"/>
+                <a:ea typeface="微软雅黑" panose="020B0503020204020204" pitchFamily="34" charset="-122"/>
+              </a:endParaRPr>
             </a:p>
           </p:txBody>
         </p:sp>
@@ -6023,7 +5708,7 @@
             <p:cNvSpPr txBox="1"/>
             <p:nvPr>
               <p:custDataLst>
-                <p:tags r:id="rId2"/>
+                <p:tags r:id="rId4"/>
               </p:custDataLst>
             </p:nvPr>
           </p:nvSpPr>
@@ -6148,6 +5833,12 @@
               </a:rPr>
               <a:t>正式上课</a:t>
             </a:r>
+            <a:endParaRPr lang="zh-CN" altLang="en-US">
+              <a:solidFill>
+                <a:schemeClr val="accent4"/>
+              </a:solidFill>
+              <a:effectLst/>
+            </a:endParaRPr>
           </a:p>
         </p:txBody>
       </p:sp>
@@ -6515,7 +6206,7 @@
           <p:nvPr/>
         </p:nvPicPr>
         <p:blipFill>
-          <a:blip r:embed="rId2"/>
+          <a:blip r:embed="rId1"/>
           <a:stretch>
             <a:fillRect/>
           </a:stretch>
@@ -6616,6 +6307,18 @@
               </a:rPr>
               <a:t>积硅步以致千里</a:t>
             </a:r>
+            <a:endParaRPr lang="zh-CN" altLang="en-US" sz="4000">
+              <a:solidFill>
+                <a:schemeClr val="accent1"/>
+              </a:solidFill>
+              <a:effectLst>
+                <a:outerShdw blurRad="38100" dist="25400" dir="5400000" algn="ctr" rotWithShape="0">
+                  <a:srgbClr val="6E747A">
+                    <a:alpha val="43000"/>
+                  </a:srgbClr>
+                </a:outerShdw>
+              </a:effectLst>
+            </a:endParaRPr>
           </a:p>
           <a:p>
             <a:r>
@@ -6633,6 +6336,18 @@
               </a:rPr>
               <a:t>积怠惰以致深渊</a:t>
             </a:r>
+            <a:endParaRPr lang="zh-CN" altLang="en-US" sz="4000">
+              <a:solidFill>
+                <a:schemeClr val="accent1"/>
+              </a:solidFill>
+              <a:effectLst>
+                <a:outerShdw blurRad="38100" dist="25400" dir="5400000" algn="ctr" rotWithShape="0">
+                  <a:srgbClr val="6E747A">
+                    <a:alpha val="43000"/>
+                  </a:srgbClr>
+                </a:outerShdw>
+              </a:effectLst>
+            </a:endParaRPr>
           </a:p>
         </p:txBody>
       </p:sp>
@@ -6641,13 +6356,13 @@
   <p:clrMapOvr>
     <a:masterClrMapping/>
   </p:clrMapOvr>
-  <mc:AlternateContent xmlns:mc="http://schemas.openxmlformats.org/markup-compatibility/2006" xmlns:p14="http://schemas.microsoft.com/office/powerpoint/2010/main">
-    <mc:Choice Requires="p14">
+  <mc:AlternateContent xmlns:mc="http://schemas.openxmlformats.org/markup-compatibility/2006">
+    <mc:Choice xmlns:p14="http://schemas.microsoft.com/office/powerpoint/2010/main" Requires="p14">
       <p:transition spd="slow" p14:dur="1500">
         <p:random/>
       </p:transition>
     </mc:Choice>
-    <mc:Fallback xmlns="">
+    <mc:Fallback>
       <p:transition spd="slow">
         <p:random/>
       </p:transition>
@@ -6778,7 +6493,7 @@
             <p:cNvGrpSpPr/>
             <p:nvPr>
               <p:custDataLst>
-                <p:tags r:id="rId5"/>
+                <p:tags r:id="rId2"/>
               </p:custDataLst>
             </p:nvPr>
           </p:nvGrpSpPr>
@@ -7189,7 +6904,7 @@
             </p:cNvSpPr>
             <p:nvPr>
               <p:custDataLst>
-                <p:tags r:id="rId6"/>
+                <p:tags r:id="rId3"/>
               </p:custDataLst>
             </p:nvPr>
           </p:nvSpPr>
@@ -7275,6 +6990,11 @@
                 </a:rPr>
                 <a:t>2124346685</a:t>
               </a:r>
+              <a:endParaRPr lang="en-US" altLang="zh-CN" dirty="0">
+                <a:latin typeface="微软雅黑" panose="020B0503020204020204" pitchFamily="34" charset="-122"/>
+                <a:ea typeface="微软雅黑" panose="020B0503020204020204" pitchFamily="34" charset="-122"/>
+                <a:sym typeface="等线" panose="02010600030101010101" charset="-122"/>
+              </a:endParaRPr>
             </a:p>
           </p:txBody>
         </p:sp>
@@ -7299,7 +7019,7 @@
             <p:cNvGrpSpPr/>
             <p:nvPr>
               <p:custDataLst>
-                <p:tags r:id="rId3"/>
+                <p:tags r:id="rId4"/>
               </p:custDataLst>
             </p:nvPr>
           </p:nvGrpSpPr>
@@ -7887,7 +7607,7 @@
             </p:cNvSpPr>
             <p:nvPr>
               <p:custDataLst>
-                <p:tags r:id="rId4"/>
+                <p:tags r:id="rId5"/>
               </p:custDataLst>
             </p:nvPr>
           </p:nvSpPr>
@@ -7969,7 +7689,7 @@
           <p:cNvGrpSpPr/>
           <p:nvPr>
             <p:custDataLst>
-              <p:tags r:id="rId2"/>
+              <p:tags r:id="rId6"/>
             </p:custDataLst>
           </p:nvPr>
         </p:nvGrpSpPr>
@@ -9530,6 +9250,12 @@
               </a:rPr>
               <a:t>   谢谢您的参与！</a:t>
             </a:r>
+            <a:endParaRPr lang="zh-CN" altLang="en-US" sz="3600">
+              <a:solidFill>
+                <a:schemeClr val="bg1"/>
+              </a:solidFill>
+              <a:ea typeface="微软雅黑" panose="020B0503020204020204" pitchFamily="34" charset="-122"/>
+            </a:endParaRPr>
           </a:p>
         </p:txBody>
       </p:sp>
@@ -9538,13 +9264,13 @@
   <p:clrMapOvr>
     <a:masterClrMapping/>
   </p:clrMapOvr>
-  <mc:AlternateContent xmlns:mc="http://schemas.openxmlformats.org/markup-compatibility/2006" xmlns:p14="http://schemas.microsoft.com/office/powerpoint/2010/main">
-    <mc:Choice Requires="p14">
+  <mc:AlternateContent xmlns:mc="http://schemas.openxmlformats.org/markup-compatibility/2006">
+    <mc:Choice xmlns:p14="http://schemas.microsoft.com/office/powerpoint/2010/main" Requires="p14">
       <p:transition spd="slow" p14:dur="1500">
         <p:random/>
       </p:transition>
     </mc:Choice>
-    <mc:Fallback xmlns="">
+    <mc:Fallback>
       <p:transition spd="slow">
         <p:random/>
       </p:transition>
@@ -10459,6 +10185,17 @@
               </a:rPr>
               <a:t>系统架构师、项目经理</a:t>
             </a:r>
+            <a:endParaRPr lang="zh-CN" altLang="en-US" b="1" dirty="0">
+              <a:solidFill>
+                <a:schemeClr val="tx1">
+                  <a:lumMod val="75000"/>
+                  <a:lumOff val="25000"/>
+                </a:schemeClr>
+              </a:solidFill>
+              <a:latin typeface="微软雅黑" panose="020B0503020204020204" pitchFamily="34" charset="-122"/>
+              <a:ea typeface="微软雅黑" panose="020B0503020204020204" pitchFamily="34" charset="-122"/>
+              <a:sym typeface="+mn-ea"/>
+            </a:endParaRPr>
           </a:p>
         </p:txBody>
       </p:sp>
@@ -10622,7 +10359,7 @@
           <p:nvPr/>
         </p:nvPicPr>
         <p:blipFill>
-          <a:blip r:embed="rId4"/>
+          <a:blip r:embed="rId3"/>
           <a:stretch>
             <a:fillRect/>
           </a:stretch>
@@ -10642,13 +10379,13 @@
   <p:clrMapOvr>
     <a:masterClrMapping/>
   </p:clrMapOvr>
-  <mc:AlternateContent xmlns:mc="http://schemas.openxmlformats.org/markup-compatibility/2006" xmlns:p14="http://schemas.microsoft.com/office/powerpoint/2010/main">
-    <mc:Choice Requires="p14">
+  <mc:AlternateContent xmlns:mc="http://schemas.openxmlformats.org/markup-compatibility/2006">
+    <mc:Choice xmlns:p14="http://schemas.microsoft.com/office/powerpoint/2010/main" Requires="p14">
       <p:transition spd="slow" p14:dur="1500">
         <p:random/>
       </p:transition>
     </mc:Choice>
-    <mc:Fallback xmlns="">
+    <mc:Fallback>
       <p:transition spd="slow">
         <p:random/>
       </p:transition>
@@ -11405,6 +11142,15 @@
               </a:rPr>
               <a:t>软件工程师及项目经理</a:t>
             </a:r>
+            <a:endParaRPr lang="zh-CN" altLang="en-US" sz="1050" dirty="0">
+              <a:solidFill>
+                <a:schemeClr val="tx1">
+                  <a:lumMod val="75000"/>
+                </a:schemeClr>
+              </a:solidFill>
+              <a:latin typeface="微软雅黑" panose="020B0503020204020204" pitchFamily="34" charset="-122"/>
+              <a:ea typeface="微软雅黑" panose="020B0503020204020204" pitchFamily="34" charset="-122"/>
+            </a:endParaRPr>
           </a:p>
           <a:p>
             <a:pPr>
@@ -11500,6 +11246,15 @@
               </a:rPr>
               <a:t>讲课形象生动，热情洋溢</a:t>
             </a:r>
+            <a:endParaRPr lang="zh-CN" altLang="en-US" sz="1050" dirty="0">
+              <a:solidFill>
+                <a:schemeClr val="tx1">
+                  <a:lumMod val="75000"/>
+                </a:schemeClr>
+              </a:solidFill>
+              <a:latin typeface="微软雅黑" panose="020B0503020204020204" pitchFamily="34" charset="-122"/>
+              <a:ea typeface="微软雅黑" panose="020B0503020204020204" pitchFamily="34" charset="-122"/>
+            </a:endParaRPr>
           </a:p>
         </p:txBody>
       </p:sp>
@@ -11761,6 +11516,11 @@
               </a:rPr>
               <a:t>及移动互联网开发经验，曾担任爱立信技术总监，华为技术总监，北电技术总监，对全栈有自己独特的见解，热爱技术，热爱互联网，实战经验非常丰富。</a:t>
             </a:r>
+            <a:endParaRPr lang="zh-CN" altLang="en-US" sz="1050" dirty="0">
+              <a:latin typeface="微软雅黑" panose="020B0503020204020204" pitchFamily="34" charset="-122"/>
+              <a:ea typeface="微软雅黑" panose="020B0503020204020204" pitchFamily="34" charset="-122"/>
+              <a:cs typeface="微软雅黑" panose="020B0503020204020204" pitchFamily="34" charset="-122"/>
+            </a:endParaRPr>
           </a:p>
         </p:txBody>
       </p:sp>
@@ -11773,7 +11533,7 @@
           <p:nvPr/>
         </p:nvPicPr>
         <p:blipFill>
-          <a:blip r:embed="rId5" cstate="print"/>
+          <a:blip r:embed="rId3" cstate="print"/>
           <a:stretch>
             <a:fillRect/>
           </a:stretch>
@@ -11797,7 +11557,7 @@
           <p:nvPr/>
         </p:nvPicPr>
         <p:blipFill>
-          <a:blip r:embed="rId6" cstate="print">
+          <a:blip r:embed="rId4" cstate="print">
             <a:extLst>
               <a:ext uri="{28A0092B-C50C-407E-A947-70E740481C1C}">
                 <a14:useLocalDpi xmlns:a14="http://schemas.microsoft.com/office/drawing/2010/main" val="0"/>
@@ -11827,7 +11587,7 @@
           <p:nvPr/>
         </p:nvPicPr>
         <p:blipFill>
-          <a:blip r:embed="rId7"/>
+          <a:blip r:embed="rId5"/>
           <a:stretch>
             <a:fillRect/>
           </a:stretch>
@@ -11851,7 +11611,7 @@
           <p:nvPr/>
         </p:nvPicPr>
         <p:blipFill>
-          <a:blip r:embed="rId8"/>
+          <a:blip r:embed="rId6"/>
           <a:stretch>
             <a:fillRect/>
           </a:stretch>
@@ -11871,13 +11631,13 @@
   <p:clrMapOvr>
     <a:masterClrMapping/>
   </p:clrMapOvr>
-  <mc:AlternateContent xmlns:mc="http://schemas.openxmlformats.org/markup-compatibility/2006" xmlns:p14="http://schemas.microsoft.com/office/powerpoint/2010/main">
-    <mc:Choice Requires="p14">
+  <mc:AlternateContent xmlns:mc="http://schemas.openxmlformats.org/markup-compatibility/2006">
+    <mc:Choice xmlns:p14="http://schemas.microsoft.com/office/powerpoint/2010/main" Requires="p14">
       <p:transition spd="slow" p14:dur="1500">
         <p:random/>
       </p:transition>
     </mc:Choice>
-    <mc:Fallback xmlns="">
+    <mc:Fallback>
       <p:transition spd="slow">
         <p:random/>
       </p:transition>
@@ -13662,6 +13422,19 @@
               </a:rPr>
               <a:t>基本用法</a:t>
             </a:r>
+            <a:endParaRPr lang="zh-CN" altLang="en-US" sz="1335" dirty="0">
+              <a:ln w="6350">
+                <a:noFill/>
+              </a:ln>
+              <a:solidFill>
+                <a:srgbClr val="FFFFFF">
+                  <a:lumMod val="50000"/>
+                </a:srgbClr>
+              </a:solidFill>
+              <a:latin typeface="Impact" panose="020B0806030902050204" pitchFamily="34" charset="0"/>
+              <a:ea typeface="微软雅黑" panose="020B0503020204020204" pitchFamily="34" charset="-122"/>
+              <a:sym typeface="+mn-ea"/>
+            </a:endParaRPr>
           </a:p>
           <a:p>
             <a:pPr algn="l" defTabSz="1218565">
@@ -13717,6 +13490,19 @@
               </a:rPr>
               <a:t>PagerTabStrip</a:t>
             </a:r>
+            <a:endParaRPr lang="en-US" altLang="zh-CN" sz="1335" dirty="0">
+              <a:ln w="6350">
+                <a:noFill/>
+              </a:ln>
+              <a:solidFill>
+                <a:srgbClr val="FFFFFF">
+                  <a:lumMod val="50000"/>
+                </a:srgbClr>
+              </a:solidFill>
+              <a:latin typeface="Impact" panose="020B0806030902050204" pitchFamily="34" charset="0"/>
+              <a:ea typeface="微软雅黑" panose="020B0503020204020204" pitchFamily="34" charset="-122"/>
+              <a:sym typeface="+mn-ea"/>
+            </a:endParaRPr>
           </a:p>
           <a:p>
             <a:pPr algn="l" defTabSz="1218565">
@@ -13740,6 +13526,19 @@
               </a:rPr>
               <a:t>3.PagerAdapter</a:t>
             </a:r>
+            <a:endParaRPr lang="en-US" altLang="zh-CN" sz="1335" dirty="0">
+              <a:ln w="6350">
+                <a:noFill/>
+              </a:ln>
+              <a:solidFill>
+                <a:srgbClr val="FFFFFF">
+                  <a:lumMod val="50000"/>
+                </a:srgbClr>
+              </a:solidFill>
+              <a:latin typeface="Impact" panose="020B0806030902050204" pitchFamily="34" charset="0"/>
+              <a:ea typeface="微软雅黑" panose="020B0503020204020204" pitchFamily="34" charset="-122"/>
+              <a:sym typeface="+mn-ea"/>
+            </a:endParaRPr>
           </a:p>
           <a:p>
             <a:pPr algn="l" defTabSz="1218565">
@@ -13763,6 +13562,19 @@
               </a:rPr>
               <a:t>4.FragmentPagerAdapter FragmentStatePagerAdapter</a:t>
             </a:r>
+            <a:endParaRPr lang="en-US" altLang="zh-CN" sz="1335" dirty="0">
+              <a:ln w="6350">
+                <a:noFill/>
+              </a:ln>
+              <a:solidFill>
+                <a:srgbClr val="FFFFFF">
+                  <a:lumMod val="50000"/>
+                </a:srgbClr>
+              </a:solidFill>
+              <a:latin typeface="Impact" panose="020B0806030902050204" pitchFamily="34" charset="0"/>
+              <a:ea typeface="微软雅黑" panose="020B0503020204020204" pitchFamily="34" charset="-122"/>
+              <a:sym typeface="+mn-ea"/>
+            </a:endParaRPr>
           </a:p>
           <a:p>
             <a:pPr algn="l" defTabSz="1218565">
@@ -13902,6 +13714,19 @@
               </a:rPr>
               <a:t>基础</a:t>
             </a:r>
+            <a:endParaRPr lang="zh-CN" altLang="en-US" sz="1600" b="1">
+              <a:ln w="6350">
+                <a:noFill/>
+              </a:ln>
+              <a:solidFill>
+                <a:srgbClr val="FFFFFF">
+                  <a:lumMod val="50000"/>
+                </a:srgbClr>
+              </a:solidFill>
+              <a:latin typeface="Impact" panose="020B0806030902050204" pitchFamily="34" charset="0"/>
+              <a:ea typeface="微软雅黑" panose="020B0503020204020204" pitchFamily="34" charset="-122"/>
+              <a:sym typeface="+mn-ea"/>
+            </a:endParaRPr>
           </a:p>
         </p:txBody>
       </p:sp>
@@ -14897,6 +14722,18 @@
               </a:rPr>
               <a:t>课程复盘</a:t>
             </a:r>
+            <a:endParaRPr lang="zh-CN" altLang="en-US" sz="1600" b="1">
+              <a:ln w="6350">
+                <a:noFill/>
+              </a:ln>
+              <a:solidFill>
+                <a:srgbClr val="FFFFFF">
+                  <a:lumMod val="50000"/>
+                </a:srgbClr>
+              </a:solidFill>
+              <a:latin typeface="Impact" panose="020B0806030902050204" pitchFamily="34" charset="0"/>
+              <a:ea typeface="微软雅黑" panose="020B0503020204020204" pitchFamily="34" charset="-122"/>
+            </a:endParaRPr>
           </a:p>
         </p:txBody>
       </p:sp>
@@ -15724,6 +15561,19 @@
               </a:rPr>
               <a:t>禁止预加载</a:t>
             </a:r>
+            <a:endParaRPr lang="zh-CN" altLang="en-US" sz="1335" dirty="0">
+              <a:ln w="6350">
+                <a:noFill/>
+              </a:ln>
+              <a:solidFill>
+                <a:srgbClr val="FFFFFF">
+                  <a:lumMod val="50000"/>
+                </a:srgbClr>
+              </a:solidFill>
+              <a:latin typeface="Impact" panose="020B0806030902050204" pitchFamily="34" charset="0"/>
+              <a:ea typeface="微软雅黑" panose="020B0503020204020204" pitchFamily="34" charset="-122"/>
+              <a:sym typeface="+mn-ea"/>
+            </a:endParaRPr>
           </a:p>
           <a:p>
             <a:pPr algn="l" defTabSz="1218565">
@@ -15763,6 +15613,19 @@
               </a:rPr>
               <a:t>内存优化</a:t>
             </a:r>
+            <a:endParaRPr lang="zh-CN" altLang="en-US" sz="1335" dirty="0">
+              <a:ln w="6350">
+                <a:noFill/>
+              </a:ln>
+              <a:solidFill>
+                <a:srgbClr val="FFFFFF">
+                  <a:lumMod val="50000"/>
+                </a:srgbClr>
+              </a:solidFill>
+              <a:latin typeface="Impact" panose="020B0806030902050204" pitchFamily="34" charset="0"/>
+              <a:ea typeface="微软雅黑" panose="020B0503020204020204" pitchFamily="34" charset="-122"/>
+              <a:sym typeface="+mn-ea"/>
+            </a:endParaRPr>
           </a:p>
           <a:p>
             <a:pPr algn="l" defTabSz="1218565">
@@ -15893,6 +15756,18 @@
               </a:rPr>
               <a:t>优化</a:t>
             </a:r>
+            <a:endParaRPr lang="zh-CN" altLang="en-US" sz="1600" b="1" dirty="0">
+              <a:ln w="6350">
+                <a:noFill/>
+              </a:ln>
+              <a:solidFill>
+                <a:srgbClr val="FFFFFF">
+                  <a:lumMod val="50000"/>
+                </a:srgbClr>
+              </a:solidFill>
+              <a:latin typeface="Impact" panose="020B0806030902050204" pitchFamily="34" charset="0"/>
+              <a:ea typeface="微软雅黑" panose="020B0503020204020204" pitchFamily="34" charset="-122"/>
+            </a:endParaRPr>
           </a:p>
         </p:txBody>
       </p:sp>
@@ -15901,13 +15776,13 @@
   <p:clrMapOvr>
     <a:masterClrMapping/>
   </p:clrMapOvr>
-  <mc:AlternateContent xmlns:mc="http://schemas.openxmlformats.org/markup-compatibility/2006" xmlns:p14="http://schemas.microsoft.com/office/powerpoint/2010/main">
-    <mc:Choice Requires="p14">
+  <mc:AlternateContent xmlns:mc="http://schemas.openxmlformats.org/markup-compatibility/2006">
+    <mc:Choice xmlns:p14="http://schemas.microsoft.com/office/powerpoint/2010/main" Requires="p14">
       <p:transition spd="slow" p14:dur="1500">
         <p:random/>
       </p:transition>
     </mc:Choice>
-    <mc:Fallback xmlns="">
+    <mc:Fallback>
       <p:transition spd="slow">
         <p:random/>
       </p:transition>
@@ -22500,6 +22375,16 @@
                 </a:rPr>
                 <a:t> 2133576719</a:t>
               </a:r>
+              <a:endParaRPr lang="en-US" altLang="zh-CN">
+                <a:solidFill>
+                  <a:srgbClr val="333333">
+                    <a:lumMod val="65000"/>
+                    <a:lumOff val="35000"/>
+                  </a:srgbClr>
+                </a:solidFill>
+                <a:latin typeface="微软雅黑" panose="020B0503020204020204" pitchFamily="34" charset="-122"/>
+                <a:ea typeface="微软雅黑" panose="020B0503020204020204" pitchFamily="34" charset="-122"/>
+              </a:endParaRPr>
             </a:p>
           </p:txBody>
         </p:sp>
@@ -22509,13 +22394,13 @@
   <p:clrMapOvr>
     <a:masterClrMapping/>
   </p:clrMapOvr>
-  <mc:AlternateContent xmlns:mc="http://schemas.openxmlformats.org/markup-compatibility/2006" xmlns:p14="http://schemas.microsoft.com/office/powerpoint/2010/main">
-    <mc:Choice Requires="p14">
+  <mc:AlternateContent xmlns:mc="http://schemas.openxmlformats.org/markup-compatibility/2006">
+    <mc:Choice xmlns:p14="http://schemas.microsoft.com/office/powerpoint/2010/main" Requires="p14">
       <p:transition spd="slow" p14:dur="1500">
         <p:random/>
       </p:transition>
     </mc:Choice>
-    <mc:Fallback xmlns="">
+    <mc:Fallback>
       <p:transition spd="slow">
         <p:random/>
       </p:transition>
@@ -23496,7 +23381,7 @@
           <p:nvPr/>
         </p:nvPicPr>
         <p:blipFill>
-          <a:blip r:embed="rId2">
+          <a:blip r:embed="rId1">
             <a:extLst>
               <a:ext uri="{28A0092B-C50C-407E-A947-70E740481C1C}">
                 <a14:useLocalDpi xmlns:a14="http://schemas.microsoft.com/office/drawing/2010/main" val="0"/>
@@ -23546,13 +23431,13 @@
   <p:clrMapOvr>
     <a:masterClrMapping/>
   </p:clrMapOvr>
-  <mc:AlternateContent xmlns:mc="http://schemas.openxmlformats.org/markup-compatibility/2006" xmlns:p14="http://schemas.microsoft.com/office/powerpoint/2010/main">
-    <mc:Choice Requires="p14">
+  <mc:AlternateContent xmlns:mc="http://schemas.openxmlformats.org/markup-compatibility/2006">
+    <mc:Choice xmlns:p14="http://schemas.microsoft.com/office/powerpoint/2010/main" Requires="p14">
       <p:transition spd="slow" p14:dur="1500">
         <p:random/>
       </p:transition>
     </mc:Choice>
-    <mc:Fallback xmlns="">
+    <mc:Fallback>
       <p:transition spd="slow">
         <p:random/>
       </p:transition>
@@ -23967,6 +23852,15 @@
               </a:rPr>
               <a:t>任软件工程师及项目经理</a:t>
             </a:r>
+            <a:endParaRPr lang="zh-CN" altLang="en-US" sz="1050" dirty="0">
+              <a:solidFill>
+                <a:schemeClr val="tx1">
+                  <a:lumMod val="75000"/>
+                </a:schemeClr>
+              </a:solidFill>
+              <a:latin typeface="微软雅黑" panose="020B0503020204020204" pitchFamily="34" charset="-122"/>
+              <a:ea typeface="微软雅黑" panose="020B0503020204020204" pitchFamily="34" charset="-122"/>
+            </a:endParaRPr>
           </a:p>
           <a:p>
             <a:pPr>
@@ -24062,6 +23956,15 @@
               </a:rPr>
               <a:t>讲课形象生动，热情洋溢</a:t>
             </a:r>
+            <a:endParaRPr lang="zh-CN" altLang="en-US" sz="1050" dirty="0">
+              <a:solidFill>
+                <a:schemeClr val="tx1">
+                  <a:lumMod val="75000"/>
+                </a:schemeClr>
+              </a:solidFill>
+              <a:latin typeface="微软雅黑" panose="020B0503020204020204" pitchFamily="34" charset="-122"/>
+              <a:ea typeface="微软雅黑" panose="020B0503020204020204" pitchFamily="34" charset="-122"/>
+            </a:endParaRPr>
           </a:p>
         </p:txBody>
       </p:sp>
@@ -24322,6 +24225,11 @@
               </a:rPr>
               <a:t>及移动互联网开发经验，曾担任爱立信技术总监，华为技术总监，北电技术总监，对全栈有自己独特的见解，热爱技术，热爱互联网，实战经验非常丰富。</a:t>
             </a:r>
+            <a:endParaRPr lang="zh-CN" altLang="en-US" sz="1050" dirty="0">
+              <a:latin typeface="微软雅黑" panose="020B0503020204020204" pitchFamily="34" charset="-122"/>
+              <a:ea typeface="微软雅黑" panose="020B0503020204020204" pitchFamily="34" charset="-122"/>
+              <a:cs typeface="微软雅黑" panose="020B0503020204020204" pitchFamily="34" charset="-122"/>
+            </a:endParaRPr>
           </a:p>
         </p:txBody>
       </p:sp>
@@ -24334,7 +24242,7 @@
           <p:nvPr/>
         </p:nvPicPr>
         <p:blipFill>
-          <a:blip r:embed="rId5" cstate="print">
+          <a:blip r:embed="rId3" cstate="print">
             <a:extLst>
               <a:ext uri="{28A0092B-C50C-407E-A947-70E740481C1C}">
                 <a14:useLocalDpi xmlns:a14="http://schemas.microsoft.com/office/drawing/2010/main" val="0"/>
@@ -24375,7 +24283,7 @@
           <p:nvPr/>
         </p:nvPicPr>
         <p:blipFill>
-          <a:blip r:embed="rId6" cstate="print"/>
+          <a:blip r:embed="rId4" cstate="print"/>
           <a:stretch>
             <a:fillRect/>
           </a:stretch>
@@ -24399,7 +24307,7 @@
           <p:nvPr/>
         </p:nvPicPr>
         <p:blipFill>
-          <a:blip r:embed="rId7" cstate="print">
+          <a:blip r:embed="rId5" cstate="print">
             <a:extLst>
               <a:ext uri="{28A0092B-C50C-407E-A947-70E740481C1C}">
                 <a14:useLocalDpi xmlns:a14="http://schemas.microsoft.com/office/drawing/2010/main" val="0"/>
@@ -24429,7 +24337,7 @@
           <p:nvPr/>
         </p:nvPicPr>
         <p:blipFill>
-          <a:blip r:embed="rId8"/>
+          <a:blip r:embed="rId6"/>
           <a:stretch>
             <a:fillRect/>
           </a:stretch>
@@ -24449,13 +24357,13 @@
   <p:clrMapOvr>
     <a:masterClrMapping/>
   </p:clrMapOvr>
-  <mc:AlternateContent xmlns:mc="http://schemas.openxmlformats.org/markup-compatibility/2006" xmlns:p14="http://schemas.microsoft.com/office/powerpoint/2010/main">
-    <mc:Choice Requires="p14">
+  <mc:AlternateContent xmlns:mc="http://schemas.openxmlformats.org/markup-compatibility/2006">
+    <mc:Choice xmlns:p14="http://schemas.microsoft.com/office/powerpoint/2010/main" Requires="p14">
       <p:transition spd="slow" p14:dur="1500">
         <p:random/>
       </p:transition>
     </mc:Choice>
-    <mc:Fallback xmlns="">
+    <mc:Fallback>
       <p:transition spd="slow">
         <p:random/>
       </p:transition>
@@ -25965,6 +25873,10 @@
               </a:rPr>
               <a:t>班主任督学</a:t>
             </a:r>
+            <a:endParaRPr lang="zh-CN" altLang="en-US" sz="2400" b="1" dirty="0">
+              <a:latin typeface="微软雅黑" panose="020B0503020204020204" pitchFamily="34" charset="-122"/>
+              <a:ea typeface="微软雅黑" panose="020B0503020204020204" pitchFamily="34" charset="-122"/>
+            </a:endParaRPr>
           </a:p>
         </p:txBody>
       </p:sp>
@@ -30232,13 +30144,13 @@
   <p:clrMapOvr>
     <a:masterClrMapping/>
   </p:clrMapOvr>
-  <mc:AlternateContent xmlns:mc="http://schemas.openxmlformats.org/markup-compatibility/2006" xmlns:p14="http://schemas.microsoft.com/office/powerpoint/2010/main">
-    <mc:Choice Requires="p14">
+  <mc:AlternateContent xmlns:mc="http://schemas.openxmlformats.org/markup-compatibility/2006">
+    <mc:Choice xmlns:p14="http://schemas.microsoft.com/office/powerpoint/2010/main" Requires="p14">
       <p:transition spd="slow" p14:dur="1500">
         <p:random/>
       </p:transition>
     </mc:Choice>
-    <mc:Fallback xmlns="">
+    <mc:Fallback>
       <p:transition spd="slow">
         <p:random/>
       </p:transition>
@@ -31701,7 +31613,7 @@
                   </a:solidFill>
                   <a:latin typeface="微软雅黑" panose="020B0503020204020204" pitchFamily="34" charset="-122"/>
                   <a:ea typeface="微软雅黑" panose="020B0503020204020204" pitchFamily="34" charset="-122"/>
-                  <a:hlinkClick r:id="rId7"/>
+                  <a:hlinkClick r:id="rId5"/>
                 </a:rPr>
                 <a:t>课程</a:t>
               </a:r>
@@ -31728,7 +31640,7 @@
                   </a:solidFill>
                   <a:latin typeface="微软雅黑" panose="020B0503020204020204" pitchFamily="34" charset="-122"/>
                   <a:ea typeface="微软雅黑" panose="020B0503020204020204" pitchFamily="34" charset="-122"/>
-                  <a:hlinkClick r:id="rId8"/>
+                  <a:hlinkClick r:id="rId6"/>
                 </a:rPr>
                 <a:t>依娜老师</a:t>
               </a:r>
@@ -31804,6 +31716,13 @@
               </a:rPr>
               <a:t>你的好评是享学前行最大的动力，谢谢！</a:t>
             </a:r>
+            <a:endParaRPr lang="zh-CN" altLang="en-US" sz="4000" b="1">
+              <a:solidFill>
+                <a:srgbClr val="7030A0"/>
+              </a:solidFill>
+              <a:latin typeface="微软雅黑" panose="020B0503020204020204" pitchFamily="34" charset="-122"/>
+              <a:ea typeface="微软雅黑" panose="020B0503020204020204" pitchFamily="34" charset="-122"/>
+            </a:endParaRPr>
           </a:p>
         </p:txBody>
       </p:sp>
@@ -31844,7 +31763,7 @@
               <p:nvPr/>
             </p:nvPicPr>
             <p:blipFill>
-              <a:blip r:embed="rId9">
+              <a:blip r:embed="rId7">
                 <a:extLst>
                   <a:ext uri="{28A0092B-C50C-407E-A947-70E740481C1C}">
                     <a14:useLocalDpi xmlns:a14="http://schemas.microsoft.com/office/drawing/2010/main" val="0"/>
@@ -31912,7 +31831,7 @@
                 <p:nvPr/>
               </p:nvPicPr>
               <p:blipFill>
-                <a:blip r:embed="rId10">
+                <a:blip r:embed="rId8">
                   <a:extLst>
                     <a:ext uri="{28A0092B-C50C-407E-A947-70E740481C1C}">
                       <a14:useLocalDpi xmlns:a14="http://schemas.microsoft.com/office/drawing/2010/main" val="0"/>
@@ -31966,7 +31885,7 @@
                 <p:nvPr/>
               </p:nvPicPr>
               <p:blipFill>
-                <a:blip r:embed="rId10">
+                <a:blip r:embed="rId8">
                   <a:extLst>
                     <a:ext uri="{28A0092B-C50C-407E-A947-70E740481C1C}">
                       <a14:useLocalDpi xmlns:a14="http://schemas.microsoft.com/office/drawing/2010/main" val="0"/>
@@ -32020,7 +31939,7 @@
                 <p:nvPr/>
               </p:nvPicPr>
               <p:blipFill>
-                <a:blip r:embed="rId10">
+                <a:blip r:embed="rId8">
                   <a:extLst>
                     <a:ext uri="{28A0092B-C50C-407E-A947-70E740481C1C}">
                       <a14:useLocalDpi xmlns:a14="http://schemas.microsoft.com/office/drawing/2010/main" val="0"/>
@@ -32076,7 +31995,7 @@
             <p:nvPr/>
           </p:nvPicPr>
           <p:blipFill>
-            <a:blip r:embed="rId11">
+            <a:blip r:embed="rId9">
               <a:extLst>
                 <a:ext uri="{28A0092B-C50C-407E-A947-70E740481C1C}">
                   <a14:useLocalDpi xmlns:a14="http://schemas.microsoft.com/office/drawing/2010/main" val="0"/>
@@ -32127,13 +32046,13 @@
   <p:clrMapOvr>
     <a:masterClrMapping/>
   </p:clrMapOvr>
-  <mc:AlternateContent xmlns:mc="http://schemas.openxmlformats.org/markup-compatibility/2006" xmlns:p14="http://schemas.microsoft.com/office/powerpoint/2010/main">
-    <mc:Choice Requires="p14">
+  <mc:AlternateContent xmlns:mc="http://schemas.openxmlformats.org/markup-compatibility/2006">
+    <mc:Choice xmlns:p14="http://schemas.microsoft.com/office/powerpoint/2010/main" Requires="p14">
       <p:transition spd="slow" p14:dur="1500">
         <p:random/>
       </p:transition>
     </mc:Choice>
-    <mc:Fallback xmlns="">
+    <mc:Fallback>
       <p:transition spd="slow">
         <p:random/>
       </p:transition>
@@ -32473,259 +32392,265 @@
 </file>
 
 <file path=ppt/tags/tag1.xml><?xml version="1.0" encoding="utf-8"?>
-<p:tagLst xmlns:a="http://schemas.openxmlformats.org/drawingml/2006/main" xmlns:r="http://schemas.openxmlformats.org/officeDocument/2006/relationships" xmlns:p="http://schemas.openxmlformats.org/presentationml/2006/main">
+<p:tagLst xmlns:p="http://schemas.openxmlformats.org/presentationml/2006/main">
   <p:tag name="PA" val="v4.1.3"/>
 </p:tagLst>
 </file>
 
 <file path=ppt/tags/tag10.xml><?xml version="1.0" encoding="utf-8"?>
-<p:tagLst xmlns:a="http://schemas.openxmlformats.org/drawingml/2006/main" xmlns:r="http://schemas.openxmlformats.org/officeDocument/2006/relationships" xmlns:p="http://schemas.openxmlformats.org/presentationml/2006/main">
+<p:tagLst xmlns:p="http://schemas.openxmlformats.org/presentationml/2006/main">
   <p:tag name="PA" val="v4.1.3"/>
 </p:tagLst>
 </file>
 
 <file path=ppt/tags/tag11.xml><?xml version="1.0" encoding="utf-8"?>
-<p:tagLst xmlns:a="http://schemas.openxmlformats.org/drawingml/2006/main" xmlns:r="http://schemas.openxmlformats.org/officeDocument/2006/relationships" xmlns:p="http://schemas.openxmlformats.org/presentationml/2006/main">
+<p:tagLst xmlns:p="http://schemas.openxmlformats.org/presentationml/2006/main">
   <p:tag name="PA" val="v4.1.3"/>
 </p:tagLst>
 </file>
 
 <file path=ppt/tags/tag12.xml><?xml version="1.0" encoding="utf-8"?>
-<p:tagLst xmlns:a="http://schemas.openxmlformats.org/drawingml/2006/main" xmlns:r="http://schemas.openxmlformats.org/officeDocument/2006/relationships" xmlns:p="http://schemas.openxmlformats.org/presentationml/2006/main">
+<p:tagLst xmlns:p="http://schemas.openxmlformats.org/presentationml/2006/main">
   <p:tag name="PA" val="v4.1.3"/>
 </p:tagLst>
 </file>
 
 <file path=ppt/tags/tag13.xml><?xml version="1.0" encoding="utf-8"?>
-<p:tagLst xmlns:a="http://schemas.openxmlformats.org/drawingml/2006/main" xmlns:r="http://schemas.openxmlformats.org/officeDocument/2006/relationships" xmlns:p="http://schemas.openxmlformats.org/presentationml/2006/main">
+<p:tagLst xmlns:p="http://schemas.openxmlformats.org/presentationml/2006/main">
   <p:tag name="PA" val="v4.1.3"/>
 </p:tagLst>
 </file>
 
 <file path=ppt/tags/tag14.xml><?xml version="1.0" encoding="utf-8"?>
-<p:tagLst xmlns:a="http://schemas.openxmlformats.org/drawingml/2006/main" xmlns:r="http://schemas.openxmlformats.org/officeDocument/2006/relationships" xmlns:p="http://schemas.openxmlformats.org/presentationml/2006/main">
+<p:tagLst xmlns:p="http://schemas.openxmlformats.org/presentationml/2006/main">
   <p:tag name="PA" val="v4.1.3"/>
 </p:tagLst>
 </file>
 
 <file path=ppt/tags/tag15.xml><?xml version="1.0" encoding="utf-8"?>
-<p:tagLst xmlns:a="http://schemas.openxmlformats.org/drawingml/2006/main" xmlns:r="http://schemas.openxmlformats.org/officeDocument/2006/relationships" xmlns:p="http://schemas.openxmlformats.org/presentationml/2006/main">
+<p:tagLst xmlns:p="http://schemas.openxmlformats.org/presentationml/2006/main">
   <p:tag name="PA" val="v4.1.3"/>
 </p:tagLst>
 </file>
 
 <file path=ppt/tags/tag16.xml><?xml version="1.0" encoding="utf-8"?>
-<p:tagLst xmlns:a="http://schemas.openxmlformats.org/drawingml/2006/main" xmlns:r="http://schemas.openxmlformats.org/officeDocument/2006/relationships" xmlns:p="http://schemas.openxmlformats.org/presentationml/2006/main">
+<p:tagLst xmlns:p="http://schemas.openxmlformats.org/presentationml/2006/main">
   <p:tag name="PA" val="v4.1.3"/>
 </p:tagLst>
 </file>
 
 <file path=ppt/tags/tag17.xml><?xml version="1.0" encoding="utf-8"?>
-<p:tagLst xmlns:a="http://schemas.openxmlformats.org/drawingml/2006/main" xmlns:r="http://schemas.openxmlformats.org/officeDocument/2006/relationships" xmlns:p="http://schemas.openxmlformats.org/presentationml/2006/main">
+<p:tagLst xmlns:p="http://schemas.openxmlformats.org/presentationml/2006/main">
   <p:tag name="PA" val="v4.1.3"/>
 </p:tagLst>
 </file>
 
 <file path=ppt/tags/tag18.xml><?xml version="1.0" encoding="utf-8"?>
-<p:tagLst xmlns:a="http://schemas.openxmlformats.org/drawingml/2006/main" xmlns:r="http://schemas.openxmlformats.org/officeDocument/2006/relationships" xmlns:p="http://schemas.openxmlformats.org/presentationml/2006/main">
+<p:tagLst xmlns:p="http://schemas.openxmlformats.org/presentationml/2006/main">
   <p:tag name="PA" val="v4.1.3"/>
 </p:tagLst>
 </file>
 
 <file path=ppt/tags/tag19.xml><?xml version="1.0" encoding="utf-8"?>
-<p:tagLst xmlns:a="http://schemas.openxmlformats.org/drawingml/2006/main" xmlns:r="http://schemas.openxmlformats.org/officeDocument/2006/relationships" xmlns:p="http://schemas.openxmlformats.org/presentationml/2006/main">
+<p:tagLst xmlns:p="http://schemas.openxmlformats.org/presentationml/2006/main">
   <p:tag name="PA" val="v4.1.3"/>
 </p:tagLst>
 </file>
 
 <file path=ppt/tags/tag2.xml><?xml version="1.0" encoding="utf-8"?>
-<p:tagLst xmlns:a="http://schemas.openxmlformats.org/drawingml/2006/main" xmlns:r="http://schemas.openxmlformats.org/officeDocument/2006/relationships" xmlns:p="http://schemas.openxmlformats.org/presentationml/2006/main">
+<p:tagLst xmlns:p="http://schemas.openxmlformats.org/presentationml/2006/main">
   <p:tag name="PA" val="v4.1.3"/>
 </p:tagLst>
 </file>
 
 <file path=ppt/tags/tag20.xml><?xml version="1.0" encoding="utf-8"?>
-<p:tagLst xmlns:a="http://schemas.openxmlformats.org/drawingml/2006/main" xmlns:r="http://schemas.openxmlformats.org/officeDocument/2006/relationships" xmlns:p="http://schemas.openxmlformats.org/presentationml/2006/main">
+<p:tagLst xmlns:p="http://schemas.openxmlformats.org/presentationml/2006/main">
   <p:tag name="PA" val="v4.1.3"/>
 </p:tagLst>
 </file>
 
 <file path=ppt/tags/tag21.xml><?xml version="1.0" encoding="utf-8"?>
-<p:tagLst xmlns:a="http://schemas.openxmlformats.org/drawingml/2006/main" xmlns:r="http://schemas.openxmlformats.org/officeDocument/2006/relationships" xmlns:p="http://schemas.openxmlformats.org/presentationml/2006/main">
+<p:tagLst xmlns:p="http://schemas.openxmlformats.org/presentationml/2006/main">
   <p:tag name="PA" val="v4.1.3"/>
 </p:tagLst>
 </file>
 
 <file path=ppt/tags/tag22.xml><?xml version="1.0" encoding="utf-8"?>
-<p:tagLst xmlns:a="http://schemas.openxmlformats.org/drawingml/2006/main" xmlns:r="http://schemas.openxmlformats.org/officeDocument/2006/relationships" xmlns:p="http://schemas.openxmlformats.org/presentationml/2006/main">
+<p:tagLst xmlns:p="http://schemas.openxmlformats.org/presentationml/2006/main">
   <p:tag name="PA" val="v4.1.3"/>
 </p:tagLst>
 </file>
 
 <file path=ppt/tags/tag23.xml><?xml version="1.0" encoding="utf-8"?>
-<p:tagLst xmlns:a="http://schemas.openxmlformats.org/drawingml/2006/main" xmlns:r="http://schemas.openxmlformats.org/officeDocument/2006/relationships" xmlns:p="http://schemas.openxmlformats.org/presentationml/2006/main">
+<p:tagLst xmlns:p="http://schemas.openxmlformats.org/presentationml/2006/main">
   <p:tag name="PA" val="v4.1.3"/>
 </p:tagLst>
 </file>
 
 <file path=ppt/tags/tag24.xml><?xml version="1.0" encoding="utf-8"?>
-<p:tagLst xmlns:a="http://schemas.openxmlformats.org/drawingml/2006/main" xmlns:r="http://schemas.openxmlformats.org/officeDocument/2006/relationships" xmlns:p="http://schemas.openxmlformats.org/presentationml/2006/main">
+<p:tagLst xmlns:p="http://schemas.openxmlformats.org/presentationml/2006/main">
   <p:tag name="PA" val="v4.1.3"/>
 </p:tagLst>
 </file>
 
 <file path=ppt/tags/tag25.xml><?xml version="1.0" encoding="utf-8"?>
-<p:tagLst xmlns:a="http://schemas.openxmlformats.org/drawingml/2006/main" xmlns:r="http://schemas.openxmlformats.org/officeDocument/2006/relationships" xmlns:p="http://schemas.openxmlformats.org/presentationml/2006/main">
+<p:tagLst xmlns:p="http://schemas.openxmlformats.org/presentationml/2006/main">
   <p:tag name="PA" val="v4.1.3"/>
 </p:tagLst>
 </file>
 
 <file path=ppt/tags/tag26.xml><?xml version="1.0" encoding="utf-8"?>
-<p:tagLst xmlns:a="http://schemas.openxmlformats.org/drawingml/2006/main" xmlns:r="http://schemas.openxmlformats.org/officeDocument/2006/relationships" xmlns:p="http://schemas.openxmlformats.org/presentationml/2006/main">
+<p:tagLst xmlns:p="http://schemas.openxmlformats.org/presentationml/2006/main">
   <p:tag name="PA" val="v4.1.3"/>
 </p:tagLst>
 </file>
 
 <file path=ppt/tags/tag27.xml><?xml version="1.0" encoding="utf-8"?>
-<p:tagLst xmlns:a="http://schemas.openxmlformats.org/drawingml/2006/main" xmlns:r="http://schemas.openxmlformats.org/officeDocument/2006/relationships" xmlns:p="http://schemas.openxmlformats.org/presentationml/2006/main">
+<p:tagLst xmlns:p="http://schemas.openxmlformats.org/presentationml/2006/main">
   <p:tag name="PA" val="v4.1.3"/>
 </p:tagLst>
 </file>
 
 <file path=ppt/tags/tag28.xml><?xml version="1.0" encoding="utf-8"?>
-<p:tagLst xmlns:a="http://schemas.openxmlformats.org/drawingml/2006/main" xmlns:r="http://schemas.openxmlformats.org/officeDocument/2006/relationships" xmlns:p="http://schemas.openxmlformats.org/presentationml/2006/main">
+<p:tagLst xmlns:p="http://schemas.openxmlformats.org/presentationml/2006/main">
   <p:tag name="PA" val="v4.1.3"/>
 </p:tagLst>
 </file>
 
 <file path=ppt/tags/tag29.xml><?xml version="1.0" encoding="utf-8"?>
-<p:tagLst xmlns:a="http://schemas.openxmlformats.org/drawingml/2006/main" xmlns:r="http://schemas.openxmlformats.org/officeDocument/2006/relationships" xmlns:p="http://schemas.openxmlformats.org/presentationml/2006/main">
+<p:tagLst xmlns:p="http://schemas.openxmlformats.org/presentationml/2006/main">
   <p:tag name="PA" val="v4.1.3"/>
 </p:tagLst>
 </file>
 
 <file path=ppt/tags/tag3.xml><?xml version="1.0" encoding="utf-8"?>
-<p:tagLst xmlns:a="http://schemas.openxmlformats.org/drawingml/2006/main" xmlns:r="http://schemas.openxmlformats.org/officeDocument/2006/relationships" xmlns:p="http://schemas.openxmlformats.org/presentationml/2006/main">
+<p:tagLst xmlns:p="http://schemas.openxmlformats.org/presentationml/2006/main">
   <p:tag name="PA" val="v4.1.3"/>
 </p:tagLst>
 </file>
 
 <file path=ppt/tags/tag30.xml><?xml version="1.0" encoding="utf-8"?>
-<p:tagLst xmlns:a="http://schemas.openxmlformats.org/drawingml/2006/main" xmlns:r="http://schemas.openxmlformats.org/officeDocument/2006/relationships" xmlns:p="http://schemas.openxmlformats.org/presentationml/2006/main">
+<p:tagLst xmlns:p="http://schemas.openxmlformats.org/presentationml/2006/main">
   <p:tag name="PA" val="v4.1.3"/>
 </p:tagLst>
 </file>
 
 <file path=ppt/tags/tag31.xml><?xml version="1.0" encoding="utf-8"?>
-<p:tagLst xmlns:a="http://schemas.openxmlformats.org/drawingml/2006/main" xmlns:r="http://schemas.openxmlformats.org/officeDocument/2006/relationships" xmlns:p="http://schemas.openxmlformats.org/presentationml/2006/main">
+<p:tagLst xmlns:p="http://schemas.openxmlformats.org/presentationml/2006/main">
   <p:tag name="PA" val="v4.1.3"/>
 </p:tagLst>
 </file>
 
 <file path=ppt/tags/tag32.xml><?xml version="1.0" encoding="utf-8"?>
-<p:tagLst xmlns:a="http://schemas.openxmlformats.org/drawingml/2006/main" xmlns:r="http://schemas.openxmlformats.org/officeDocument/2006/relationships" xmlns:p="http://schemas.openxmlformats.org/presentationml/2006/main">
+<p:tagLst xmlns:p="http://schemas.openxmlformats.org/presentationml/2006/main">
   <p:tag name="PA" val="v4.1.3"/>
 </p:tagLst>
 </file>
 
 <file path=ppt/tags/tag33.xml><?xml version="1.0" encoding="utf-8"?>
-<p:tagLst xmlns:a="http://schemas.openxmlformats.org/drawingml/2006/main" xmlns:r="http://schemas.openxmlformats.org/officeDocument/2006/relationships" xmlns:p="http://schemas.openxmlformats.org/presentationml/2006/main">
+<p:tagLst xmlns:p="http://schemas.openxmlformats.org/presentationml/2006/main">
   <p:tag name="PA" val="v4.1.3"/>
 </p:tagLst>
 </file>
 
 <file path=ppt/tags/tag34.xml><?xml version="1.0" encoding="utf-8"?>
-<p:tagLst xmlns:a="http://schemas.openxmlformats.org/drawingml/2006/main" xmlns:r="http://schemas.openxmlformats.org/officeDocument/2006/relationships" xmlns:p="http://schemas.openxmlformats.org/presentationml/2006/main">
+<p:tagLst xmlns:p="http://schemas.openxmlformats.org/presentationml/2006/main">
   <p:tag name="PA" val="v4.1.3"/>
 </p:tagLst>
 </file>
 
 <file path=ppt/tags/tag35.xml><?xml version="1.0" encoding="utf-8"?>
-<p:tagLst xmlns:a="http://schemas.openxmlformats.org/drawingml/2006/main" xmlns:r="http://schemas.openxmlformats.org/officeDocument/2006/relationships" xmlns:p="http://schemas.openxmlformats.org/presentationml/2006/main">
+<p:tagLst xmlns:p="http://schemas.openxmlformats.org/presentationml/2006/main">
   <p:tag name="PA" val="v4.1.3"/>
 </p:tagLst>
 </file>
 
 <file path=ppt/tags/tag36.xml><?xml version="1.0" encoding="utf-8"?>
-<p:tagLst xmlns:a="http://schemas.openxmlformats.org/drawingml/2006/main" xmlns:r="http://schemas.openxmlformats.org/officeDocument/2006/relationships" xmlns:p="http://schemas.openxmlformats.org/presentationml/2006/main">
+<p:tagLst xmlns:p="http://schemas.openxmlformats.org/presentationml/2006/main">
   <p:tag name="PA" val="v4.1.3"/>
 </p:tagLst>
 </file>
 
 <file path=ppt/tags/tag37.xml><?xml version="1.0" encoding="utf-8"?>
-<p:tagLst xmlns:a="http://schemas.openxmlformats.org/drawingml/2006/main" xmlns:r="http://schemas.openxmlformats.org/officeDocument/2006/relationships" xmlns:p="http://schemas.openxmlformats.org/presentationml/2006/main">
+<p:tagLst xmlns:p="http://schemas.openxmlformats.org/presentationml/2006/main">
   <p:tag name="PA" val="v4.1.3"/>
 </p:tagLst>
 </file>
 
 <file path=ppt/tags/tag38.xml><?xml version="1.0" encoding="utf-8"?>
-<p:tagLst xmlns:a="http://schemas.openxmlformats.org/drawingml/2006/main" xmlns:r="http://schemas.openxmlformats.org/officeDocument/2006/relationships" xmlns:p="http://schemas.openxmlformats.org/presentationml/2006/main">
+<p:tagLst xmlns:p="http://schemas.openxmlformats.org/presentationml/2006/main">
   <p:tag name="PA" val="v4.1.3"/>
 </p:tagLst>
 </file>
 
 <file path=ppt/tags/tag39.xml><?xml version="1.0" encoding="utf-8"?>
-<p:tagLst xmlns:a="http://schemas.openxmlformats.org/drawingml/2006/main" xmlns:r="http://schemas.openxmlformats.org/officeDocument/2006/relationships" xmlns:p="http://schemas.openxmlformats.org/presentationml/2006/main">
+<p:tagLst xmlns:p="http://schemas.openxmlformats.org/presentationml/2006/main">
   <p:tag name="PA" val="v4.1.3"/>
 </p:tagLst>
 </file>
 
 <file path=ppt/tags/tag4.xml><?xml version="1.0" encoding="utf-8"?>
-<p:tagLst xmlns:a="http://schemas.openxmlformats.org/drawingml/2006/main" xmlns:r="http://schemas.openxmlformats.org/officeDocument/2006/relationships" xmlns:p="http://schemas.openxmlformats.org/presentationml/2006/main">
+<p:tagLst xmlns:p="http://schemas.openxmlformats.org/presentationml/2006/main">
   <p:tag name="PA" val="v4.1.3"/>
 </p:tagLst>
 </file>
 
 <file path=ppt/tags/tag40.xml><?xml version="1.0" encoding="utf-8"?>
-<p:tagLst xmlns:a="http://schemas.openxmlformats.org/drawingml/2006/main" xmlns:r="http://schemas.openxmlformats.org/officeDocument/2006/relationships" xmlns:p="http://schemas.openxmlformats.org/presentationml/2006/main">
+<p:tagLst xmlns:p="http://schemas.openxmlformats.org/presentationml/2006/main">
   <p:tag name="PA" val="v4.1.3"/>
 </p:tagLst>
 </file>
 
 <file path=ppt/tags/tag41.xml><?xml version="1.0" encoding="utf-8"?>
-<p:tagLst xmlns:a="http://schemas.openxmlformats.org/drawingml/2006/main" xmlns:r="http://schemas.openxmlformats.org/officeDocument/2006/relationships" xmlns:p="http://schemas.openxmlformats.org/presentationml/2006/main">
+<p:tagLst xmlns:p="http://schemas.openxmlformats.org/presentationml/2006/main">
   <p:tag name="PA" val="v4.1.3"/>
 </p:tagLst>
 </file>
 
 <file path=ppt/tags/tag42.xml><?xml version="1.0" encoding="utf-8"?>
-<p:tagLst xmlns:a="http://schemas.openxmlformats.org/drawingml/2006/main" xmlns:r="http://schemas.openxmlformats.org/officeDocument/2006/relationships" xmlns:p="http://schemas.openxmlformats.org/presentationml/2006/main">
+<p:tagLst xmlns:p="http://schemas.openxmlformats.org/presentationml/2006/main">
   <p:tag name="PA" val="v4.1.3"/>
 </p:tagLst>
 </file>
 
 <file path=ppt/tags/tag43.xml><?xml version="1.0" encoding="utf-8"?>
-<p:tagLst xmlns:a="http://schemas.openxmlformats.org/drawingml/2006/main" xmlns:r="http://schemas.openxmlformats.org/officeDocument/2006/relationships" xmlns:p="http://schemas.openxmlformats.org/presentationml/2006/main">
+<p:tagLst xmlns:p="http://schemas.openxmlformats.org/presentationml/2006/main">
   <p:tag name="PA" val="v4.1.3"/>
 </p:tagLst>
 </file>
 
+<file path=ppt/tags/tag44.xml><?xml version="1.0" encoding="utf-8"?>
+<p:tagLst xmlns:p="http://schemas.openxmlformats.org/presentationml/2006/main">
+  <p:tag name="KSO_WM_DOC_GUID" val="{02d145e3-4952-438c-b959-c49f8825bec4}"/>
+</p:tagLst>
+</file>
+
 <file path=ppt/tags/tag5.xml><?xml version="1.0" encoding="utf-8"?>
-<p:tagLst xmlns:a="http://schemas.openxmlformats.org/drawingml/2006/main" xmlns:r="http://schemas.openxmlformats.org/officeDocument/2006/relationships" xmlns:p="http://schemas.openxmlformats.org/presentationml/2006/main">
+<p:tagLst xmlns:p="http://schemas.openxmlformats.org/presentationml/2006/main">
   <p:tag name="PA" val="v4.1.3"/>
 </p:tagLst>
 </file>
 
 <file path=ppt/tags/tag6.xml><?xml version="1.0" encoding="utf-8"?>
-<p:tagLst xmlns:a="http://schemas.openxmlformats.org/drawingml/2006/main" xmlns:r="http://schemas.openxmlformats.org/officeDocument/2006/relationships" xmlns:p="http://schemas.openxmlformats.org/presentationml/2006/main">
+<p:tagLst xmlns:p="http://schemas.openxmlformats.org/presentationml/2006/main">
   <p:tag name="PA" val="v4.1.3"/>
 </p:tagLst>
 </file>
 
 <file path=ppt/tags/tag7.xml><?xml version="1.0" encoding="utf-8"?>
-<p:tagLst xmlns:a="http://schemas.openxmlformats.org/drawingml/2006/main" xmlns:r="http://schemas.openxmlformats.org/officeDocument/2006/relationships" xmlns:p="http://schemas.openxmlformats.org/presentationml/2006/main">
+<p:tagLst xmlns:p="http://schemas.openxmlformats.org/presentationml/2006/main">
   <p:tag name="PA" val="v4.1.3"/>
 </p:tagLst>
 </file>
 
 <file path=ppt/tags/tag8.xml><?xml version="1.0" encoding="utf-8"?>
-<p:tagLst xmlns:a="http://schemas.openxmlformats.org/drawingml/2006/main" xmlns:r="http://schemas.openxmlformats.org/officeDocument/2006/relationships" xmlns:p="http://schemas.openxmlformats.org/presentationml/2006/main">
+<p:tagLst xmlns:p="http://schemas.openxmlformats.org/presentationml/2006/main">
   <p:tag name="PA" val="v4.1.3"/>
 </p:tagLst>
 </file>
 
 <file path=ppt/tags/tag9.xml><?xml version="1.0" encoding="utf-8"?>
-<p:tagLst xmlns:a="http://schemas.openxmlformats.org/drawingml/2006/main" xmlns:r="http://schemas.openxmlformats.org/officeDocument/2006/relationships" xmlns:p="http://schemas.openxmlformats.org/presentationml/2006/main">
+<p:tagLst xmlns:p="http://schemas.openxmlformats.org/presentationml/2006/main">
   <p:tag name="PA" val="v4.1.3"/>
 </p:tagLst>
 </file>
@@ -32981,8 +32906,6 @@
       </a:bgFillStyleLst>
     </a:fmtScheme>
   </a:themeElements>
-  <a:objectDefaults/>
-  <a:extraClrSchemeLst/>
   <a:extLst>
     <a:ext uri="{05A4C25C-085E-4340-85A3-A5531E510DB2}">
       <thm15:themeFamily xmlns:thm15="http://schemas.microsoft.com/office/thememl/2012/main" name="Office Theme" id="{62F939B6-93AF-4DB8-9C6B-D6C7DFDC589F}" vid="{4A3C46E8-61CC-4603-A589-7422A47A8E4A}"/>
@@ -33271,8 +33194,6 @@
       </a:bgFillStyleLst>
     </a:fmtScheme>
   </a:themeElements>
-  <a:objectDefaults/>
-  <a:extraClrSchemeLst/>
   <a:extLst>
     <a:ext uri="{05A4C25C-085E-4340-85A3-A5531E510DB2}">
       <thm15:themeFamily xmlns:thm15="http://schemas.microsoft.com/office/thememl/2012/main" name="Office Theme" id="{62F939B6-93AF-4DB8-9C6B-D6C7DFDC589F}" vid="{4A3C46E8-61CC-4603-A589-7422A47A8E4A}"/>
@@ -33532,8 +33453,6 @@
       </a:bgFillStyleLst>
     </a:fmtScheme>
   </a:themeElements>
-  <a:objectDefaults/>
-  <a:extraClrSchemeLst/>
   <a:extLst>
     <a:ext uri="{05A4C25C-085E-4340-85A3-A5531E510DB2}">
       <thm15:themeFamily xmlns:thm15="http://schemas.microsoft.com/office/thememl/2012/main" name="Office Theme" id="{62F939B6-93AF-4DB8-9C6B-D6C7DFDC589F}" vid="{4A3C46E8-61CC-4603-A589-7422A47A8E4A}"/>
